--- a/工作方式/累死你的不是工作，而是工作方式.pptx
+++ b/工作方式/累死你的不是工作，而是工作方式.pptx
@@ -5,7 +5,7 @@
     <p:sldMasterId id="2147483660" r:id="rId1"/>
   </p:sldMasterIdLst>
   <p:notesMasterIdLst>
-    <p:notesMasterId r:id="rId15"/>
+    <p:notesMasterId r:id="rId26"/>
   </p:notesMasterIdLst>
   <p:sldIdLst>
     <p:sldId id="256" r:id="rId2"/>
@@ -15,12 +15,23 @@
     <p:sldId id="328" r:id="rId6"/>
     <p:sldId id="329" r:id="rId7"/>
     <p:sldId id="330" r:id="rId8"/>
-    <p:sldId id="331" r:id="rId9"/>
-    <p:sldId id="332" r:id="rId10"/>
-    <p:sldId id="333" r:id="rId11"/>
-    <p:sldId id="334" r:id="rId12"/>
-    <p:sldId id="324" r:id="rId13"/>
-    <p:sldId id="325" r:id="rId14"/>
+    <p:sldId id="335" r:id="rId9"/>
+    <p:sldId id="331" r:id="rId10"/>
+    <p:sldId id="332" r:id="rId11"/>
+    <p:sldId id="339" r:id="rId12"/>
+    <p:sldId id="340" r:id="rId13"/>
+    <p:sldId id="341" r:id="rId14"/>
+    <p:sldId id="342" r:id="rId15"/>
+    <p:sldId id="333" r:id="rId16"/>
+    <p:sldId id="343" r:id="rId17"/>
+    <p:sldId id="344" r:id="rId18"/>
+    <p:sldId id="334" r:id="rId19"/>
+    <p:sldId id="345" r:id="rId20"/>
+    <p:sldId id="346" r:id="rId21"/>
+    <p:sldId id="347" r:id="rId22"/>
+    <p:sldId id="348" r:id="rId23"/>
+    <p:sldId id="349" r:id="rId24"/>
+    <p:sldId id="325" r:id="rId25"/>
   </p:sldIdLst>
   <p:sldSz cx="9144000" cy="6858000" type="screen4x3"/>
   <p:notesSz cx="6858000" cy="9144000"/>
@@ -220,7 +231,7 @@
           <a:p>
             <a:fld id="{DA96316B-B2B6-45B9-9520-72FBFFB20CBA}" type="datetimeFigureOut">
               <a:rPr lang="zh-CN" altLang="en-US" smtClean="0"/>
-              <a:t>2016/12/20</a:t>
+              <a:t>2016/12/28</a:t>
             </a:fld>
             <a:endParaRPr lang="zh-CN" altLang="en-US"/>
           </a:p>
@@ -851,19 +862,21 @@
                 <a:ea typeface="+mn-ea"/>
                 <a:cs typeface="+mn-cs"/>
               </a:rPr>
-              <a:t>当你正在工作的时候，老板布置了一个任务、客户又来了一个问题，你会如何呢？很多人就直接扑到临时任务上去了，但真正好的做法是，如果不是十万火急，你可以快速用关键词记在笔记本上，不需要任何思考，然后马上回到刚才的任务，做完再看笔记本。</a:t>
-            </a:r>
-            <a:endParaRPr lang="en-US" altLang="zh-CN" sz="1200" b="0" i="0" kern="1200" dirty="0" smtClean="0">
-              <a:solidFill>
-                <a:schemeClr val="tx1"/>
-              </a:solidFill>
-              <a:effectLst/>
-              <a:latin typeface="+mn-lt"/>
-              <a:ea typeface="+mn-ea"/>
-              <a:cs typeface="+mn-cs"/>
-            </a:endParaRPr>
-          </a:p>
-          <a:p>
+              <a:t>我跟</a:t>
+            </a:r>
+            <a:r>
+              <a:rPr lang="zh-CN" altLang="en-US" sz="1200" b="0" i="0" u="none" strike="noStrike" kern="1200" dirty="0" smtClean="0">
+                <a:solidFill>
+                  <a:schemeClr val="tx1"/>
+                </a:solidFill>
+                <a:effectLst/>
+                <a:latin typeface="+mn-lt"/>
+                <a:ea typeface="+mn-ea"/>
+                <a:cs typeface="+mn-cs"/>
+                <a:hlinkClick r:id="rId3"/>
+              </a:rPr>
+              <a:t>公司</a:t>
+            </a:r>
             <a:r>
               <a:rPr lang="zh-CN" altLang="en-US" sz="1200" b="0" i="0" kern="1200" dirty="0" smtClean="0">
                 <a:solidFill>
@@ -874,28 +887,106 @@
                 <a:ea typeface="+mn-ea"/>
                 <a:cs typeface="+mn-cs"/>
               </a:rPr>
-              <a:t>另外，你在一天当中，学到了什么、犯了什么错误，当时也要记下来，因为过了那个时候，你很快就会忘，然后继续犯这个错误。当然，这些记录，晚上都需要进行整理。</a:t>
-            </a:r>
-          </a:p>
-          <a:p>
-            <a:r>
-              <a:rPr lang="zh-CN" altLang="en-US" dirty="0" smtClean="0"/>
-              <a:t/>
-            </a:r>
-            <a:br>
-              <a:rPr lang="zh-CN" altLang="en-US" dirty="0" smtClean="0"/>
-            </a:br>
-            <a:endParaRPr kumimoji="1" lang="en-US" altLang="zh-CN" sz="1200" b="0" i="0" kern="1200" dirty="0" smtClean="0">
-              <a:solidFill>
-                <a:schemeClr val="tx1"/>
-              </a:solidFill>
-              <a:effectLst/>
-              <a:latin typeface="+mn-lt"/>
-              <a:ea typeface="+mn-ea"/>
-              <a:cs typeface="+mn-cs"/>
-            </a:endParaRPr>
-          </a:p>
-          <a:p>
+              <a:t>的</a:t>
+            </a:r>
+            <a:r>
+              <a:rPr lang="zh-CN" altLang="en-US" sz="1200" b="0" i="0" u="none" strike="noStrike" kern="1200" dirty="0" smtClean="0">
+                <a:solidFill>
+                  <a:schemeClr val="tx1"/>
+                </a:solidFill>
+                <a:effectLst/>
+                <a:latin typeface="+mn-lt"/>
+                <a:ea typeface="+mn-ea"/>
+                <a:cs typeface="+mn-cs"/>
+                <a:hlinkClick r:id="rId4"/>
+              </a:rPr>
+              <a:t>运营</a:t>
+            </a:r>
+            <a:r>
+              <a:rPr lang="zh-CN" altLang="en-US" sz="1200" b="0" i="0" kern="1200" dirty="0" smtClean="0">
+                <a:solidFill>
+                  <a:schemeClr val="tx1"/>
+                </a:solidFill>
+                <a:effectLst/>
+                <a:latin typeface="+mn-lt"/>
+                <a:ea typeface="+mn-ea"/>
+                <a:cs typeface="+mn-cs"/>
+              </a:rPr>
+              <a:t>打过一个比方：假设你每项工作任务平均半小时可以做完，而任务之间的切换通常也要半小时，如果你经常一项不做完就切换到下一项，就算每个任务中途切换一次吧，那就意味着，</a:t>
+            </a:r>
+            <a:r>
+              <a:rPr lang="en-US" altLang="zh-CN" sz="1200" b="0" i="0" kern="1200" dirty="0" smtClean="0">
+                <a:solidFill>
+                  <a:schemeClr val="tx1"/>
+                </a:solidFill>
+                <a:effectLst/>
+                <a:latin typeface="+mn-lt"/>
+                <a:ea typeface="+mn-ea"/>
+                <a:cs typeface="+mn-cs"/>
+              </a:rPr>
+              <a:t>8</a:t>
+            </a:r>
+            <a:r>
+              <a:rPr lang="zh-CN" altLang="en-US" sz="1200" b="0" i="0" kern="1200" dirty="0" smtClean="0">
+                <a:solidFill>
+                  <a:schemeClr val="tx1"/>
+                </a:solidFill>
+                <a:effectLst/>
+                <a:latin typeface="+mn-lt"/>
+                <a:ea typeface="+mn-ea"/>
+                <a:cs typeface="+mn-cs"/>
+              </a:rPr>
+              <a:t>小时的</a:t>
+            </a:r>
+            <a:r>
+              <a:rPr lang="zh-CN" altLang="en-US" sz="1200" b="0" i="0" u="none" strike="noStrike" kern="1200" dirty="0" smtClean="0">
+                <a:solidFill>
+                  <a:schemeClr val="tx1"/>
+                </a:solidFill>
+                <a:effectLst/>
+                <a:latin typeface="+mn-lt"/>
+                <a:ea typeface="+mn-ea"/>
+                <a:cs typeface="+mn-cs"/>
+                <a:hlinkClick r:id="rId5"/>
+              </a:rPr>
+              <a:t>工作时间</a:t>
+            </a:r>
+            <a:r>
+              <a:rPr lang="zh-CN" altLang="en-US" sz="1200" b="0" i="0" kern="1200" dirty="0" smtClean="0">
+                <a:solidFill>
+                  <a:schemeClr val="tx1"/>
+                </a:solidFill>
+                <a:effectLst/>
+                <a:latin typeface="+mn-lt"/>
+                <a:ea typeface="+mn-ea"/>
+                <a:cs typeface="+mn-cs"/>
+              </a:rPr>
+              <a:t>，你至少有</a:t>
+            </a:r>
+            <a:r>
+              <a:rPr lang="en-US" altLang="zh-CN" sz="1200" b="0" i="0" kern="1200" dirty="0" smtClean="0">
+                <a:solidFill>
+                  <a:schemeClr val="tx1"/>
+                </a:solidFill>
+                <a:effectLst/>
+                <a:latin typeface="+mn-lt"/>
+                <a:ea typeface="+mn-ea"/>
+                <a:cs typeface="+mn-cs"/>
+              </a:rPr>
+              <a:t>4</a:t>
+            </a:r>
+            <a:r>
+              <a:rPr lang="zh-CN" altLang="en-US" sz="1200" b="0" i="0" kern="1200" dirty="0" smtClean="0">
+                <a:solidFill>
+                  <a:schemeClr val="tx1"/>
+                </a:solidFill>
+                <a:effectLst/>
+                <a:latin typeface="+mn-lt"/>
+                <a:ea typeface="+mn-ea"/>
+                <a:cs typeface="+mn-cs"/>
+              </a:rPr>
+              <a:t>小时都花在任务切换上了。</a:t>
+            </a:r>
             <a:endParaRPr kumimoji="1" lang="zh-CN" altLang="en-US" dirty="0"/>
           </a:p>
         </p:txBody>
@@ -926,7 +1017,7 @@
     </p:spTree>
     <p:extLst>
       <p:ext uri="{BB962C8B-B14F-4D97-AF65-F5344CB8AC3E}">
-        <p14:creationId xmlns:p14="http://schemas.microsoft.com/office/powerpoint/2010/main" val="1190047842"/>
+        <p14:creationId xmlns:p14="http://schemas.microsoft.com/office/powerpoint/2010/main" val="1010513190"/>
       </p:ext>
     </p:extLst>
   </p:cSld>
@@ -981,6 +1072,272 @@
           <a:lstStyle/>
           <a:p>
             <a:r>
+              <a:rPr kumimoji="1" lang="zh-CN" altLang="en-US" dirty="0" smtClean="0"/>
+              <a:t>在饭后效率不高的时候集中回复微信消息和留言、在等人的时候构思下篇文章主题、在疲劳的时候刷一下公众号、</a:t>
+            </a:r>
+            <a:endParaRPr kumimoji="1" lang="zh-CN" altLang="en-US" dirty="0"/>
+          </a:p>
+        </p:txBody>
+      </p:sp>
+      <p:sp>
+        <p:nvSpPr>
+          <p:cNvPr id="4" name="幻灯片编号占位符 3"/>
+          <p:cNvSpPr>
+            <a:spLocks noGrp="1"/>
+          </p:cNvSpPr>
+          <p:nvPr>
+            <p:ph type="sldNum" sz="quarter" idx="10"/>
+          </p:nvPr>
+        </p:nvSpPr>
+        <p:spPr/>
+        <p:txBody>
+          <a:bodyPr/>
+          <a:lstStyle/>
+          <a:p>
+            <a:fld id="{6A9BE142-2C03-4C6B-9003-2CFDE146FDF8}" type="slidenum">
+              <a:rPr lang="zh-CN" altLang="en-US" smtClean="0"/>
+              <a:t>12</a:t>
+            </a:fld>
+            <a:endParaRPr lang="zh-CN" altLang="en-US"/>
+          </a:p>
+        </p:txBody>
+      </p:sp>
+    </p:spTree>
+    <p:extLst>
+      <p:ext uri="{BB962C8B-B14F-4D97-AF65-F5344CB8AC3E}">
+        <p14:creationId xmlns:p14="http://schemas.microsoft.com/office/powerpoint/2010/main" val="220594578"/>
+      </p:ext>
+    </p:extLst>
+  </p:cSld>
+  <p:clrMapOvr>
+    <a:masterClrMapping/>
+  </p:clrMapOvr>
+</p:notes>
+</file>
+
+<file path=ppt/notesSlides/notesSlide6.xml><?xml version="1.0" encoding="utf-8"?>
+<p:notes xmlns:a="http://schemas.openxmlformats.org/drawingml/2006/main" xmlns:r="http://schemas.openxmlformats.org/officeDocument/2006/relationships" xmlns:p="http://schemas.openxmlformats.org/presentationml/2006/main">
+  <p:cSld>
+    <p:spTree>
+      <p:nvGrpSpPr>
+        <p:cNvPr id="1" name=""/>
+        <p:cNvGrpSpPr/>
+        <p:nvPr/>
+      </p:nvGrpSpPr>
+      <p:grpSpPr>
+        <a:xfrm>
+          <a:off x="0" y="0"/>
+          <a:ext cx="0" cy="0"/>
+          <a:chOff x="0" y="0"/>
+          <a:chExt cx="0" cy="0"/>
+        </a:xfrm>
+      </p:grpSpPr>
+      <p:sp>
+        <p:nvSpPr>
+          <p:cNvPr id="2" name="幻灯片图像占位符 1"/>
+          <p:cNvSpPr>
+            <a:spLocks noGrp="1" noRot="1" noChangeAspect="1"/>
+          </p:cNvSpPr>
+          <p:nvPr>
+            <p:ph type="sldImg"/>
+          </p:nvPr>
+        </p:nvSpPr>
+        <p:spPr/>
+      </p:sp>
+      <p:sp>
+        <p:nvSpPr>
+          <p:cNvPr id="3" name="备注占位符 2"/>
+          <p:cNvSpPr>
+            <a:spLocks noGrp="1"/>
+          </p:cNvSpPr>
+          <p:nvPr>
+            <p:ph type="body" idx="1"/>
+          </p:nvPr>
+        </p:nvSpPr>
+        <p:spPr/>
+        <p:txBody>
+          <a:bodyPr/>
+          <a:lstStyle/>
+          <a:p>
+            <a:endParaRPr kumimoji="1" lang="zh-CN" altLang="en-US" dirty="0"/>
+          </a:p>
+        </p:txBody>
+      </p:sp>
+      <p:sp>
+        <p:nvSpPr>
+          <p:cNvPr id="4" name="幻灯片编号占位符 3"/>
+          <p:cNvSpPr>
+            <a:spLocks noGrp="1"/>
+          </p:cNvSpPr>
+          <p:nvPr>
+            <p:ph type="sldNum" sz="quarter" idx="10"/>
+          </p:nvPr>
+        </p:nvSpPr>
+        <p:spPr/>
+        <p:txBody>
+          <a:bodyPr/>
+          <a:lstStyle/>
+          <a:p>
+            <a:fld id="{6A9BE142-2C03-4C6B-9003-2CFDE146FDF8}" type="slidenum">
+              <a:rPr lang="zh-CN" altLang="en-US" smtClean="0"/>
+              <a:t>15</a:t>
+            </a:fld>
+            <a:endParaRPr lang="zh-CN" altLang="en-US"/>
+          </a:p>
+        </p:txBody>
+      </p:sp>
+    </p:spTree>
+    <p:extLst>
+      <p:ext uri="{BB962C8B-B14F-4D97-AF65-F5344CB8AC3E}">
+        <p14:creationId xmlns:p14="http://schemas.microsoft.com/office/powerpoint/2010/main" val="1190047842"/>
+      </p:ext>
+    </p:extLst>
+  </p:cSld>
+  <p:clrMapOvr>
+    <a:masterClrMapping/>
+  </p:clrMapOvr>
+</p:notes>
+</file>
+
+<file path=ppt/notesSlides/notesSlide7.xml><?xml version="1.0" encoding="utf-8"?>
+<p:notes xmlns:a="http://schemas.openxmlformats.org/drawingml/2006/main" xmlns:r="http://schemas.openxmlformats.org/officeDocument/2006/relationships" xmlns:p="http://schemas.openxmlformats.org/presentationml/2006/main">
+  <p:cSld>
+    <p:spTree>
+      <p:nvGrpSpPr>
+        <p:cNvPr id="1" name=""/>
+        <p:cNvGrpSpPr/>
+        <p:nvPr/>
+      </p:nvGrpSpPr>
+      <p:grpSpPr>
+        <a:xfrm>
+          <a:off x="0" y="0"/>
+          <a:ext cx="0" cy="0"/>
+          <a:chOff x="0" y="0"/>
+          <a:chExt cx="0" cy="0"/>
+        </a:xfrm>
+      </p:grpSpPr>
+      <p:sp>
+        <p:nvSpPr>
+          <p:cNvPr id="2" name="幻灯片图像占位符 1"/>
+          <p:cNvSpPr>
+            <a:spLocks noGrp="1" noRot="1" noChangeAspect="1"/>
+          </p:cNvSpPr>
+          <p:nvPr>
+            <p:ph type="sldImg"/>
+          </p:nvPr>
+        </p:nvSpPr>
+        <p:spPr/>
+      </p:sp>
+      <p:sp>
+        <p:nvSpPr>
+          <p:cNvPr id="3" name="备注占位符 2"/>
+          <p:cNvSpPr>
+            <a:spLocks noGrp="1"/>
+          </p:cNvSpPr>
+          <p:nvPr>
+            <p:ph type="body" idx="1"/>
+          </p:nvPr>
+        </p:nvSpPr>
+        <p:spPr/>
+        <p:txBody>
+          <a:bodyPr/>
+          <a:lstStyle/>
+          <a:p>
+            <a:r>
+              <a:rPr kumimoji="1" lang="zh-CN" altLang="en-US" dirty="0" smtClean="0"/>
+              <a:t>他的工作岗位要求他做的，就是完成任务，至于背后的出发点，不需要知道。而且，领导有可能就是考核努力、考核苦劳，而不是考核产出。</a:t>
+            </a:r>
+            <a:endParaRPr kumimoji="1" lang="en-US" altLang="zh-CN" dirty="0" smtClean="0"/>
+          </a:p>
+          <a:p>
+            <a:endParaRPr kumimoji="1" lang="en-US" altLang="zh-CN" dirty="0" smtClean="0"/>
+          </a:p>
+          <a:p>
+            <a:endParaRPr kumimoji="1" lang="zh-CN" altLang="en-US" dirty="0"/>
+          </a:p>
+        </p:txBody>
+      </p:sp>
+      <p:sp>
+        <p:nvSpPr>
+          <p:cNvPr id="4" name="幻灯片编号占位符 3"/>
+          <p:cNvSpPr>
+            <a:spLocks noGrp="1"/>
+          </p:cNvSpPr>
+          <p:nvPr>
+            <p:ph type="sldNum" sz="quarter" idx="10"/>
+          </p:nvPr>
+        </p:nvSpPr>
+        <p:spPr/>
+        <p:txBody>
+          <a:bodyPr/>
+          <a:lstStyle/>
+          <a:p>
+            <a:fld id="{6A9BE142-2C03-4C6B-9003-2CFDE146FDF8}" type="slidenum">
+              <a:rPr lang="zh-CN" altLang="en-US" smtClean="0"/>
+              <a:t>20</a:t>
+            </a:fld>
+            <a:endParaRPr lang="zh-CN" altLang="en-US"/>
+          </a:p>
+        </p:txBody>
+      </p:sp>
+    </p:spTree>
+    <p:extLst>
+      <p:ext uri="{BB962C8B-B14F-4D97-AF65-F5344CB8AC3E}">
+        <p14:creationId xmlns:p14="http://schemas.microsoft.com/office/powerpoint/2010/main" val="1860203346"/>
+      </p:ext>
+    </p:extLst>
+  </p:cSld>
+  <p:clrMapOvr>
+    <a:masterClrMapping/>
+  </p:clrMapOvr>
+</p:notes>
+</file>
+
+<file path=ppt/notesSlides/notesSlide8.xml><?xml version="1.0" encoding="utf-8"?>
+<p:notes xmlns:a="http://schemas.openxmlformats.org/drawingml/2006/main" xmlns:r="http://schemas.openxmlformats.org/officeDocument/2006/relationships" xmlns:p="http://schemas.openxmlformats.org/presentationml/2006/main">
+  <p:cSld>
+    <p:spTree>
+      <p:nvGrpSpPr>
+        <p:cNvPr id="1" name=""/>
+        <p:cNvGrpSpPr/>
+        <p:nvPr/>
+      </p:nvGrpSpPr>
+      <p:grpSpPr>
+        <a:xfrm>
+          <a:off x="0" y="0"/>
+          <a:ext cx="0" cy="0"/>
+          <a:chOff x="0" y="0"/>
+          <a:chExt cx="0" cy="0"/>
+        </a:xfrm>
+      </p:grpSpPr>
+      <p:sp>
+        <p:nvSpPr>
+          <p:cNvPr id="2" name="幻灯片图像占位符 1"/>
+          <p:cNvSpPr>
+            <a:spLocks noGrp="1" noRot="1" noChangeAspect="1"/>
+          </p:cNvSpPr>
+          <p:nvPr>
+            <p:ph type="sldImg"/>
+          </p:nvPr>
+        </p:nvSpPr>
+        <p:spPr/>
+      </p:sp>
+      <p:sp>
+        <p:nvSpPr>
+          <p:cNvPr id="3" name="备注占位符 2"/>
+          <p:cNvSpPr>
+            <a:spLocks noGrp="1"/>
+          </p:cNvSpPr>
+          <p:nvPr>
+            <p:ph type="body" idx="1"/>
+          </p:nvPr>
+        </p:nvSpPr>
+        <p:spPr/>
+        <p:txBody>
+          <a:bodyPr/>
+          <a:lstStyle/>
+          <a:p>
+            <a:r>
               <a:rPr lang="en-US" altLang="zh-CN" dirty="0" smtClean="0">
                 <a:hlinkClick r:id="rId3"/>
               </a:rPr>
@@ -1013,7 +1370,7 @@
           <a:p>
             <a:fld id="{3CC2566A-E84E-420E-B996-FBD9ED0A4505}" type="slidenum">
               <a:rPr lang="zh-CN" altLang="en-US" smtClean="0"/>
-              <a:t>13</a:t>
+              <a:t>24</a:t>
             </a:fld>
             <a:endParaRPr lang="zh-CN" altLang="en-US"/>
           </a:p>
@@ -1239,7 +1596,7 @@
           <a:p>
             <a:fld id="{78EAE8B2-A1E4-4545-9667-1017E13BC612}" type="datetimeFigureOut">
               <a:rPr lang="zh-CN" altLang="en-US" smtClean="0"/>
-              <a:t>2016/12/20</a:t>
+              <a:t>2016/12/28</a:t>
             </a:fld>
             <a:endParaRPr lang="zh-CN" altLang="en-US"/>
           </a:p>
@@ -1433,7 +1790,7 @@
           <a:p>
             <a:fld id="{78EAE8B2-A1E4-4545-9667-1017E13BC612}" type="datetimeFigureOut">
               <a:rPr lang="zh-CN" altLang="en-US" smtClean="0"/>
-              <a:t>2016/12/20</a:t>
+              <a:t>2016/12/28</a:t>
             </a:fld>
             <a:endParaRPr lang="zh-CN" altLang="en-US"/>
           </a:p>
@@ -1621,7 +1978,7 @@
           <a:p>
             <a:fld id="{78EAE8B2-A1E4-4545-9667-1017E13BC612}" type="datetimeFigureOut">
               <a:rPr lang="zh-CN" altLang="en-US" smtClean="0"/>
-              <a:t>2016/12/20</a:t>
+              <a:t>2016/12/28</a:t>
             </a:fld>
             <a:endParaRPr lang="zh-CN" altLang="en-US"/>
           </a:p>
@@ -1850,7 +2207,7 @@
           <a:p>
             <a:fld id="{78EAE8B2-A1E4-4545-9667-1017E13BC612}" type="datetimeFigureOut">
               <a:rPr lang="zh-CN" altLang="en-US" smtClean="0"/>
-              <a:t>2016/12/20</a:t>
+              <a:t>2016/12/28</a:t>
             </a:fld>
             <a:endParaRPr lang="zh-CN" altLang="en-US"/>
           </a:p>
@@ -2131,7 +2488,7 @@
           <a:p>
             <a:fld id="{78EAE8B2-A1E4-4545-9667-1017E13BC612}" type="datetimeFigureOut">
               <a:rPr lang="zh-CN" altLang="en-US" smtClean="0"/>
-              <a:t>2016/12/20</a:t>
+              <a:t>2016/12/28</a:t>
             </a:fld>
             <a:endParaRPr lang="zh-CN" altLang="en-US"/>
           </a:p>
@@ -2419,7 +2776,7 @@
           <a:p>
             <a:fld id="{78EAE8B2-A1E4-4545-9667-1017E13BC612}" type="datetimeFigureOut">
               <a:rPr lang="zh-CN" altLang="en-US" smtClean="0"/>
-              <a:t>2016/12/20</a:t>
+              <a:t>2016/12/28</a:t>
             </a:fld>
             <a:endParaRPr lang="zh-CN" altLang="en-US"/>
           </a:p>
@@ -2973,7 +3330,7 @@
           <a:p>
             <a:fld id="{78EAE8B2-A1E4-4545-9667-1017E13BC612}" type="datetimeFigureOut">
               <a:rPr lang="zh-CN" altLang="en-US" smtClean="0"/>
-              <a:t>2016/12/20</a:t>
+              <a:t>2016/12/28</a:t>
             </a:fld>
             <a:endParaRPr lang="zh-CN" altLang="en-US"/>
           </a:p>
@@ -3104,7 +3461,7 @@
           <a:p>
             <a:fld id="{78EAE8B2-A1E4-4545-9667-1017E13BC612}" type="datetimeFigureOut">
               <a:rPr lang="zh-CN" altLang="en-US" smtClean="0"/>
-              <a:t>2016/12/20</a:t>
+              <a:t>2016/12/28</a:t>
             </a:fld>
             <a:endParaRPr lang="zh-CN" altLang="en-US"/>
           </a:p>
@@ -3254,7 +3611,7 @@
           <a:p>
             <a:fld id="{78EAE8B2-A1E4-4545-9667-1017E13BC612}" type="datetimeFigureOut">
               <a:rPr lang="zh-CN" altLang="en-US" smtClean="0"/>
-              <a:t>2016/12/20</a:t>
+              <a:t>2016/12/28</a:t>
             </a:fld>
             <a:endParaRPr lang="zh-CN" altLang="en-US"/>
           </a:p>
@@ -3575,7 +3932,7 @@
           <a:p>
             <a:fld id="{78EAE8B2-A1E4-4545-9667-1017E13BC612}" type="datetimeFigureOut">
               <a:rPr lang="zh-CN" altLang="en-US" smtClean="0"/>
-              <a:t>2016/12/20</a:t>
+              <a:t>2016/12/28</a:t>
             </a:fld>
             <a:endParaRPr lang="zh-CN" altLang="en-US"/>
           </a:p>
@@ -3872,7 +4229,7 @@
           <a:p>
             <a:fld id="{78EAE8B2-A1E4-4545-9667-1017E13BC612}" type="datetimeFigureOut">
               <a:rPr lang="zh-CN" altLang="en-US" smtClean="0"/>
-              <a:t>2016/12/20</a:t>
+              <a:t>2016/12/28</a:t>
             </a:fld>
             <a:endParaRPr lang="zh-CN" altLang="en-US"/>
           </a:p>
@@ -4117,7 +4474,7 @@
           <a:p>
             <a:fld id="{78EAE8B2-A1E4-4545-9667-1017E13BC612}" type="datetimeFigureOut">
               <a:rPr lang="zh-CN" altLang="en-US" smtClean="0"/>
-              <a:t>2016/12/20</a:t>
+              <a:t>2016/12/28</a:t>
             </a:fld>
             <a:endParaRPr lang="zh-CN" altLang="en-US"/>
           </a:p>
@@ -4615,7 +4972,12 @@
             <p:ph type="ctrTitle"/>
           </p:nvPr>
         </p:nvSpPr>
-        <p:spPr/>
+        <p:spPr>
+          <a:xfrm>
+            <a:off x="464234" y="381001"/>
+            <a:ext cx="7708166" cy="2209800"/>
+          </a:xfrm>
+        </p:spPr>
         <p:txBody>
           <a:bodyPr>
             <a:normAutofit/>
@@ -4658,7 +5020,12 @@
             <p:ph type="subTitle" idx="1"/>
           </p:nvPr>
         </p:nvSpPr>
-        <p:spPr/>
+        <p:spPr>
+          <a:xfrm>
+            <a:off x="2114698" y="4005064"/>
+            <a:ext cx="6560234" cy="1752600"/>
+          </a:xfrm>
+        </p:spPr>
         <p:txBody>
           <a:bodyPr/>
           <a:lstStyle/>
@@ -4748,21 +5115,11 @@
           <a:p>
             <a:r>
               <a:rPr lang="zh-CN" altLang="en-US" dirty="0">
-                <a:effectLst/>
-                <a:latin typeface="STKaiti" charset="-122"/>
-                <a:ea typeface="STKaiti" charset="-122"/>
-                <a:cs typeface="STKaiti" charset="-122"/>
-              </a:rPr>
-              <a:t>统筹式</a:t>
-            </a:r>
-            <a:r>
-              <a:rPr lang="zh-CN" altLang="en-US" dirty="0" smtClean="0">
-                <a:effectLst/>
-                <a:latin typeface="STKaiti" charset="-122"/>
-                <a:ea typeface="STKaiti" charset="-122"/>
-                <a:cs typeface="STKaiti" charset="-122"/>
-              </a:rPr>
-              <a:t>工作特征</a:t>
+                <a:latin typeface="STKaiti" charset="-122"/>
+                <a:ea typeface="STKaiti" charset="-122"/>
+                <a:cs typeface="STKaiti" charset="-122"/>
+              </a:rPr>
+              <a:t>应激式工作</a:t>
             </a:r>
             <a:endParaRPr kumimoji="1" lang="zh-CN" altLang="en-US" dirty="0">
               <a:latin typeface="STKaiti" charset="-122"/>
@@ -4787,13 +5144,18 @@
           <a:bodyPr/>
           <a:lstStyle/>
           <a:p>
+            <a:pPr>
+              <a:lnSpc>
+                <a:spcPct val="150000"/>
+              </a:lnSpc>
+            </a:pPr>
             <a:r>
               <a:rPr lang="zh-CN" altLang="en-US" dirty="0">
                 <a:latin typeface="STKaiti" charset="-122"/>
                 <a:ea typeface="STKaiti" charset="-122"/>
                 <a:cs typeface="STKaiti" charset="-122"/>
               </a:rPr>
-              <a:t>有计划地</a:t>
+              <a:t>应激式</a:t>
             </a:r>
             <a:r>
               <a:rPr lang="zh-CN" altLang="en-US" dirty="0" smtClean="0">
@@ -4801,7 +5163,7 @@
                 <a:ea typeface="STKaiti" charset="-122"/>
                 <a:cs typeface="STKaiti" charset="-122"/>
               </a:rPr>
-              <a:t>工作；</a:t>
+              <a:t>工作：</a:t>
             </a:r>
             <a:endParaRPr lang="en-US" altLang="zh-CN" dirty="0" smtClean="0">
               <a:latin typeface="STKaiti" charset="-122"/>
@@ -4810,14 +5172,26 @@
             </a:endParaRPr>
           </a:p>
           <a:p>
-            <a:pPr lvl="1"/>
+            <a:pPr lvl="1">
+              <a:lnSpc>
+                <a:spcPct val="150000"/>
+              </a:lnSpc>
+            </a:pPr>
+            <a:r>
+              <a:rPr lang="zh-CN" altLang="en-US" dirty="0" smtClean="0">
+                <a:latin typeface="STKaiti" charset="-122"/>
+                <a:ea typeface="STKaiti" charset="-122"/>
+                <a:cs typeface="STKaiti" charset="-122"/>
+              </a:rPr>
+              <a:t>他们</a:t>
+            </a:r>
             <a:r>
               <a:rPr lang="zh-CN" altLang="en-US" dirty="0">
                 <a:latin typeface="STKaiti" charset="-122"/>
                 <a:ea typeface="STKaiti" charset="-122"/>
                 <a:cs typeface="STKaiti" charset="-122"/>
               </a:rPr>
-              <a:t>做计划的时候，你需要为高价值问题分配最多专门的时间</a:t>
+              <a:t>每天起来的第一件事，不是规划当天的工作</a:t>
             </a:r>
             <a:r>
               <a:rPr lang="zh-CN" altLang="en-US" dirty="0" smtClean="0">
@@ -4825,7 +5199,7 @@
                 <a:ea typeface="STKaiti" charset="-122"/>
                 <a:cs typeface="STKaiti" charset="-122"/>
               </a:rPr>
-              <a:t>。</a:t>
+              <a:t>，</a:t>
             </a:r>
             <a:endParaRPr lang="en-US" altLang="zh-CN" dirty="0" smtClean="0">
               <a:latin typeface="STKaiti" charset="-122"/>
@@ -4834,13 +5208,26 @@
             </a:endParaRPr>
           </a:p>
           <a:p>
+            <a:pPr lvl="1">
+              <a:lnSpc>
+                <a:spcPct val="150000"/>
+              </a:lnSpc>
+            </a:pPr>
+            <a:r>
+              <a:rPr lang="zh-CN" altLang="en-US" dirty="0" smtClean="0">
+                <a:latin typeface="STKaiti" charset="-122"/>
+                <a:ea typeface="STKaiti" charset="-122"/>
+                <a:cs typeface="STKaiti" charset="-122"/>
+              </a:rPr>
+              <a:t>而</a:t>
+            </a:r>
             <a:r>
               <a:rPr lang="zh-CN" altLang="en-US" dirty="0">
                 <a:latin typeface="STKaiti" charset="-122"/>
                 <a:ea typeface="STKaiti" charset="-122"/>
                 <a:cs typeface="STKaiti" charset="-122"/>
               </a:rPr>
-              <a:t>形成自己固定的时间习惯</a:t>
+              <a:t>是马上投入工作</a:t>
             </a:r>
             <a:r>
               <a:rPr lang="zh-CN" altLang="en-US" dirty="0" smtClean="0">
@@ -4848,7 +5235,7 @@
                 <a:ea typeface="STKaiti" charset="-122"/>
                 <a:cs typeface="STKaiti" charset="-122"/>
               </a:rPr>
-              <a:t>。</a:t>
+              <a:t>，</a:t>
             </a:r>
             <a:endParaRPr lang="en-US" altLang="zh-CN" dirty="0" smtClean="0">
               <a:latin typeface="STKaiti" charset="-122"/>
@@ -4857,93 +5244,27 @@
             </a:endParaRPr>
           </a:p>
           <a:p>
-            <a:pPr lvl="1"/>
+            <a:pPr lvl="1">
+              <a:lnSpc>
+                <a:spcPct val="150000"/>
+              </a:lnSpc>
+            </a:pPr>
+            <a:r>
+              <a:rPr lang="zh-CN" altLang="en-US" dirty="0" smtClean="0">
+                <a:latin typeface="STKaiti" charset="-122"/>
+                <a:ea typeface="STKaiti" charset="-122"/>
+                <a:cs typeface="STKaiti" charset="-122"/>
+              </a:rPr>
+              <a:t>以至于</a:t>
+            </a:r>
             <a:r>
               <a:rPr lang="zh-CN" altLang="en-US" dirty="0">
                 <a:latin typeface="STKaiti" charset="-122"/>
                 <a:ea typeface="STKaiti" charset="-122"/>
                 <a:cs typeface="STKaiti" charset="-122"/>
               </a:rPr>
-              <a:t>把不同难度的工作跟自己的效率波峰波谷相匹配，达到效率</a:t>
-            </a:r>
-            <a:r>
-              <a:rPr lang="zh-CN" altLang="en-US" dirty="0" smtClean="0">
-                <a:latin typeface="STKaiti" charset="-122"/>
-                <a:ea typeface="STKaiti" charset="-122"/>
-                <a:cs typeface="STKaiti" charset="-122"/>
-              </a:rPr>
-              <a:t>最大化</a:t>
-            </a:r>
-            <a:endParaRPr lang="en-US" altLang="zh-CN" dirty="0" smtClean="0">
-              <a:latin typeface="STKaiti" charset="-122"/>
-              <a:ea typeface="STKaiti" charset="-122"/>
-              <a:cs typeface="STKaiti" charset="-122"/>
-            </a:endParaRPr>
-          </a:p>
-          <a:p>
-            <a:pPr lvl="1"/>
-            <a:r>
-              <a:rPr lang="zh-CN" altLang="en-US" dirty="0">
-                <a:latin typeface="STKaiti" charset="-122"/>
-                <a:ea typeface="STKaiti" charset="-122"/>
-                <a:cs typeface="STKaiti" charset="-122"/>
-              </a:rPr>
-              <a:t>碎片时间</a:t>
-            </a:r>
-            <a:endParaRPr lang="en-US" altLang="zh-CN" dirty="0" smtClean="0">
-              <a:latin typeface="STKaiti" charset="-122"/>
-              <a:ea typeface="STKaiti" charset="-122"/>
-              <a:cs typeface="STKaiti" charset="-122"/>
-            </a:endParaRPr>
-          </a:p>
-          <a:p>
-            <a:r>
-              <a:rPr lang="zh-CN" altLang="en-US" dirty="0">
-                <a:latin typeface="STKaiti" charset="-122"/>
-                <a:ea typeface="STKaiti" charset="-122"/>
-                <a:cs typeface="STKaiti" charset="-122"/>
-              </a:rPr>
-              <a:t>及时记录、每天</a:t>
-            </a:r>
-            <a:r>
-              <a:rPr lang="zh-CN" altLang="en-US" dirty="0" smtClean="0">
-                <a:latin typeface="STKaiti" charset="-122"/>
-                <a:ea typeface="STKaiti" charset="-122"/>
-                <a:cs typeface="STKaiti" charset="-122"/>
-              </a:rPr>
-              <a:t>总结</a:t>
-            </a:r>
-            <a:endParaRPr lang="en-US" altLang="zh-CN" dirty="0" smtClean="0">
-              <a:latin typeface="STKaiti" charset="-122"/>
-              <a:ea typeface="STKaiti" charset="-122"/>
-              <a:cs typeface="STKaiti" charset="-122"/>
-            </a:endParaRPr>
-          </a:p>
-          <a:p>
-            <a:pPr lvl="1"/>
-            <a:r>
-              <a:rPr lang="zh-CN" altLang="en-US" dirty="0">
-                <a:latin typeface="STKaiti" charset="-122"/>
-                <a:ea typeface="STKaiti" charset="-122"/>
-                <a:cs typeface="STKaiti" charset="-122"/>
-              </a:rPr>
-              <a:t>记录还有一个好处，就是可以减轻大脑</a:t>
-            </a:r>
-            <a:r>
-              <a:rPr lang="zh-CN" altLang="en-US" dirty="0" smtClean="0">
-                <a:latin typeface="STKaiti" charset="-122"/>
-                <a:ea typeface="STKaiti" charset="-122"/>
-                <a:cs typeface="STKaiti" charset="-122"/>
-              </a:rPr>
-              <a:t>负担。</a:t>
-            </a:r>
-            <a:endParaRPr lang="en-US" altLang="zh-CN" dirty="0" smtClean="0">
-              <a:latin typeface="STKaiti" charset="-122"/>
-              <a:ea typeface="STKaiti" charset="-122"/>
-              <a:cs typeface="STKaiti" charset="-122"/>
-            </a:endParaRPr>
-          </a:p>
-          <a:p>
+              <a:t>到了下班之后，发现还有很多事情没做完，而没做完的，可能又是最重要的。</a:t>
+            </a:r>
             <a:endParaRPr kumimoji="1" lang="zh-CN" altLang="en-US" dirty="0">
               <a:latin typeface="STKaiti" charset="-122"/>
               <a:ea typeface="STKaiti" charset="-122"/>
@@ -4955,7 +5276,7 @@
     </p:spTree>
     <p:extLst>
       <p:ext uri="{BB962C8B-B14F-4D97-AF65-F5344CB8AC3E}">
-        <p14:creationId xmlns:p14="http://schemas.microsoft.com/office/powerpoint/2010/main" val="1249340116"/>
+        <p14:creationId xmlns:p14="http://schemas.microsoft.com/office/powerpoint/2010/main" val="468941486"/>
       </p:ext>
     </p:extLst>
   </p:cSld>
@@ -5005,49 +5326,117 @@
           <a:lstStyle/>
           <a:p>
             <a:r>
-              <a:rPr lang="zh-CN" altLang="en-US" b="1" dirty="0">
-                <a:effectLst/>
-                <a:latin typeface="STKaiti" charset="-122"/>
-                <a:ea typeface="STKaiti" charset="-122"/>
-                <a:cs typeface="STKaiti" charset="-122"/>
-              </a:rPr>
-              <a:t>偷懒</a:t>
-            </a:r>
-            <a:endParaRPr kumimoji="1" lang="zh-CN" altLang="en-US" dirty="0">
+              <a:rPr kumimoji="1" lang="zh-CN" altLang="en-US" dirty="0">
+                <a:latin typeface="STKaiti" charset="-122"/>
+                <a:ea typeface="STKaiti" charset="-122"/>
+                <a:cs typeface="STKaiti" charset="-122"/>
+              </a:rPr>
+              <a:t>有计划地工作</a:t>
+            </a:r>
+          </a:p>
+        </p:txBody>
+      </p:sp>
+      <p:sp>
+        <p:nvSpPr>
+          <p:cNvPr id="3" name="内容占位符 2"/>
+          <p:cNvSpPr>
+            <a:spLocks noGrp="1"/>
+          </p:cNvSpPr>
+          <p:nvPr>
+            <p:ph idx="1"/>
+          </p:nvPr>
+        </p:nvSpPr>
+        <p:spPr/>
+        <p:txBody>
+          <a:bodyPr>
+            <a:normAutofit fontScale="85000" lnSpcReduction="20000"/>
+          </a:bodyPr>
+          <a:lstStyle/>
+          <a:p>
+            <a:pPr>
+              <a:lnSpc>
+                <a:spcPct val="150000"/>
+              </a:lnSpc>
+            </a:pPr>
+            <a:r>
+              <a:rPr kumimoji="1" lang="zh-CN" altLang="en-US" dirty="0">
+                <a:latin typeface="STKaiti" charset="-122"/>
+                <a:ea typeface="STKaiti" charset="-122"/>
+                <a:cs typeface="STKaiti" charset="-122"/>
+              </a:rPr>
+              <a:t>周日晚上就会排好下周每天的工作，而每天早上会排好当天的工作</a:t>
+            </a:r>
+            <a:r>
+              <a:rPr kumimoji="1" lang="zh-CN" altLang="en-US" dirty="0" smtClean="0">
+                <a:latin typeface="STKaiti" charset="-122"/>
+                <a:ea typeface="STKaiti" charset="-122"/>
+                <a:cs typeface="STKaiti" charset="-122"/>
+              </a:rPr>
+              <a:t>。</a:t>
+            </a:r>
+            <a:endParaRPr kumimoji="1" lang="en-US" altLang="zh-CN" dirty="0" smtClean="0">
               <a:latin typeface="STKaiti" charset="-122"/>
               <a:ea typeface="STKaiti" charset="-122"/>
               <a:cs typeface="STKaiti" charset="-122"/>
             </a:endParaRPr>
           </a:p>
-        </p:txBody>
-      </p:sp>
-      <p:sp>
-        <p:nvSpPr>
-          <p:cNvPr id="3" name="内容占位符 2"/>
-          <p:cNvSpPr>
-            <a:spLocks noGrp="1"/>
-          </p:cNvSpPr>
-          <p:nvPr>
-            <p:ph idx="1"/>
-          </p:nvPr>
-        </p:nvSpPr>
-        <p:spPr/>
-        <p:txBody>
-          <a:bodyPr/>
-          <a:lstStyle/>
-          <a:p>
-            <a:r>
-              <a:rPr lang="zh-CN" altLang="en-US" b="1" dirty="0"/>
-              <a:t>偷懒，不仅是善用工具，还包括善用他人。</a:t>
-            </a:r>
-            <a:endParaRPr kumimoji="1" lang="zh-CN" altLang="en-US" dirty="0"/>
+          <a:p>
+            <a:pPr>
+              <a:lnSpc>
+                <a:spcPct val="150000"/>
+              </a:lnSpc>
+            </a:pPr>
+            <a:r>
+              <a:rPr kumimoji="1" lang="zh-CN" altLang="en-US" dirty="0" smtClean="0">
+                <a:latin typeface="STKaiti" charset="-122"/>
+                <a:ea typeface="STKaiti" charset="-122"/>
+                <a:cs typeface="STKaiti" charset="-122"/>
+              </a:rPr>
+              <a:t>任务</a:t>
+            </a:r>
+            <a:r>
+              <a:rPr kumimoji="1" lang="zh-CN" altLang="en-US" dirty="0">
+                <a:latin typeface="STKaiti" charset="-122"/>
+                <a:ea typeface="STKaiti" charset="-122"/>
+                <a:cs typeface="STKaiti" charset="-122"/>
+              </a:rPr>
+              <a:t>清单在工作的时候一直开着、实时更新，完成一项删掉一项，临时增加一项就插入相应的时间段，当天完不成的、非紧急的任务，就改成第二天的日期</a:t>
+            </a:r>
+            <a:r>
+              <a:rPr kumimoji="1" lang="zh-CN" altLang="en-US" dirty="0" smtClean="0">
+                <a:latin typeface="STKaiti" charset="-122"/>
+                <a:ea typeface="STKaiti" charset="-122"/>
+                <a:cs typeface="STKaiti" charset="-122"/>
+              </a:rPr>
+              <a:t>。</a:t>
+            </a:r>
+            <a:endParaRPr kumimoji="1" lang="en-US" altLang="zh-CN" dirty="0" smtClean="0">
+              <a:latin typeface="STKaiti" charset="-122"/>
+              <a:ea typeface="STKaiti" charset="-122"/>
+              <a:cs typeface="STKaiti" charset="-122"/>
+            </a:endParaRPr>
+          </a:p>
+          <a:p>
+            <a:pPr>
+              <a:lnSpc>
+                <a:spcPct val="150000"/>
+              </a:lnSpc>
+            </a:pPr>
+            <a:r>
+              <a:rPr kumimoji="1" lang="zh-CN" altLang="en-US" dirty="0">
+                <a:latin typeface="STKaiti" charset="-122"/>
+                <a:ea typeface="STKaiti" charset="-122"/>
+                <a:cs typeface="STKaiti" charset="-122"/>
+              </a:rPr>
+              <a:t>做计划的时候，你需要为高价值问题分配最多专门的时间。</a:t>
+            </a:r>
           </a:p>
         </p:txBody>
       </p:sp>
     </p:spTree>
     <p:extLst>
       <p:ext uri="{BB962C8B-B14F-4D97-AF65-F5344CB8AC3E}">
-        <p14:creationId xmlns:p14="http://schemas.microsoft.com/office/powerpoint/2010/main" val="1436428720"/>
+        <p14:creationId xmlns:p14="http://schemas.microsoft.com/office/powerpoint/2010/main" val="1100114702"/>
       </p:ext>
     </p:extLst>
   </p:cSld>
@@ -5097,64 +5486,128 @@
           <a:lstStyle/>
           <a:p>
             <a:r>
-              <a:rPr lang="en-US" altLang="zh-CN" dirty="0" smtClean="0">
-                <a:latin typeface="STKaiti" charset="-122"/>
-                <a:ea typeface="STKaiti" charset="-122"/>
-                <a:cs typeface="STKaiti" charset="-122"/>
-              </a:rPr>
-              <a:t>FAQ</a:t>
-            </a:r>
-            <a:r>
-              <a:rPr lang="zh-CN" altLang="en-US" dirty="0" smtClean="0">
-                <a:latin typeface="STKaiti" charset="-122"/>
-                <a:ea typeface="STKaiti" charset="-122"/>
-                <a:cs typeface="STKaiti" charset="-122"/>
-              </a:rPr>
-              <a:t>问答时间</a:t>
-            </a:r>
-            <a:endParaRPr lang="zh-CN" altLang="en-US" dirty="0">
+              <a:rPr kumimoji="1" lang="zh-CN" altLang="en-US" dirty="0">
+                <a:latin typeface="STKaiti" charset="-122"/>
+                <a:ea typeface="STKaiti" charset="-122"/>
+                <a:cs typeface="STKaiti" charset="-122"/>
+              </a:rPr>
+              <a:t>形成自己固定的时间习惯</a:t>
+            </a:r>
+          </a:p>
+        </p:txBody>
+      </p:sp>
+      <p:sp>
+        <p:nvSpPr>
+          <p:cNvPr id="3" name="内容占位符 2"/>
+          <p:cNvSpPr>
+            <a:spLocks noGrp="1"/>
+          </p:cNvSpPr>
+          <p:nvPr>
+            <p:ph idx="1"/>
+          </p:nvPr>
+        </p:nvSpPr>
+        <p:spPr/>
+        <p:txBody>
+          <a:bodyPr/>
+          <a:lstStyle/>
+          <a:p>
+            <a:pPr>
+              <a:lnSpc>
+                <a:spcPct val="150000"/>
+              </a:lnSpc>
+            </a:pPr>
+            <a:r>
+              <a:rPr kumimoji="1" lang="zh-CN" altLang="en-US" dirty="0">
+                <a:latin typeface="STKaiti" charset="-122"/>
+                <a:ea typeface="STKaiti" charset="-122"/>
+                <a:cs typeface="STKaiti" charset="-122"/>
+              </a:rPr>
+              <a:t>把不同难度的工作跟自己的效率波峰波谷相匹配，达到效率最大化</a:t>
+            </a:r>
+            <a:r>
+              <a:rPr kumimoji="1" lang="zh-CN" altLang="en-US" dirty="0" smtClean="0">
+                <a:latin typeface="STKaiti" charset="-122"/>
+                <a:ea typeface="STKaiti" charset="-122"/>
+                <a:cs typeface="STKaiti" charset="-122"/>
+              </a:rPr>
+              <a:t>；</a:t>
+            </a:r>
+            <a:endParaRPr kumimoji="1" lang="en-US" altLang="zh-CN" dirty="0" smtClean="0">
               <a:latin typeface="STKaiti" charset="-122"/>
               <a:ea typeface="STKaiti" charset="-122"/>
               <a:cs typeface="STKaiti" charset="-122"/>
             </a:endParaRPr>
           </a:p>
-        </p:txBody>
-      </p:sp>
-      <p:pic>
-        <p:nvPicPr>
-          <p:cNvPr id="4" name="Picture 2" descr="question_answer"/>
-          <p:cNvPicPr>
-            <a:picLocks noGrp="1" noChangeAspect="1" noChangeArrowheads="1"/>
-          </p:cNvPicPr>
-          <p:nvPr>
-            <p:ph idx="1"/>
-          </p:nvPr>
-        </p:nvPicPr>
-        <p:blipFill>
-          <a:blip r:embed="rId2">
-            <a:extLst>
-              <a:ext uri="{28A0092B-C50C-407E-A947-70E740481C1C}">
-                <a14:useLocalDpi xmlns:a14="http://schemas.microsoft.com/office/drawing/2010/main" val="0"/>
-              </a:ext>
-            </a:extLst>
-          </a:blip>
-          <a:srcRect/>
-          <a:stretch>
-            <a:fillRect/>
-          </a:stretch>
-        </p:blipFill>
-        <p:spPr>
-          <a:xfrm>
-            <a:off x="1554692" y="1646238"/>
-            <a:ext cx="6034616" cy="4525962"/>
-          </a:xfrm>
-          <a:noFill/>
-        </p:spPr>
-      </p:pic>
+          <a:p>
+            <a:pPr>
+              <a:lnSpc>
+                <a:spcPct val="150000"/>
+              </a:lnSpc>
+            </a:pPr>
+            <a:r>
+              <a:rPr kumimoji="1" lang="zh-CN" altLang="en-US" dirty="0" smtClean="0">
+                <a:latin typeface="STKaiti" charset="-122"/>
+                <a:ea typeface="STKaiti" charset="-122"/>
+                <a:cs typeface="STKaiti" charset="-122"/>
+              </a:rPr>
+              <a:t>定期让自己跳出来；</a:t>
+            </a:r>
+            <a:endParaRPr kumimoji="1" lang="en-US" altLang="zh-CN" dirty="0" smtClean="0">
+              <a:latin typeface="STKaiti" charset="-122"/>
+              <a:ea typeface="STKaiti" charset="-122"/>
+              <a:cs typeface="STKaiti" charset="-122"/>
+            </a:endParaRPr>
+          </a:p>
+          <a:p>
+            <a:pPr>
+              <a:lnSpc>
+                <a:spcPct val="150000"/>
+              </a:lnSpc>
+            </a:pPr>
+            <a:r>
+              <a:rPr kumimoji="1" lang="zh-CN" altLang="en-US" dirty="0" smtClean="0">
+                <a:latin typeface="STKaiti" charset="-122"/>
+                <a:ea typeface="STKaiti" charset="-122"/>
+                <a:cs typeface="STKaiti" charset="-122"/>
+              </a:rPr>
+              <a:t>碎片时间可以做啥？</a:t>
+            </a:r>
+            <a:endParaRPr kumimoji="1" lang="en-US" altLang="zh-CN" dirty="0" smtClean="0">
+              <a:latin typeface="STKaiti" charset="-122"/>
+              <a:ea typeface="STKaiti" charset="-122"/>
+              <a:cs typeface="STKaiti" charset="-122"/>
+            </a:endParaRPr>
+          </a:p>
+          <a:p>
+            <a:pPr>
+              <a:lnSpc>
+                <a:spcPct val="150000"/>
+              </a:lnSpc>
+            </a:pPr>
+            <a:endParaRPr kumimoji="1" lang="en-US" altLang="zh-CN" dirty="0" smtClean="0">
+              <a:latin typeface="STKaiti" charset="-122"/>
+              <a:ea typeface="STKaiti" charset="-122"/>
+              <a:cs typeface="STKaiti" charset="-122"/>
+            </a:endParaRPr>
+          </a:p>
+          <a:p>
+            <a:pPr>
+              <a:lnSpc>
+                <a:spcPct val="150000"/>
+              </a:lnSpc>
+            </a:pPr>
+            <a:endParaRPr kumimoji="1" lang="zh-CN" altLang="en-US" dirty="0">
+              <a:latin typeface="STKaiti" charset="-122"/>
+              <a:ea typeface="STKaiti" charset="-122"/>
+              <a:cs typeface="STKaiti" charset="-122"/>
+            </a:endParaRPr>
+          </a:p>
+        </p:txBody>
+      </p:sp>
     </p:spTree>
     <p:extLst>
       <p:ext uri="{BB962C8B-B14F-4D97-AF65-F5344CB8AC3E}">
-        <p14:creationId xmlns:p14="http://schemas.microsoft.com/office/powerpoint/2010/main" val="1489204206"/>
+        <p14:creationId xmlns:p14="http://schemas.microsoft.com/office/powerpoint/2010/main" val="2034748857"/>
       </p:ext>
     </p:extLst>
   </p:cSld>
@@ -5172,6 +5625,2276 @@
 </file>
 
 <file path=ppt/slides/slide13.xml><?xml version="1.0" encoding="utf-8"?>
+<p:sld xmlns:a="http://schemas.openxmlformats.org/drawingml/2006/main" xmlns:r="http://schemas.openxmlformats.org/officeDocument/2006/relationships" xmlns:p="http://schemas.openxmlformats.org/presentationml/2006/main">
+  <p:cSld>
+    <p:spTree>
+      <p:nvGrpSpPr>
+        <p:cNvPr id="1" name=""/>
+        <p:cNvGrpSpPr/>
+        <p:nvPr/>
+      </p:nvGrpSpPr>
+      <p:grpSpPr>
+        <a:xfrm>
+          <a:off x="0" y="0"/>
+          <a:ext cx="0" cy="0"/>
+          <a:chOff x="0" y="0"/>
+          <a:chExt cx="0" cy="0"/>
+        </a:xfrm>
+      </p:grpSpPr>
+      <p:sp>
+        <p:nvSpPr>
+          <p:cNvPr id="2" name="标题 1"/>
+          <p:cNvSpPr>
+            <a:spLocks noGrp="1"/>
+          </p:cNvSpPr>
+          <p:nvPr>
+            <p:ph type="title"/>
+          </p:nvPr>
+        </p:nvSpPr>
+        <p:spPr/>
+        <p:txBody>
+          <a:bodyPr/>
+          <a:lstStyle/>
+          <a:p>
+            <a:r>
+              <a:rPr lang="zh-CN" altLang="en-US" dirty="0">
+                <a:effectLst/>
+                <a:latin typeface="STKaiti" charset="-122"/>
+                <a:ea typeface="STKaiti" charset="-122"/>
+                <a:cs typeface="STKaiti" charset="-122"/>
+              </a:rPr>
+              <a:t>及时</a:t>
+            </a:r>
+            <a:r>
+              <a:rPr lang="zh-CN" altLang="en-US" dirty="0" smtClean="0">
+                <a:effectLst/>
+                <a:latin typeface="STKaiti" charset="-122"/>
+                <a:ea typeface="STKaiti" charset="-122"/>
+                <a:cs typeface="STKaiti" charset="-122"/>
+              </a:rPr>
+              <a:t>记录</a:t>
+            </a:r>
+            <a:endParaRPr kumimoji="1" lang="zh-CN" altLang="en-US" dirty="0">
+              <a:latin typeface="STKaiti" charset="-122"/>
+              <a:ea typeface="STKaiti" charset="-122"/>
+              <a:cs typeface="STKaiti" charset="-122"/>
+            </a:endParaRPr>
+          </a:p>
+        </p:txBody>
+      </p:sp>
+      <p:sp>
+        <p:nvSpPr>
+          <p:cNvPr id="3" name="内容占位符 2"/>
+          <p:cNvSpPr>
+            <a:spLocks noGrp="1"/>
+          </p:cNvSpPr>
+          <p:nvPr>
+            <p:ph idx="1"/>
+          </p:nvPr>
+        </p:nvSpPr>
+        <p:spPr/>
+        <p:txBody>
+          <a:bodyPr>
+            <a:normAutofit fontScale="92500" lnSpcReduction="20000"/>
+          </a:bodyPr>
+          <a:lstStyle/>
+          <a:p>
+            <a:pPr>
+              <a:lnSpc>
+                <a:spcPct val="150000"/>
+              </a:lnSpc>
+            </a:pPr>
+            <a:r>
+              <a:rPr kumimoji="1" lang="zh-CN" altLang="en-US" dirty="0">
+                <a:latin typeface="STKaiti" charset="-122"/>
+                <a:ea typeface="STKaiti" charset="-122"/>
+                <a:cs typeface="STKaiti" charset="-122"/>
+              </a:rPr>
+              <a:t>当你正在工作的时候，老板布置了一个任务、客户又来了一个问题，你会如何呢？</a:t>
+            </a:r>
+            <a:endParaRPr kumimoji="1" lang="en-US" altLang="zh-CN" dirty="0">
+              <a:latin typeface="STKaiti" charset="-122"/>
+              <a:ea typeface="STKaiti" charset="-122"/>
+              <a:cs typeface="STKaiti" charset="-122"/>
+            </a:endParaRPr>
+          </a:p>
+          <a:p>
+            <a:pPr>
+              <a:lnSpc>
+                <a:spcPct val="150000"/>
+              </a:lnSpc>
+            </a:pPr>
+            <a:endParaRPr kumimoji="1" lang="en-US" altLang="zh-CN" dirty="0">
+              <a:latin typeface="STKaiti" charset="-122"/>
+              <a:ea typeface="STKaiti" charset="-122"/>
+              <a:cs typeface="STKaiti" charset="-122"/>
+            </a:endParaRPr>
+          </a:p>
+          <a:p>
+            <a:pPr>
+              <a:lnSpc>
+                <a:spcPct val="150000"/>
+              </a:lnSpc>
+            </a:pPr>
+            <a:r>
+              <a:rPr kumimoji="1" lang="zh-CN" altLang="en-US" dirty="0">
+                <a:latin typeface="STKaiti" charset="-122"/>
+                <a:ea typeface="STKaiti" charset="-122"/>
+                <a:cs typeface="STKaiti" charset="-122"/>
+              </a:rPr>
+              <a:t>很多人就直接扑到临时任务上去了，但真正好的做法是，如果不是十万火急，你可以快速用关键词记在笔记本上，不需要任何思考，然后马上回到刚才的任务，做完再看笔记本。</a:t>
+            </a:r>
+          </a:p>
+          <a:p>
+            <a:endParaRPr kumimoji="1" lang="zh-CN" altLang="en-US" dirty="0"/>
+          </a:p>
+        </p:txBody>
+      </p:sp>
+    </p:spTree>
+    <p:extLst>
+      <p:ext uri="{BB962C8B-B14F-4D97-AF65-F5344CB8AC3E}">
+        <p14:creationId xmlns:p14="http://schemas.microsoft.com/office/powerpoint/2010/main" val="1952413279"/>
+      </p:ext>
+    </p:extLst>
+  </p:cSld>
+  <p:clrMapOvr>
+    <a:masterClrMapping/>
+  </p:clrMapOvr>
+  <p:timing>
+    <p:tnLst>
+      <p:par>
+        <p:cTn id="1" dur="indefinite" restart="never" nodeType="tmRoot"/>
+      </p:par>
+    </p:tnLst>
+  </p:timing>
+</p:sld>
+</file>
+
+<file path=ppt/slides/slide14.xml><?xml version="1.0" encoding="utf-8"?>
+<p:sld xmlns:a="http://schemas.openxmlformats.org/drawingml/2006/main" xmlns:r="http://schemas.openxmlformats.org/officeDocument/2006/relationships" xmlns:p="http://schemas.openxmlformats.org/presentationml/2006/main">
+  <p:cSld>
+    <p:spTree>
+      <p:nvGrpSpPr>
+        <p:cNvPr id="1" name=""/>
+        <p:cNvGrpSpPr/>
+        <p:nvPr/>
+      </p:nvGrpSpPr>
+      <p:grpSpPr>
+        <a:xfrm>
+          <a:off x="0" y="0"/>
+          <a:ext cx="0" cy="0"/>
+          <a:chOff x="0" y="0"/>
+          <a:chExt cx="0" cy="0"/>
+        </a:xfrm>
+      </p:grpSpPr>
+      <p:sp>
+        <p:nvSpPr>
+          <p:cNvPr id="2" name="标题 1"/>
+          <p:cNvSpPr>
+            <a:spLocks noGrp="1"/>
+          </p:cNvSpPr>
+          <p:nvPr>
+            <p:ph type="title"/>
+          </p:nvPr>
+        </p:nvSpPr>
+        <p:spPr/>
+        <p:txBody>
+          <a:bodyPr/>
+          <a:lstStyle/>
+          <a:p>
+            <a:r>
+              <a:rPr lang="zh-CN" altLang="en-US" dirty="0">
+                <a:effectLst/>
+                <a:latin typeface="STKaiti" charset="-122"/>
+                <a:ea typeface="STKaiti" charset="-122"/>
+                <a:cs typeface="STKaiti" charset="-122"/>
+              </a:rPr>
+              <a:t>每天总结</a:t>
+            </a:r>
+            <a:endParaRPr kumimoji="1" lang="zh-CN" altLang="en-US" dirty="0"/>
+          </a:p>
+        </p:txBody>
+      </p:sp>
+      <p:sp>
+        <p:nvSpPr>
+          <p:cNvPr id="3" name="内容占位符 2"/>
+          <p:cNvSpPr>
+            <a:spLocks noGrp="1"/>
+          </p:cNvSpPr>
+          <p:nvPr>
+            <p:ph idx="1"/>
+          </p:nvPr>
+        </p:nvSpPr>
+        <p:spPr/>
+        <p:txBody>
+          <a:bodyPr/>
+          <a:lstStyle/>
+          <a:p>
+            <a:pPr>
+              <a:lnSpc>
+                <a:spcPct val="150000"/>
+              </a:lnSpc>
+            </a:pPr>
+            <a:r>
+              <a:rPr kumimoji="1" lang="zh-CN" altLang="en-US" dirty="0">
+                <a:latin typeface="STKaiti" charset="-122"/>
+                <a:ea typeface="STKaiti" charset="-122"/>
+                <a:cs typeface="STKaiti" charset="-122"/>
+              </a:rPr>
+              <a:t>你在一天当中，学到了什么、犯了什么错误，当时也要记下来，因为过了那个时候，你很快就会忘，然后继续犯这个错误。</a:t>
+            </a:r>
+            <a:endParaRPr kumimoji="1" lang="en-US" altLang="zh-CN" dirty="0">
+              <a:latin typeface="STKaiti" charset="-122"/>
+              <a:ea typeface="STKaiti" charset="-122"/>
+              <a:cs typeface="STKaiti" charset="-122"/>
+            </a:endParaRPr>
+          </a:p>
+          <a:p>
+            <a:pPr>
+              <a:lnSpc>
+                <a:spcPct val="150000"/>
+              </a:lnSpc>
+            </a:pPr>
+            <a:endParaRPr kumimoji="1" lang="en-US" altLang="zh-CN" dirty="0">
+              <a:latin typeface="STKaiti" charset="-122"/>
+              <a:ea typeface="STKaiti" charset="-122"/>
+              <a:cs typeface="STKaiti" charset="-122"/>
+            </a:endParaRPr>
+          </a:p>
+          <a:p>
+            <a:pPr>
+              <a:lnSpc>
+                <a:spcPct val="150000"/>
+              </a:lnSpc>
+            </a:pPr>
+            <a:r>
+              <a:rPr kumimoji="1" lang="zh-CN" altLang="en-US" dirty="0">
+                <a:latin typeface="STKaiti" charset="-122"/>
+                <a:ea typeface="STKaiti" charset="-122"/>
+                <a:cs typeface="STKaiti" charset="-122"/>
+              </a:rPr>
+              <a:t>当然，这些记录，晚上都需要进行整理。成长最快的时间，都是在坚持写工作日记。</a:t>
+            </a:r>
+          </a:p>
+          <a:p>
+            <a:endParaRPr kumimoji="1" lang="zh-CN" altLang="en-US" dirty="0"/>
+          </a:p>
+        </p:txBody>
+      </p:sp>
+    </p:spTree>
+    <p:extLst>
+      <p:ext uri="{BB962C8B-B14F-4D97-AF65-F5344CB8AC3E}">
+        <p14:creationId xmlns:p14="http://schemas.microsoft.com/office/powerpoint/2010/main" val="2017914754"/>
+      </p:ext>
+    </p:extLst>
+  </p:cSld>
+  <p:clrMapOvr>
+    <a:masterClrMapping/>
+  </p:clrMapOvr>
+  <p:timing>
+    <p:tnLst>
+      <p:par>
+        <p:cTn id="1" dur="indefinite" restart="never" nodeType="tmRoot"/>
+      </p:par>
+    </p:tnLst>
+  </p:timing>
+</p:sld>
+</file>
+
+<file path=ppt/slides/slide15.xml><?xml version="1.0" encoding="utf-8"?>
+<p:sld xmlns:a="http://schemas.openxmlformats.org/drawingml/2006/main" xmlns:r="http://schemas.openxmlformats.org/officeDocument/2006/relationships" xmlns:p="http://schemas.openxmlformats.org/presentationml/2006/main">
+  <p:cSld>
+    <p:spTree>
+      <p:nvGrpSpPr>
+        <p:cNvPr id="1" name=""/>
+        <p:cNvGrpSpPr/>
+        <p:nvPr/>
+      </p:nvGrpSpPr>
+      <p:grpSpPr>
+        <a:xfrm>
+          <a:off x="0" y="0"/>
+          <a:ext cx="0" cy="0"/>
+          <a:chOff x="0" y="0"/>
+          <a:chExt cx="0" cy="0"/>
+        </a:xfrm>
+      </p:grpSpPr>
+      <p:sp>
+        <p:nvSpPr>
+          <p:cNvPr id="2" name="标题 1"/>
+          <p:cNvSpPr>
+            <a:spLocks noGrp="1"/>
+          </p:cNvSpPr>
+          <p:nvPr>
+            <p:ph type="title"/>
+          </p:nvPr>
+        </p:nvSpPr>
+        <p:spPr>
+          <a:xfrm>
+            <a:off x="722376" y="498230"/>
+            <a:ext cx="7772400" cy="1562618"/>
+          </a:xfrm>
+        </p:spPr>
+        <p:txBody>
+          <a:bodyPr/>
+          <a:lstStyle/>
+          <a:p>
+            <a:r>
+              <a:rPr lang="zh-CN" altLang="en-US" dirty="0" smtClean="0">
+                <a:effectLst/>
+                <a:latin typeface="STKaiti" charset="-122"/>
+                <a:ea typeface="STKaiti" charset="-122"/>
+                <a:cs typeface="STKaiti" charset="-122"/>
+              </a:rPr>
+              <a:t>小结：统筹式工作</a:t>
+            </a:r>
+            <a:endParaRPr kumimoji="1" lang="zh-CN" altLang="en-US" dirty="0">
+              <a:latin typeface="STKaiti" charset="-122"/>
+              <a:ea typeface="STKaiti" charset="-122"/>
+              <a:cs typeface="STKaiti" charset="-122"/>
+            </a:endParaRPr>
+          </a:p>
+        </p:txBody>
+      </p:sp>
+      <p:sp>
+        <p:nvSpPr>
+          <p:cNvPr id="3" name="内容占位符 2"/>
+          <p:cNvSpPr>
+            <a:spLocks noGrp="1"/>
+          </p:cNvSpPr>
+          <p:nvPr>
+            <p:ph type="body" idx="1"/>
+          </p:nvPr>
+        </p:nvSpPr>
+        <p:spPr>
+          <a:xfrm>
+            <a:off x="899592" y="2780928"/>
+            <a:ext cx="7234063" cy="3528392"/>
+          </a:xfrm>
+        </p:spPr>
+        <p:txBody>
+          <a:bodyPr>
+            <a:normAutofit fontScale="92500"/>
+          </a:bodyPr>
+          <a:lstStyle/>
+          <a:p>
+            <a:pPr marL="342900" indent="-342900" algn="l">
+              <a:lnSpc>
+                <a:spcPct val="160000"/>
+              </a:lnSpc>
+              <a:buFont typeface="Arial" charset="0"/>
+              <a:buChar char="•"/>
+            </a:pPr>
+            <a:r>
+              <a:rPr lang="zh-CN" altLang="en-US" dirty="0">
+                <a:latin typeface="STKaiti" charset="-122"/>
+                <a:ea typeface="STKaiti" charset="-122"/>
+                <a:cs typeface="STKaiti" charset="-122"/>
+              </a:rPr>
+              <a:t>有计划地</a:t>
+            </a:r>
+            <a:r>
+              <a:rPr lang="zh-CN" altLang="en-US" dirty="0" smtClean="0">
+                <a:latin typeface="STKaiti" charset="-122"/>
+                <a:ea typeface="STKaiti" charset="-122"/>
+                <a:cs typeface="STKaiti" charset="-122"/>
+              </a:rPr>
+              <a:t>工作；</a:t>
+            </a:r>
+            <a:endParaRPr lang="en-US" altLang="zh-CN" dirty="0" smtClean="0">
+              <a:latin typeface="STKaiti" charset="-122"/>
+              <a:ea typeface="STKaiti" charset="-122"/>
+              <a:cs typeface="STKaiti" charset="-122"/>
+            </a:endParaRPr>
+          </a:p>
+          <a:p>
+            <a:pPr marL="697230" lvl="1" indent="-285750">
+              <a:lnSpc>
+                <a:spcPct val="160000"/>
+              </a:lnSpc>
+              <a:buFont typeface="Arial" charset="0"/>
+              <a:buChar char="•"/>
+            </a:pPr>
+            <a:r>
+              <a:rPr lang="zh-CN" altLang="en-US" dirty="0">
+                <a:latin typeface="STKaiti" charset="-122"/>
+                <a:ea typeface="STKaiti" charset="-122"/>
+                <a:cs typeface="STKaiti" charset="-122"/>
+              </a:rPr>
+              <a:t>做计划的时候，你需要为高价值问题分配最多专门的时间</a:t>
+            </a:r>
+            <a:r>
+              <a:rPr lang="zh-CN" altLang="en-US" dirty="0" smtClean="0">
+                <a:latin typeface="STKaiti" charset="-122"/>
+                <a:ea typeface="STKaiti" charset="-122"/>
+                <a:cs typeface="STKaiti" charset="-122"/>
+              </a:rPr>
+              <a:t>。</a:t>
+            </a:r>
+            <a:endParaRPr lang="en-US" altLang="zh-CN" dirty="0" smtClean="0">
+              <a:latin typeface="STKaiti" charset="-122"/>
+              <a:ea typeface="STKaiti" charset="-122"/>
+              <a:cs typeface="STKaiti" charset="-122"/>
+            </a:endParaRPr>
+          </a:p>
+          <a:p>
+            <a:pPr marL="342900" indent="-342900" algn="l">
+              <a:lnSpc>
+                <a:spcPct val="160000"/>
+              </a:lnSpc>
+              <a:buFont typeface="Arial" charset="0"/>
+              <a:buChar char="•"/>
+            </a:pPr>
+            <a:r>
+              <a:rPr lang="zh-CN" altLang="en-US" dirty="0">
+                <a:latin typeface="STKaiti" charset="-122"/>
+                <a:ea typeface="STKaiti" charset="-122"/>
+                <a:cs typeface="STKaiti" charset="-122"/>
+              </a:rPr>
+              <a:t>形成自己固定的时间习惯</a:t>
+            </a:r>
+            <a:r>
+              <a:rPr lang="zh-CN" altLang="en-US" dirty="0" smtClean="0">
+                <a:latin typeface="STKaiti" charset="-122"/>
+                <a:ea typeface="STKaiti" charset="-122"/>
+                <a:cs typeface="STKaiti" charset="-122"/>
+              </a:rPr>
+              <a:t>。</a:t>
+            </a:r>
+            <a:endParaRPr lang="en-US" altLang="zh-CN" dirty="0" smtClean="0">
+              <a:latin typeface="STKaiti" charset="-122"/>
+              <a:ea typeface="STKaiti" charset="-122"/>
+              <a:cs typeface="STKaiti" charset="-122"/>
+            </a:endParaRPr>
+          </a:p>
+          <a:p>
+            <a:pPr marL="697230" lvl="1" indent="-285750">
+              <a:lnSpc>
+                <a:spcPct val="160000"/>
+              </a:lnSpc>
+              <a:buFont typeface="Arial" charset="0"/>
+              <a:buChar char="•"/>
+            </a:pPr>
+            <a:r>
+              <a:rPr lang="zh-CN" altLang="en-US" dirty="0">
+                <a:latin typeface="STKaiti" charset="-122"/>
+                <a:ea typeface="STKaiti" charset="-122"/>
+                <a:cs typeface="STKaiti" charset="-122"/>
+              </a:rPr>
+              <a:t>把不同难度的工作跟自己的效率波峰波谷相匹配，达到效率</a:t>
+            </a:r>
+            <a:r>
+              <a:rPr lang="zh-CN" altLang="en-US" dirty="0" smtClean="0">
+                <a:latin typeface="STKaiti" charset="-122"/>
+                <a:ea typeface="STKaiti" charset="-122"/>
+                <a:cs typeface="STKaiti" charset="-122"/>
+              </a:rPr>
+              <a:t>最大化</a:t>
+            </a:r>
+            <a:endParaRPr lang="en-US" altLang="zh-CN" dirty="0" smtClean="0">
+              <a:latin typeface="STKaiti" charset="-122"/>
+              <a:ea typeface="STKaiti" charset="-122"/>
+              <a:cs typeface="STKaiti" charset="-122"/>
+            </a:endParaRPr>
+          </a:p>
+          <a:p>
+            <a:pPr marL="697230" lvl="1" indent="-285750">
+              <a:lnSpc>
+                <a:spcPct val="160000"/>
+              </a:lnSpc>
+              <a:buFont typeface="Arial" charset="0"/>
+              <a:buChar char="•"/>
+            </a:pPr>
+            <a:r>
+              <a:rPr lang="zh-CN" altLang="en-US" dirty="0">
+                <a:latin typeface="STKaiti" charset="-122"/>
+                <a:ea typeface="STKaiti" charset="-122"/>
+                <a:cs typeface="STKaiti" charset="-122"/>
+              </a:rPr>
+              <a:t>碎片时间</a:t>
+            </a:r>
+            <a:endParaRPr lang="en-US" altLang="zh-CN" dirty="0" smtClean="0">
+              <a:latin typeface="STKaiti" charset="-122"/>
+              <a:ea typeface="STKaiti" charset="-122"/>
+              <a:cs typeface="STKaiti" charset="-122"/>
+            </a:endParaRPr>
+          </a:p>
+          <a:p>
+            <a:pPr marL="342900" indent="-342900" algn="l">
+              <a:lnSpc>
+                <a:spcPct val="160000"/>
+              </a:lnSpc>
+              <a:buFont typeface="Arial" charset="0"/>
+              <a:buChar char="•"/>
+            </a:pPr>
+            <a:r>
+              <a:rPr lang="zh-CN" altLang="en-US" dirty="0">
+                <a:latin typeface="STKaiti" charset="-122"/>
+                <a:ea typeface="STKaiti" charset="-122"/>
+                <a:cs typeface="STKaiti" charset="-122"/>
+              </a:rPr>
+              <a:t>及时记录、每天</a:t>
+            </a:r>
+            <a:r>
+              <a:rPr lang="zh-CN" altLang="en-US" dirty="0" smtClean="0">
+                <a:latin typeface="STKaiti" charset="-122"/>
+                <a:ea typeface="STKaiti" charset="-122"/>
+                <a:cs typeface="STKaiti" charset="-122"/>
+              </a:rPr>
+              <a:t>总结</a:t>
+            </a:r>
+            <a:endParaRPr lang="en-US" altLang="zh-CN" dirty="0" smtClean="0">
+              <a:latin typeface="STKaiti" charset="-122"/>
+              <a:ea typeface="STKaiti" charset="-122"/>
+              <a:cs typeface="STKaiti" charset="-122"/>
+            </a:endParaRPr>
+          </a:p>
+          <a:p>
+            <a:pPr marL="697230" lvl="1" indent="-285750">
+              <a:lnSpc>
+                <a:spcPct val="160000"/>
+              </a:lnSpc>
+              <a:buFont typeface="Arial" charset="0"/>
+              <a:buChar char="•"/>
+            </a:pPr>
+            <a:r>
+              <a:rPr lang="zh-CN" altLang="en-US" dirty="0">
+                <a:latin typeface="STKaiti" charset="-122"/>
+                <a:ea typeface="STKaiti" charset="-122"/>
+                <a:cs typeface="STKaiti" charset="-122"/>
+              </a:rPr>
+              <a:t>记录还有一个好处，就是可以减轻大脑</a:t>
+            </a:r>
+            <a:r>
+              <a:rPr lang="zh-CN" altLang="en-US" dirty="0" smtClean="0">
+                <a:latin typeface="STKaiti" charset="-122"/>
+                <a:ea typeface="STKaiti" charset="-122"/>
+                <a:cs typeface="STKaiti" charset="-122"/>
+              </a:rPr>
+              <a:t>负担。</a:t>
+            </a:r>
+            <a:endParaRPr lang="en-US" altLang="zh-CN" dirty="0" smtClean="0">
+              <a:latin typeface="STKaiti" charset="-122"/>
+              <a:ea typeface="STKaiti" charset="-122"/>
+              <a:cs typeface="STKaiti" charset="-122"/>
+            </a:endParaRPr>
+          </a:p>
+          <a:p>
+            <a:pPr marL="342900" indent="-342900" algn="l">
+              <a:lnSpc>
+                <a:spcPct val="160000"/>
+              </a:lnSpc>
+              <a:buFont typeface="Arial" charset="0"/>
+              <a:buChar char="•"/>
+            </a:pPr>
+            <a:endParaRPr kumimoji="1" lang="zh-CN" altLang="en-US" dirty="0">
+              <a:latin typeface="STKaiti" charset="-122"/>
+              <a:ea typeface="STKaiti" charset="-122"/>
+              <a:cs typeface="STKaiti" charset="-122"/>
+            </a:endParaRPr>
+          </a:p>
+        </p:txBody>
+      </p:sp>
+    </p:spTree>
+    <p:extLst>
+      <p:ext uri="{BB962C8B-B14F-4D97-AF65-F5344CB8AC3E}">
+        <p14:creationId xmlns:p14="http://schemas.microsoft.com/office/powerpoint/2010/main" val="1249340116"/>
+      </p:ext>
+    </p:extLst>
+  </p:cSld>
+  <p:clrMapOvr>
+    <a:masterClrMapping/>
+  </p:clrMapOvr>
+  <p:timing>
+    <p:tnLst>
+      <p:par>
+        <p:cTn id="1" dur="indefinite" restart="never" nodeType="tmRoot"/>
+      </p:par>
+    </p:tnLst>
+  </p:timing>
+</p:sld>
+</file>
+
+<file path=ppt/slides/slide16.xml><?xml version="1.0" encoding="utf-8"?>
+<p:sld xmlns:a="http://schemas.openxmlformats.org/drawingml/2006/main" xmlns:r="http://schemas.openxmlformats.org/officeDocument/2006/relationships" xmlns:p="http://schemas.openxmlformats.org/presentationml/2006/main">
+  <p:cSld>
+    <p:spTree>
+      <p:nvGrpSpPr>
+        <p:cNvPr id="1" name=""/>
+        <p:cNvGrpSpPr/>
+        <p:nvPr/>
+      </p:nvGrpSpPr>
+      <p:grpSpPr>
+        <a:xfrm>
+          <a:off x="0" y="0"/>
+          <a:ext cx="0" cy="0"/>
+          <a:chOff x="0" y="0"/>
+          <a:chExt cx="0" cy="0"/>
+        </a:xfrm>
+      </p:grpSpPr>
+      <p:sp>
+        <p:nvSpPr>
+          <p:cNvPr id="4" name="标题 3"/>
+          <p:cNvSpPr>
+            <a:spLocks noGrp="1"/>
+          </p:cNvSpPr>
+          <p:nvPr>
+            <p:ph type="title"/>
+          </p:nvPr>
+        </p:nvSpPr>
+        <p:spPr/>
+        <p:txBody>
+          <a:bodyPr/>
+          <a:lstStyle/>
+          <a:p>
+            <a:r>
+              <a:rPr kumimoji="1" lang="zh-CN" altLang="en-US" dirty="0">
+                <a:latin typeface="STKaiti" charset="-122"/>
+                <a:ea typeface="STKaiti" charset="-122"/>
+                <a:cs typeface="STKaiti" charset="-122"/>
+              </a:rPr>
+              <a:t>“懒癌”是第一生产力</a:t>
+            </a:r>
+          </a:p>
+        </p:txBody>
+      </p:sp>
+      <p:sp>
+        <p:nvSpPr>
+          <p:cNvPr id="5" name="内容占位符 4"/>
+          <p:cNvSpPr>
+            <a:spLocks noGrp="1"/>
+          </p:cNvSpPr>
+          <p:nvPr>
+            <p:ph idx="1"/>
+          </p:nvPr>
+        </p:nvSpPr>
+        <p:spPr/>
+        <p:txBody>
+          <a:bodyPr>
+            <a:normAutofit fontScale="70000" lnSpcReduction="20000"/>
+          </a:bodyPr>
+          <a:lstStyle/>
+          <a:p>
+            <a:pPr>
+              <a:lnSpc>
+                <a:spcPct val="170000"/>
+              </a:lnSpc>
+            </a:pPr>
+            <a:r>
+              <a:rPr kumimoji="1" lang="zh-CN" altLang="en-US" dirty="0" smtClean="0">
+                <a:latin typeface="STKaiti" charset="-122"/>
+                <a:ea typeface="STKaiti" charset="-122"/>
+                <a:cs typeface="STKaiti" charset="-122"/>
+              </a:rPr>
+              <a:t>盘点</a:t>
+            </a:r>
+            <a:r>
+              <a:rPr kumimoji="1" lang="zh-CN" altLang="en-US" dirty="0">
+                <a:latin typeface="STKaiti" charset="-122"/>
+                <a:ea typeface="STKaiti" charset="-122"/>
+                <a:cs typeface="STKaiti" charset="-122"/>
+              </a:rPr>
+              <a:t>一下，我们哪样创新不是因为懒呢？不想走路，有了汽车；不想爬楼，有了电梯；不想打扫，有了扫地机器人</a:t>
+            </a:r>
+            <a:r>
+              <a:rPr kumimoji="1" lang="en-US" altLang="zh-CN" dirty="0" smtClean="0">
+                <a:latin typeface="STKaiti" charset="-122"/>
+                <a:ea typeface="STKaiti" charset="-122"/>
+                <a:cs typeface="STKaiti" charset="-122"/>
+              </a:rPr>
+              <a:t>……</a:t>
+            </a:r>
+          </a:p>
+          <a:p>
+            <a:pPr>
+              <a:lnSpc>
+                <a:spcPct val="170000"/>
+              </a:lnSpc>
+            </a:pPr>
+            <a:r>
+              <a:rPr kumimoji="1" lang="zh-CN" altLang="en-US" dirty="0" smtClean="0">
+                <a:latin typeface="STKaiti" charset="-122"/>
+                <a:ea typeface="STKaiti" charset="-122"/>
+                <a:cs typeface="STKaiti" charset="-122"/>
+              </a:rPr>
+              <a:t>工作</a:t>
+            </a:r>
+            <a:r>
+              <a:rPr kumimoji="1" lang="zh-CN" altLang="en-US" dirty="0">
+                <a:latin typeface="STKaiti" charset="-122"/>
+                <a:ea typeface="STKaiti" charset="-122"/>
+                <a:cs typeface="STKaiti" charset="-122"/>
+              </a:rPr>
+              <a:t>中的大部分事情，并不是一次性的，而是</a:t>
+            </a:r>
+            <a:r>
+              <a:rPr kumimoji="1" lang="zh-CN" altLang="en-US" dirty="0">
+                <a:solidFill>
+                  <a:srgbClr val="FFFF00"/>
+                </a:solidFill>
+                <a:latin typeface="STKaiti" charset="-122"/>
+                <a:ea typeface="STKaiti" charset="-122"/>
+                <a:cs typeface="STKaiti" charset="-122"/>
+              </a:rPr>
+              <a:t>持续的</a:t>
+            </a:r>
+            <a:r>
+              <a:rPr kumimoji="1" lang="zh-CN" altLang="en-US" dirty="0">
+                <a:latin typeface="STKaiti" charset="-122"/>
+                <a:ea typeface="STKaiti" charset="-122"/>
+                <a:cs typeface="STKaiti" charset="-122"/>
+              </a:rPr>
+              <a:t>，那么就可以在第一次做的时候，搭好框架</a:t>
+            </a:r>
+            <a:r>
+              <a:rPr kumimoji="1" lang="zh-CN" altLang="en-US" dirty="0" smtClean="0">
+                <a:latin typeface="STKaiti" charset="-122"/>
+                <a:ea typeface="STKaiti" charset="-122"/>
+                <a:cs typeface="STKaiti" charset="-122"/>
+              </a:rPr>
+              <a:t>。</a:t>
+            </a:r>
+            <a:endParaRPr kumimoji="1" lang="en-US" altLang="zh-CN" dirty="0" smtClean="0">
+              <a:latin typeface="STKaiti" charset="-122"/>
+              <a:ea typeface="STKaiti" charset="-122"/>
+              <a:cs typeface="STKaiti" charset="-122"/>
+            </a:endParaRPr>
+          </a:p>
+          <a:p>
+            <a:pPr>
+              <a:lnSpc>
+                <a:spcPct val="170000"/>
+              </a:lnSpc>
+            </a:pPr>
+            <a:r>
+              <a:rPr kumimoji="1" lang="zh-CN" altLang="en-US" dirty="0" smtClean="0">
+                <a:latin typeface="STKaiti" charset="-122"/>
+                <a:ea typeface="STKaiti" charset="-122"/>
+                <a:cs typeface="STKaiti" charset="-122"/>
+              </a:rPr>
+              <a:t>比如，让</a:t>
+            </a:r>
+            <a:r>
+              <a:rPr kumimoji="1" lang="zh-CN" altLang="en-US" dirty="0">
+                <a:latin typeface="STKaiti" charset="-122"/>
+                <a:ea typeface="STKaiti" charset="-122"/>
+                <a:cs typeface="STKaiti" charset="-122"/>
+              </a:rPr>
+              <a:t>运营每周做一次数据分析，这个事情是</a:t>
+            </a:r>
+            <a:r>
+              <a:rPr kumimoji="1" lang="zh-CN" altLang="en-US" dirty="0">
+                <a:solidFill>
+                  <a:srgbClr val="FFFF00"/>
+                </a:solidFill>
+                <a:latin typeface="STKaiti" charset="-122"/>
+                <a:ea typeface="STKaiti" charset="-122"/>
+                <a:cs typeface="STKaiti" charset="-122"/>
+              </a:rPr>
+              <a:t>重复性的</a:t>
+            </a:r>
+            <a:r>
+              <a:rPr kumimoji="1" lang="zh-CN" altLang="en-US" dirty="0">
+                <a:latin typeface="STKaiti" charset="-122"/>
+                <a:ea typeface="STKaiti" charset="-122"/>
+                <a:cs typeface="STKaiti" charset="-122"/>
+              </a:rPr>
+              <a:t>，所以高效的做法是：建一张</a:t>
+            </a:r>
+            <a:r>
+              <a:rPr kumimoji="1" lang="en-US" altLang="zh-CN" dirty="0">
+                <a:latin typeface="STKaiti" charset="-122"/>
+                <a:ea typeface="STKaiti" charset="-122"/>
+                <a:cs typeface="STKaiti" charset="-122"/>
+              </a:rPr>
+              <a:t>excel</a:t>
+            </a:r>
+            <a:r>
+              <a:rPr kumimoji="1" lang="zh-CN" altLang="en-US" dirty="0">
+                <a:latin typeface="STKaiti" charset="-122"/>
+                <a:ea typeface="STKaiti" charset="-122"/>
+                <a:cs typeface="STKaiti" charset="-122"/>
+              </a:rPr>
+              <a:t>表格，把固定需要分析的参数都做好公式，每周只需要把导出来的源数据贴进去，刷新之后参数就出来，然后只需要看参数来得出结论。</a:t>
+            </a:r>
+          </a:p>
+        </p:txBody>
+      </p:sp>
+    </p:spTree>
+    <p:extLst>
+      <p:ext uri="{BB962C8B-B14F-4D97-AF65-F5344CB8AC3E}">
+        <p14:creationId xmlns:p14="http://schemas.microsoft.com/office/powerpoint/2010/main" val="1510866396"/>
+      </p:ext>
+    </p:extLst>
+  </p:cSld>
+  <p:clrMapOvr>
+    <a:masterClrMapping/>
+  </p:clrMapOvr>
+  <p:timing>
+    <p:tnLst>
+      <p:par>
+        <p:cTn id="1" dur="indefinite" restart="never" nodeType="tmRoot"/>
+      </p:par>
+    </p:tnLst>
+  </p:timing>
+</p:sld>
+</file>
+
+<file path=ppt/slides/slide17.xml><?xml version="1.0" encoding="utf-8"?>
+<p:sld xmlns:a="http://schemas.openxmlformats.org/drawingml/2006/main" xmlns:r="http://schemas.openxmlformats.org/officeDocument/2006/relationships" xmlns:p="http://schemas.openxmlformats.org/presentationml/2006/main">
+  <p:cSld>
+    <p:spTree>
+      <p:nvGrpSpPr>
+        <p:cNvPr id="1" name=""/>
+        <p:cNvGrpSpPr/>
+        <p:nvPr/>
+      </p:nvGrpSpPr>
+      <p:grpSpPr>
+        <a:xfrm>
+          <a:off x="0" y="0"/>
+          <a:ext cx="0" cy="0"/>
+          <a:chOff x="0" y="0"/>
+          <a:chExt cx="0" cy="0"/>
+        </a:xfrm>
+      </p:grpSpPr>
+      <p:sp>
+        <p:nvSpPr>
+          <p:cNvPr id="2" name="标题 1"/>
+          <p:cNvSpPr>
+            <a:spLocks noGrp="1"/>
+          </p:cNvSpPr>
+          <p:nvPr>
+            <p:ph type="title"/>
+          </p:nvPr>
+        </p:nvSpPr>
+        <p:spPr>
+          <a:xfrm>
+            <a:off x="457200" y="253535"/>
+            <a:ext cx="8229600" cy="1159241"/>
+          </a:xfrm>
+        </p:spPr>
+        <p:txBody>
+          <a:bodyPr>
+            <a:normAutofit fontScale="90000"/>
+          </a:bodyPr>
+          <a:lstStyle/>
+          <a:p>
+            <a:r>
+              <a:rPr lang="zh-CN" altLang="en-US" dirty="0">
+                <a:effectLst/>
+                <a:latin typeface="STKaiti" charset="-122"/>
+                <a:ea typeface="STKaiti" charset="-122"/>
+                <a:cs typeface="STKaiti" charset="-122"/>
+              </a:rPr>
+              <a:t>偷懒，不仅是善用工具</a:t>
+            </a:r>
+            <a:r>
+              <a:rPr lang="zh-CN" altLang="en-US" dirty="0" smtClean="0">
+                <a:effectLst/>
+                <a:latin typeface="STKaiti" charset="-122"/>
+                <a:ea typeface="STKaiti" charset="-122"/>
+                <a:cs typeface="STKaiti" charset="-122"/>
+              </a:rPr>
+              <a:t>，</a:t>
+            </a:r>
+            <a:r>
+              <a:rPr lang="en-US" altLang="zh-CN" dirty="0" smtClean="0">
+                <a:effectLst/>
+                <a:latin typeface="STKaiti" charset="-122"/>
+                <a:ea typeface="STKaiti" charset="-122"/>
+                <a:cs typeface="STKaiti" charset="-122"/>
+              </a:rPr>
+              <a:t/>
+            </a:r>
+            <a:br>
+              <a:rPr lang="en-US" altLang="zh-CN" dirty="0" smtClean="0">
+                <a:effectLst/>
+                <a:latin typeface="STKaiti" charset="-122"/>
+                <a:ea typeface="STKaiti" charset="-122"/>
+                <a:cs typeface="STKaiti" charset="-122"/>
+              </a:rPr>
+            </a:br>
+            <a:r>
+              <a:rPr lang="zh-CN" altLang="en-US" dirty="0" smtClean="0">
+                <a:effectLst/>
+                <a:latin typeface="STKaiti" charset="-122"/>
+                <a:ea typeface="STKaiti" charset="-122"/>
+                <a:cs typeface="STKaiti" charset="-122"/>
+              </a:rPr>
+              <a:t>还</a:t>
+            </a:r>
+            <a:r>
+              <a:rPr lang="zh-CN" altLang="en-US" dirty="0">
+                <a:effectLst/>
+                <a:latin typeface="STKaiti" charset="-122"/>
+                <a:ea typeface="STKaiti" charset="-122"/>
+                <a:cs typeface="STKaiti" charset="-122"/>
+              </a:rPr>
+              <a:t>包括善用他人</a:t>
+            </a:r>
+            <a:endParaRPr kumimoji="1" lang="zh-CN" altLang="en-US" dirty="0">
+              <a:latin typeface="STKaiti" charset="-122"/>
+              <a:ea typeface="STKaiti" charset="-122"/>
+              <a:cs typeface="STKaiti" charset="-122"/>
+            </a:endParaRPr>
+          </a:p>
+        </p:txBody>
+      </p:sp>
+      <p:sp>
+        <p:nvSpPr>
+          <p:cNvPr id="3" name="内容占位符 2"/>
+          <p:cNvSpPr>
+            <a:spLocks noGrp="1"/>
+          </p:cNvSpPr>
+          <p:nvPr>
+            <p:ph idx="1"/>
+          </p:nvPr>
+        </p:nvSpPr>
+        <p:spPr>
+          <a:xfrm>
+            <a:off x="457200" y="1916831"/>
+            <a:ext cx="8229600" cy="4255685"/>
+          </a:xfrm>
+        </p:spPr>
+        <p:txBody>
+          <a:bodyPr>
+            <a:normAutofit lnSpcReduction="10000"/>
+          </a:bodyPr>
+          <a:lstStyle/>
+          <a:p>
+            <a:pPr>
+              <a:lnSpc>
+                <a:spcPct val="150000"/>
+              </a:lnSpc>
+            </a:pPr>
+            <a:r>
+              <a:rPr kumimoji="1" lang="zh-CN" altLang="en-US" dirty="0">
+                <a:latin typeface="STKaiti" charset="-122"/>
+                <a:ea typeface="STKaiti" charset="-122"/>
+                <a:cs typeface="STKaiti" charset="-122"/>
+              </a:rPr>
+              <a:t>你从来没做过数据分析，那么就先去找找前人怎么做的</a:t>
+            </a:r>
+            <a:r>
+              <a:rPr kumimoji="1" lang="zh-CN" altLang="en-US" dirty="0" smtClean="0">
+                <a:latin typeface="STKaiti" charset="-122"/>
+                <a:ea typeface="STKaiti" charset="-122"/>
+                <a:cs typeface="STKaiti" charset="-122"/>
+              </a:rPr>
+              <a:t>；</a:t>
+            </a:r>
+            <a:endParaRPr kumimoji="1" lang="en-US" altLang="zh-CN" dirty="0" smtClean="0">
+              <a:latin typeface="STKaiti" charset="-122"/>
+              <a:ea typeface="STKaiti" charset="-122"/>
+              <a:cs typeface="STKaiti" charset="-122"/>
+            </a:endParaRPr>
+          </a:p>
+          <a:p>
+            <a:pPr>
+              <a:lnSpc>
+                <a:spcPct val="150000"/>
+              </a:lnSpc>
+            </a:pPr>
+            <a:r>
+              <a:rPr kumimoji="1" lang="zh-CN" altLang="en-US" dirty="0" smtClean="0">
+                <a:latin typeface="STKaiti" charset="-122"/>
+                <a:ea typeface="STKaiti" charset="-122"/>
+                <a:cs typeface="STKaiti" charset="-122"/>
+              </a:rPr>
+              <a:t>比如</a:t>
+            </a:r>
+            <a:r>
+              <a:rPr kumimoji="1" lang="zh-CN" altLang="en-US" dirty="0">
+                <a:latin typeface="STKaiti" charset="-122"/>
+                <a:ea typeface="STKaiti" charset="-122"/>
+                <a:cs typeface="STKaiti" charset="-122"/>
+              </a:rPr>
+              <a:t>，你有自己的团队或者实习生，那就不要做任何他们就可以做的事情</a:t>
+            </a:r>
+            <a:r>
+              <a:rPr kumimoji="1" lang="zh-CN" altLang="en-US" dirty="0" smtClean="0">
+                <a:latin typeface="STKaiti" charset="-122"/>
+                <a:ea typeface="STKaiti" charset="-122"/>
+                <a:cs typeface="STKaiti" charset="-122"/>
+              </a:rPr>
+              <a:t>；</a:t>
+            </a:r>
+            <a:endParaRPr kumimoji="1" lang="en-US" altLang="zh-CN" dirty="0" smtClean="0">
+              <a:latin typeface="STKaiti" charset="-122"/>
+              <a:ea typeface="STKaiti" charset="-122"/>
+              <a:cs typeface="STKaiti" charset="-122"/>
+            </a:endParaRPr>
+          </a:p>
+          <a:p>
+            <a:pPr>
+              <a:lnSpc>
+                <a:spcPct val="150000"/>
+              </a:lnSpc>
+            </a:pPr>
+            <a:r>
+              <a:rPr kumimoji="1" lang="zh-CN" altLang="en-US" dirty="0" smtClean="0">
+                <a:latin typeface="STKaiti" charset="-122"/>
+                <a:ea typeface="STKaiti" charset="-122"/>
+                <a:cs typeface="STKaiti" charset="-122"/>
+              </a:rPr>
+              <a:t>再</a:t>
+            </a:r>
+            <a:r>
+              <a:rPr kumimoji="1" lang="zh-CN" altLang="en-US" dirty="0">
+                <a:latin typeface="STKaiti" charset="-122"/>
+                <a:ea typeface="STKaiti" charset="-122"/>
+                <a:cs typeface="STKaiti" charset="-122"/>
+              </a:rPr>
+              <a:t>比如，去运营社群，摸索出一套群主激励机制，比你自己去做群主，要高效得多。</a:t>
+            </a:r>
+          </a:p>
+        </p:txBody>
+      </p:sp>
+    </p:spTree>
+    <p:extLst>
+      <p:ext uri="{BB962C8B-B14F-4D97-AF65-F5344CB8AC3E}">
+        <p14:creationId xmlns:p14="http://schemas.microsoft.com/office/powerpoint/2010/main" val="595313120"/>
+      </p:ext>
+    </p:extLst>
+  </p:cSld>
+  <p:clrMapOvr>
+    <a:masterClrMapping/>
+  </p:clrMapOvr>
+  <p:timing>
+    <p:tnLst>
+      <p:par>
+        <p:cTn id="1" dur="indefinite" restart="never" nodeType="tmRoot"/>
+      </p:par>
+    </p:tnLst>
+  </p:timing>
+</p:sld>
+</file>
+
+<file path=ppt/slides/slide18.xml><?xml version="1.0" encoding="utf-8"?>
+<p:sld xmlns:a="http://schemas.openxmlformats.org/drawingml/2006/main" xmlns:r="http://schemas.openxmlformats.org/officeDocument/2006/relationships" xmlns:p="http://schemas.openxmlformats.org/presentationml/2006/main">
+  <p:cSld>
+    <p:spTree>
+      <p:nvGrpSpPr>
+        <p:cNvPr id="1" name=""/>
+        <p:cNvGrpSpPr/>
+        <p:nvPr/>
+      </p:nvGrpSpPr>
+      <p:grpSpPr>
+        <a:xfrm>
+          <a:off x="0" y="0"/>
+          <a:ext cx="0" cy="0"/>
+          <a:chOff x="0" y="0"/>
+          <a:chExt cx="0" cy="0"/>
+        </a:xfrm>
+      </p:grpSpPr>
+      <p:sp>
+        <p:nvSpPr>
+          <p:cNvPr id="2" name="标题 1"/>
+          <p:cNvSpPr>
+            <a:spLocks noGrp="1"/>
+          </p:cNvSpPr>
+          <p:nvPr>
+            <p:ph type="title"/>
+          </p:nvPr>
+        </p:nvSpPr>
+        <p:spPr>
+          <a:xfrm>
+            <a:off x="722376" y="498230"/>
+            <a:ext cx="7772400" cy="2570730"/>
+          </a:xfrm>
+        </p:spPr>
+        <p:txBody>
+          <a:bodyPr/>
+          <a:lstStyle/>
+          <a:p>
+            <a:r>
+              <a:rPr lang="zh-CN" altLang="en-US" b="1" dirty="0" smtClean="0">
+                <a:effectLst/>
+                <a:latin typeface="STKaiti" charset="-122"/>
+                <a:ea typeface="STKaiti" charset="-122"/>
+                <a:cs typeface="STKaiti" charset="-122"/>
+              </a:rPr>
+              <a:t>小结：偷懒</a:t>
+            </a:r>
+            <a:endParaRPr kumimoji="1" lang="zh-CN" altLang="en-US" dirty="0">
+              <a:latin typeface="STKaiti" charset="-122"/>
+              <a:ea typeface="STKaiti" charset="-122"/>
+              <a:cs typeface="STKaiti" charset="-122"/>
+            </a:endParaRPr>
+          </a:p>
+        </p:txBody>
+      </p:sp>
+      <p:sp>
+        <p:nvSpPr>
+          <p:cNvPr id="3" name="内容占位符 2"/>
+          <p:cNvSpPr>
+            <a:spLocks noGrp="1"/>
+          </p:cNvSpPr>
+          <p:nvPr>
+            <p:ph type="body" idx="1"/>
+          </p:nvPr>
+        </p:nvSpPr>
+        <p:spPr/>
+        <p:txBody>
+          <a:bodyPr/>
+          <a:lstStyle/>
+          <a:p>
+            <a:r>
+              <a:rPr lang="zh-CN" altLang="en-US" b="1" dirty="0">
+                <a:latin typeface="STKaiti" charset="-122"/>
+                <a:ea typeface="STKaiti" charset="-122"/>
+                <a:cs typeface="STKaiti" charset="-122"/>
+              </a:rPr>
+              <a:t>偷懒，不仅是善用工具，还包括善用他人。</a:t>
+            </a:r>
+            <a:endParaRPr kumimoji="1" lang="zh-CN" altLang="en-US" dirty="0">
+              <a:latin typeface="STKaiti" charset="-122"/>
+              <a:ea typeface="STKaiti" charset="-122"/>
+              <a:cs typeface="STKaiti" charset="-122"/>
+            </a:endParaRPr>
+          </a:p>
+        </p:txBody>
+      </p:sp>
+    </p:spTree>
+    <p:extLst>
+      <p:ext uri="{BB962C8B-B14F-4D97-AF65-F5344CB8AC3E}">
+        <p14:creationId xmlns:p14="http://schemas.microsoft.com/office/powerpoint/2010/main" val="1436428720"/>
+      </p:ext>
+    </p:extLst>
+  </p:cSld>
+  <p:clrMapOvr>
+    <a:masterClrMapping/>
+  </p:clrMapOvr>
+  <p:timing>
+    <p:tnLst>
+      <p:par>
+        <p:cTn id="1" dur="indefinite" restart="never" nodeType="tmRoot"/>
+      </p:par>
+    </p:tnLst>
+  </p:timing>
+</p:sld>
+</file>
+
+<file path=ppt/slides/slide19.xml><?xml version="1.0" encoding="utf-8"?>
+<p:sld xmlns:a="http://schemas.openxmlformats.org/drawingml/2006/main" xmlns:r="http://schemas.openxmlformats.org/officeDocument/2006/relationships" xmlns:p="http://schemas.openxmlformats.org/presentationml/2006/main">
+  <p:cSld>
+    <p:spTree>
+      <p:nvGrpSpPr>
+        <p:cNvPr id="1" name=""/>
+        <p:cNvGrpSpPr/>
+        <p:nvPr/>
+      </p:nvGrpSpPr>
+      <p:grpSpPr>
+        <a:xfrm>
+          <a:off x="0" y="0"/>
+          <a:ext cx="0" cy="0"/>
+          <a:chOff x="0" y="0"/>
+          <a:chExt cx="0" cy="0"/>
+        </a:xfrm>
+      </p:grpSpPr>
+      <p:sp>
+        <p:nvSpPr>
+          <p:cNvPr id="5" name="文本占位符 4"/>
+          <p:cNvSpPr>
+            <a:spLocks noGrp="1"/>
+          </p:cNvSpPr>
+          <p:nvPr>
+            <p:ph type="body" idx="1"/>
+          </p:nvPr>
+        </p:nvSpPr>
+        <p:spPr>
+          <a:xfrm>
+            <a:off x="755576" y="2204864"/>
+            <a:ext cx="7772400" cy="2664569"/>
+          </a:xfrm>
+        </p:spPr>
+        <p:txBody>
+          <a:bodyPr/>
+          <a:lstStyle/>
+          <a:p>
+            <a:pPr>
+              <a:lnSpc>
+                <a:spcPct val="150000"/>
+              </a:lnSpc>
+            </a:pPr>
+            <a:r>
+              <a:rPr kumimoji="1" lang="zh-CN" altLang="en-US" dirty="0" smtClean="0">
+                <a:latin typeface="STKaiti" charset="-122"/>
+                <a:ea typeface="STKaiti" charset="-122"/>
+                <a:cs typeface="STKaiti" charset="-122"/>
+              </a:rPr>
+              <a:t>这</a:t>
+            </a:r>
+            <a:r>
+              <a:rPr kumimoji="1" lang="zh-CN" altLang="en-US" dirty="0">
+                <a:latin typeface="STKaiti" charset="-122"/>
+                <a:ea typeface="STKaiti" charset="-122"/>
+                <a:cs typeface="STKaiti" charset="-122"/>
+              </a:rPr>
+              <a:t>三个让你</a:t>
+            </a:r>
+            <a:r>
+              <a:rPr kumimoji="1" lang="en-US" altLang="zh-CN" dirty="0">
+                <a:latin typeface="STKaiti" charset="-122"/>
+                <a:ea typeface="STKaiti" charset="-122"/>
+                <a:cs typeface="STKaiti" charset="-122"/>
+              </a:rPr>
+              <a:t>Work Smart</a:t>
+            </a:r>
+            <a:r>
+              <a:rPr kumimoji="1" lang="zh-CN" altLang="en-US" dirty="0">
+                <a:latin typeface="STKaiti" charset="-122"/>
+                <a:ea typeface="STKaiti" charset="-122"/>
+                <a:cs typeface="STKaiti" charset="-122"/>
+              </a:rPr>
+              <a:t>的工作方式，听起来难吗</a:t>
+            </a:r>
+            <a:r>
+              <a:rPr kumimoji="1" lang="zh-CN" altLang="en-US" dirty="0" smtClean="0">
+                <a:latin typeface="STKaiti" charset="-122"/>
+                <a:ea typeface="STKaiti" charset="-122"/>
+                <a:cs typeface="STKaiti" charset="-122"/>
+              </a:rPr>
+              <a:t>？</a:t>
+            </a:r>
+            <a:endParaRPr kumimoji="1" lang="en-US" altLang="zh-CN" dirty="0" smtClean="0">
+              <a:latin typeface="STKaiti" charset="-122"/>
+              <a:ea typeface="STKaiti" charset="-122"/>
+              <a:cs typeface="STKaiti" charset="-122"/>
+            </a:endParaRPr>
+          </a:p>
+          <a:p>
+            <a:pPr>
+              <a:lnSpc>
+                <a:spcPct val="150000"/>
+              </a:lnSpc>
+            </a:pPr>
+            <a:r>
+              <a:rPr kumimoji="1" lang="zh-CN" altLang="en-US" dirty="0" smtClean="0">
+                <a:latin typeface="STKaiti" charset="-122"/>
+                <a:ea typeface="STKaiti" charset="-122"/>
+                <a:cs typeface="STKaiti" charset="-122"/>
+              </a:rPr>
+              <a:t>一点</a:t>
+            </a:r>
+            <a:r>
+              <a:rPr kumimoji="1" lang="zh-CN" altLang="en-US" dirty="0">
+                <a:latin typeface="STKaiti" charset="-122"/>
+                <a:ea typeface="STKaiti" charset="-122"/>
+                <a:cs typeface="STKaiti" charset="-122"/>
+              </a:rPr>
+              <a:t>也不，而且你很可能也听说过</a:t>
+            </a:r>
+            <a:r>
+              <a:rPr kumimoji="1" lang="zh-CN" altLang="en-US" dirty="0" smtClean="0">
+                <a:latin typeface="STKaiti" charset="-122"/>
+                <a:ea typeface="STKaiti" charset="-122"/>
+                <a:cs typeface="STKaiti" charset="-122"/>
+              </a:rPr>
+              <a:t>。</a:t>
+            </a:r>
+            <a:endParaRPr kumimoji="1" lang="en-US" altLang="zh-CN" dirty="0" smtClean="0">
+              <a:latin typeface="STKaiti" charset="-122"/>
+              <a:ea typeface="STKaiti" charset="-122"/>
+              <a:cs typeface="STKaiti" charset="-122"/>
+            </a:endParaRPr>
+          </a:p>
+          <a:p>
+            <a:pPr>
+              <a:lnSpc>
+                <a:spcPct val="150000"/>
+              </a:lnSpc>
+            </a:pPr>
+            <a:endParaRPr kumimoji="1" lang="en-US" altLang="zh-CN" dirty="0" smtClean="0">
+              <a:latin typeface="STKaiti" charset="-122"/>
+              <a:ea typeface="STKaiti" charset="-122"/>
+              <a:cs typeface="STKaiti" charset="-122"/>
+            </a:endParaRPr>
+          </a:p>
+          <a:p>
+            <a:pPr>
+              <a:lnSpc>
+                <a:spcPct val="150000"/>
+              </a:lnSpc>
+            </a:pPr>
+            <a:r>
+              <a:rPr kumimoji="1" lang="zh-CN" altLang="en-US" dirty="0" smtClean="0">
+                <a:latin typeface="STKaiti" charset="-122"/>
+                <a:ea typeface="STKaiti" charset="-122"/>
+                <a:cs typeface="STKaiti" charset="-122"/>
+              </a:rPr>
+              <a:t>但是</a:t>
+            </a:r>
+            <a:r>
+              <a:rPr kumimoji="1" lang="zh-CN" altLang="en-US" dirty="0">
+                <a:latin typeface="STKaiti" charset="-122"/>
+                <a:ea typeface="STKaiti" charset="-122"/>
+                <a:cs typeface="STKaiti" charset="-122"/>
+              </a:rPr>
+              <a:t>，为什么很多人做不到呢</a:t>
+            </a:r>
+            <a:r>
+              <a:rPr kumimoji="1" lang="zh-CN" altLang="en-US" dirty="0" smtClean="0">
+                <a:latin typeface="STKaiti" charset="-122"/>
+                <a:ea typeface="STKaiti" charset="-122"/>
+                <a:cs typeface="STKaiti" charset="-122"/>
+              </a:rPr>
+              <a:t>？</a:t>
+            </a:r>
+            <a:endParaRPr kumimoji="1" lang="en-US" altLang="zh-CN" dirty="0" smtClean="0">
+              <a:latin typeface="STKaiti" charset="-122"/>
+              <a:ea typeface="STKaiti" charset="-122"/>
+              <a:cs typeface="STKaiti" charset="-122"/>
+            </a:endParaRPr>
+          </a:p>
+          <a:p>
+            <a:pPr>
+              <a:lnSpc>
+                <a:spcPct val="150000"/>
+              </a:lnSpc>
+            </a:pPr>
+            <a:r>
+              <a:rPr kumimoji="1" lang="zh-CN" altLang="en-US" dirty="0" smtClean="0">
+                <a:latin typeface="STKaiti" charset="-122"/>
+                <a:ea typeface="STKaiti" charset="-122"/>
+                <a:cs typeface="STKaiti" charset="-122"/>
+              </a:rPr>
+              <a:t>观察</a:t>
+            </a:r>
+            <a:r>
+              <a:rPr kumimoji="1" lang="zh-CN" altLang="en-US" dirty="0">
+                <a:latin typeface="STKaiti" charset="-122"/>
+                <a:ea typeface="STKaiti" charset="-122"/>
+                <a:cs typeface="STKaiti" charset="-122"/>
+              </a:rPr>
+              <a:t>下来，有几个障碍：</a:t>
+            </a:r>
+          </a:p>
+        </p:txBody>
+      </p:sp>
+    </p:spTree>
+    <p:extLst>
+      <p:ext uri="{BB962C8B-B14F-4D97-AF65-F5344CB8AC3E}">
+        <p14:creationId xmlns:p14="http://schemas.microsoft.com/office/powerpoint/2010/main" val="1639345646"/>
+      </p:ext>
+    </p:extLst>
+  </p:cSld>
+  <p:clrMapOvr>
+    <a:masterClrMapping/>
+  </p:clrMapOvr>
+  <p:timing>
+    <p:tnLst>
+      <p:par>
+        <p:cTn id="1" dur="indefinite" restart="never" nodeType="tmRoot"/>
+      </p:par>
+    </p:tnLst>
+  </p:timing>
+</p:sld>
+</file>
+
+<file path=ppt/slides/slide2.xml><?xml version="1.0" encoding="utf-8"?>
+<p:sld xmlns:a="http://schemas.openxmlformats.org/drawingml/2006/main" xmlns:r="http://schemas.openxmlformats.org/officeDocument/2006/relationships" xmlns:p="http://schemas.openxmlformats.org/presentationml/2006/main">
+  <p:cSld>
+    <p:spTree>
+      <p:nvGrpSpPr>
+        <p:cNvPr id="1" name=""/>
+        <p:cNvGrpSpPr/>
+        <p:nvPr/>
+      </p:nvGrpSpPr>
+      <p:grpSpPr>
+        <a:xfrm>
+          <a:off x="0" y="0"/>
+          <a:ext cx="0" cy="0"/>
+          <a:chOff x="0" y="0"/>
+          <a:chExt cx="0" cy="0"/>
+        </a:xfrm>
+      </p:grpSpPr>
+      <p:sp>
+        <p:nvSpPr>
+          <p:cNvPr id="2" name="标题 1"/>
+          <p:cNvSpPr>
+            <a:spLocks noGrp="1"/>
+          </p:cNvSpPr>
+          <p:nvPr>
+            <p:ph type="title"/>
+          </p:nvPr>
+        </p:nvSpPr>
+        <p:spPr/>
+        <p:txBody>
+          <a:bodyPr/>
+          <a:lstStyle/>
+          <a:p>
+            <a:r>
+              <a:rPr lang="zh-CN" altLang="en-US" dirty="0" smtClean="0">
+                <a:latin typeface="STKaiti" charset="-122"/>
+                <a:ea typeface="STKaiti" charset="-122"/>
+                <a:cs typeface="STKaiti" charset="-122"/>
+              </a:rPr>
+              <a:t>议题</a:t>
+            </a:r>
+            <a:endParaRPr lang="zh-CN" altLang="en-US" dirty="0">
+              <a:latin typeface="STKaiti" charset="-122"/>
+              <a:ea typeface="STKaiti" charset="-122"/>
+              <a:cs typeface="STKaiti" charset="-122"/>
+            </a:endParaRPr>
+          </a:p>
+        </p:txBody>
+      </p:sp>
+      <p:sp>
+        <p:nvSpPr>
+          <p:cNvPr id="3" name="内容占位符 2"/>
+          <p:cNvSpPr>
+            <a:spLocks noGrp="1"/>
+          </p:cNvSpPr>
+          <p:nvPr>
+            <p:ph idx="1"/>
+          </p:nvPr>
+        </p:nvSpPr>
+        <p:spPr/>
+        <p:txBody>
+          <a:bodyPr/>
+          <a:lstStyle/>
+          <a:p>
+            <a:pPr>
+              <a:lnSpc>
+                <a:spcPct val="150000"/>
+              </a:lnSpc>
+            </a:pPr>
+            <a:r>
+              <a:rPr lang="zh-CN" altLang="en-US" dirty="0">
+                <a:latin typeface="STKaiti" charset="-122"/>
+                <a:ea typeface="STKaiti" charset="-122"/>
+                <a:cs typeface="STKaiti" charset="-122"/>
+              </a:rPr>
+              <a:t>累死你的不是</a:t>
+            </a:r>
+            <a:r>
+              <a:rPr lang="zh-CN" altLang="en-US" dirty="0" smtClean="0">
+                <a:latin typeface="STKaiti" charset="-122"/>
+                <a:ea typeface="STKaiti" charset="-122"/>
+                <a:cs typeface="STKaiti" charset="-122"/>
+              </a:rPr>
+              <a:t>工作而是</a:t>
+            </a:r>
+            <a:r>
+              <a:rPr lang="zh-CN" altLang="en-US" dirty="0">
+                <a:latin typeface="STKaiti" charset="-122"/>
+                <a:ea typeface="STKaiti" charset="-122"/>
+                <a:cs typeface="STKaiti" charset="-122"/>
+              </a:rPr>
+              <a:t>工作</a:t>
+            </a:r>
+            <a:r>
+              <a:rPr lang="zh-CN" altLang="en-US" dirty="0" smtClean="0">
+                <a:latin typeface="STKaiti" charset="-122"/>
+                <a:ea typeface="STKaiti" charset="-122"/>
+                <a:cs typeface="STKaiti" charset="-122"/>
+              </a:rPr>
+              <a:t>方式</a:t>
+            </a:r>
+            <a:r>
+              <a:rPr lang="en-US" altLang="zh-CN" dirty="0">
+                <a:latin typeface="STKaiti" charset="-122"/>
+                <a:ea typeface="STKaiti" charset="-122"/>
+                <a:cs typeface="STKaiti" charset="-122"/>
+              </a:rPr>
+              <a:t/>
+            </a:r>
+            <a:br>
+              <a:rPr lang="en-US" altLang="zh-CN" dirty="0">
+                <a:latin typeface="STKaiti" charset="-122"/>
+                <a:ea typeface="STKaiti" charset="-122"/>
+                <a:cs typeface="STKaiti" charset="-122"/>
+              </a:rPr>
+            </a:br>
+            <a:r>
+              <a:rPr lang="en-US" altLang="zh-CN" dirty="0">
+                <a:latin typeface="STKaiti" charset="-122"/>
+                <a:ea typeface="STKaiti" charset="-122"/>
+                <a:cs typeface="STKaiti" charset="-122"/>
+                <a:hlinkClick r:id="rId3"/>
+              </a:rPr>
+              <a:t>http://</a:t>
+            </a:r>
+            <a:r>
+              <a:rPr lang="en-US" altLang="zh-CN" dirty="0" smtClean="0">
+                <a:latin typeface="STKaiti" charset="-122"/>
+                <a:ea typeface="STKaiti" charset="-122"/>
+                <a:cs typeface="STKaiti" charset="-122"/>
+                <a:hlinkClick r:id="rId3"/>
+              </a:rPr>
+              <a:t>news.mbalib.com/story/234696</a:t>
+            </a:r>
+            <a:r>
+              <a:rPr lang="zh-CN" altLang="en-US" dirty="0" smtClean="0">
+                <a:latin typeface="STKaiti" charset="-122"/>
+                <a:ea typeface="STKaiti" charset="-122"/>
+                <a:cs typeface="STKaiti" charset="-122"/>
+              </a:rPr>
+              <a:t> </a:t>
+            </a:r>
+            <a:endParaRPr lang="en-US" altLang="zh-CN" dirty="0" smtClean="0">
+              <a:latin typeface="STKaiti" charset="-122"/>
+              <a:ea typeface="STKaiti" charset="-122"/>
+              <a:cs typeface="STKaiti" charset="-122"/>
+            </a:endParaRPr>
+          </a:p>
+          <a:p>
+            <a:pPr>
+              <a:lnSpc>
+                <a:spcPct val="150000"/>
+              </a:lnSpc>
+            </a:pPr>
+            <a:r>
+              <a:rPr lang="zh-CN" altLang="en-US" dirty="0" smtClean="0">
+                <a:latin typeface="STKaiti" charset="-122"/>
+                <a:ea typeface="STKaiti" charset="-122"/>
+                <a:cs typeface="STKaiti" charset="-122"/>
+              </a:rPr>
+              <a:t>敏捷游戏</a:t>
+            </a:r>
+            <a:endParaRPr lang="en-US" altLang="zh-CN" dirty="0" smtClean="0">
+              <a:latin typeface="STKaiti" charset="-122"/>
+              <a:ea typeface="STKaiti" charset="-122"/>
+              <a:cs typeface="STKaiti" charset="-122"/>
+            </a:endParaRPr>
+          </a:p>
+          <a:p>
+            <a:pPr>
+              <a:lnSpc>
+                <a:spcPct val="150000"/>
+              </a:lnSpc>
+            </a:pPr>
+            <a:r>
+              <a:rPr lang="zh-CN" altLang="en-US" dirty="0" smtClean="0">
+                <a:latin typeface="STKaiti" charset="-122"/>
+                <a:ea typeface="STKaiti" charset="-122"/>
+                <a:cs typeface="STKaiti" charset="-122"/>
+              </a:rPr>
+              <a:t>讨论</a:t>
+            </a:r>
+            <a:endParaRPr lang="en-US" altLang="zh-CN" dirty="0" smtClean="0">
+              <a:latin typeface="STKaiti" charset="-122"/>
+              <a:ea typeface="STKaiti" charset="-122"/>
+              <a:cs typeface="STKaiti" charset="-122"/>
+            </a:endParaRPr>
+          </a:p>
+        </p:txBody>
+      </p:sp>
+    </p:spTree>
+    <p:extLst>
+      <p:ext uri="{BB962C8B-B14F-4D97-AF65-F5344CB8AC3E}">
+        <p14:creationId xmlns:p14="http://schemas.microsoft.com/office/powerpoint/2010/main" val="3285082161"/>
+      </p:ext>
+    </p:extLst>
+  </p:cSld>
+  <p:clrMapOvr>
+    <a:masterClrMapping/>
+  </p:clrMapOvr>
+  <p:timing>
+    <p:tnLst>
+      <p:par>
+        <p:cTn id="1" dur="indefinite" restart="never" nodeType="tmRoot"/>
+      </p:par>
+    </p:tnLst>
+  </p:timing>
+</p:sld>
+</file>
+
+<file path=ppt/slides/slide20.xml><?xml version="1.0" encoding="utf-8"?>
+<p:sld xmlns:a="http://schemas.openxmlformats.org/drawingml/2006/main" xmlns:r="http://schemas.openxmlformats.org/officeDocument/2006/relationships" xmlns:p="http://schemas.openxmlformats.org/presentationml/2006/main">
+  <p:cSld>
+    <p:spTree>
+      <p:nvGrpSpPr>
+        <p:cNvPr id="1" name=""/>
+        <p:cNvGrpSpPr/>
+        <p:nvPr/>
+      </p:nvGrpSpPr>
+      <p:grpSpPr>
+        <a:xfrm>
+          <a:off x="0" y="0"/>
+          <a:ext cx="0" cy="0"/>
+          <a:chOff x="0" y="0"/>
+          <a:chExt cx="0" cy="0"/>
+        </a:xfrm>
+      </p:grpSpPr>
+      <p:sp>
+        <p:nvSpPr>
+          <p:cNvPr id="4" name="标题 3"/>
+          <p:cNvSpPr>
+            <a:spLocks noGrp="1"/>
+          </p:cNvSpPr>
+          <p:nvPr>
+            <p:ph type="title"/>
+          </p:nvPr>
+        </p:nvSpPr>
+        <p:spPr/>
+        <p:txBody>
+          <a:bodyPr/>
+          <a:lstStyle/>
+          <a:p>
+            <a:r>
+              <a:rPr kumimoji="1" lang="zh-CN" altLang="en-US" dirty="0">
+                <a:latin typeface="STKaiti" charset="-122"/>
+                <a:ea typeface="STKaiti" charset="-122"/>
+                <a:cs typeface="STKaiti" charset="-122"/>
+              </a:rPr>
+              <a:t>工作环境所限</a:t>
+            </a:r>
+          </a:p>
+        </p:txBody>
+      </p:sp>
+      <p:sp>
+        <p:nvSpPr>
+          <p:cNvPr id="5" name="内容占位符 4"/>
+          <p:cNvSpPr>
+            <a:spLocks noGrp="1"/>
+          </p:cNvSpPr>
+          <p:nvPr>
+            <p:ph idx="1"/>
+          </p:nvPr>
+        </p:nvSpPr>
+        <p:spPr/>
+        <p:txBody>
+          <a:bodyPr>
+            <a:normAutofit fontScale="77500" lnSpcReduction="20000"/>
+          </a:bodyPr>
+          <a:lstStyle/>
+          <a:p>
+            <a:pPr>
+              <a:lnSpc>
+                <a:spcPct val="150000"/>
+              </a:lnSpc>
+            </a:pPr>
+            <a:r>
+              <a:rPr kumimoji="1" lang="zh-CN" altLang="en-US" dirty="0">
+                <a:latin typeface="STKaiti" charset="-122"/>
+                <a:ea typeface="STKaiti" charset="-122"/>
+                <a:cs typeface="STKaiti" charset="-122"/>
+              </a:rPr>
+              <a:t>很多人的工作性质，就不是结果导向型的，而是任务导向型的</a:t>
+            </a:r>
+            <a:r>
+              <a:rPr kumimoji="1" lang="zh-CN" altLang="en-US" dirty="0" smtClean="0">
+                <a:latin typeface="STKaiti" charset="-122"/>
+                <a:ea typeface="STKaiti" charset="-122"/>
+                <a:cs typeface="STKaiti" charset="-122"/>
+              </a:rPr>
+              <a:t>。</a:t>
+            </a:r>
+            <a:endParaRPr kumimoji="1" lang="en-US" altLang="zh-CN" dirty="0" smtClean="0">
+              <a:latin typeface="STKaiti" charset="-122"/>
+              <a:ea typeface="STKaiti" charset="-122"/>
+              <a:cs typeface="STKaiti" charset="-122"/>
+            </a:endParaRPr>
+          </a:p>
+          <a:p>
+            <a:pPr>
+              <a:lnSpc>
+                <a:spcPct val="150000"/>
+              </a:lnSpc>
+            </a:pPr>
+            <a:r>
+              <a:rPr kumimoji="1" lang="zh-CN" altLang="en-US" dirty="0">
+                <a:latin typeface="STKaiti" charset="-122"/>
+                <a:ea typeface="STKaiti" charset="-122"/>
+                <a:cs typeface="STKaiti" charset="-122"/>
+              </a:rPr>
+              <a:t>工作性质对一个人的思维方式、行为习惯的影响，大到超乎</a:t>
+            </a:r>
+            <a:r>
+              <a:rPr kumimoji="1" lang="zh-CN" altLang="en-US" dirty="0" smtClean="0">
+                <a:latin typeface="STKaiti" charset="-122"/>
+                <a:ea typeface="STKaiti" charset="-122"/>
+                <a:cs typeface="STKaiti" charset="-122"/>
+              </a:rPr>
+              <a:t>想象</a:t>
+            </a:r>
+            <a:endParaRPr kumimoji="1" lang="en-US" altLang="zh-CN" dirty="0" smtClean="0">
+              <a:latin typeface="STKaiti" charset="-122"/>
+              <a:ea typeface="STKaiti" charset="-122"/>
+              <a:cs typeface="STKaiti" charset="-122"/>
+            </a:endParaRPr>
+          </a:p>
+          <a:p>
+            <a:pPr lvl="1">
+              <a:lnSpc>
+                <a:spcPct val="150000"/>
+              </a:lnSpc>
+            </a:pPr>
+            <a:r>
+              <a:rPr kumimoji="1" lang="zh-CN" altLang="en-US" dirty="0">
+                <a:latin typeface="STKaiti" charset="-122"/>
+                <a:ea typeface="STKaiti" charset="-122"/>
+                <a:cs typeface="STKaiti" charset="-122"/>
+              </a:rPr>
+              <a:t>刚毕业的时候，一个学校一个专业的同学，看起来差不多，但过了几年，你会发现，只要接触一个人几分钟，听他说几句话，就能大致判断出他的职业。</a:t>
+            </a:r>
+            <a:endParaRPr kumimoji="1" lang="en-US" altLang="zh-CN" dirty="0">
+              <a:latin typeface="STKaiti" charset="-122"/>
+              <a:ea typeface="STKaiti" charset="-122"/>
+              <a:cs typeface="STKaiti" charset="-122"/>
+            </a:endParaRPr>
+          </a:p>
+          <a:p>
+            <a:pPr lvl="1">
+              <a:lnSpc>
+                <a:spcPct val="150000"/>
+              </a:lnSpc>
+            </a:pPr>
+            <a:r>
+              <a:rPr kumimoji="1" lang="zh-CN" altLang="en-US" dirty="0" smtClean="0">
+                <a:latin typeface="STKaiti" charset="-122"/>
+                <a:ea typeface="STKaiti" charset="-122"/>
+                <a:cs typeface="STKaiti" charset="-122"/>
+              </a:rPr>
+              <a:t>在</a:t>
+            </a:r>
+            <a:r>
+              <a:rPr kumimoji="1" lang="zh-CN" altLang="en-US" dirty="0">
+                <a:latin typeface="STKaiti" charset="-122"/>
+                <a:ea typeface="STKaiti" charset="-122"/>
+                <a:cs typeface="STKaiti" charset="-122"/>
+              </a:rPr>
+              <a:t>噪音极大、灯光昏暗的厂房里</a:t>
+            </a:r>
+            <a:r>
+              <a:rPr kumimoji="1" lang="zh-CN" altLang="en-US" dirty="0" smtClean="0">
+                <a:latin typeface="STKaiti" charset="-122"/>
+                <a:ea typeface="STKaiti" charset="-122"/>
+                <a:cs typeface="STKaiti" charset="-122"/>
+              </a:rPr>
+              <a:t>，看</a:t>
+            </a:r>
+            <a:r>
+              <a:rPr kumimoji="1" lang="zh-CN" altLang="en-US" dirty="0">
+                <a:latin typeface="STKaiti" charset="-122"/>
+                <a:ea typeface="STKaiti" charset="-122"/>
+                <a:cs typeface="STKaiti" charset="-122"/>
+              </a:rPr>
+              <a:t>着流水线工人机械地盯着机器、等待换箱，几个小时下来</a:t>
+            </a:r>
+            <a:r>
+              <a:rPr kumimoji="1" lang="zh-CN" altLang="en-US" dirty="0" smtClean="0">
+                <a:latin typeface="STKaiti" charset="-122"/>
+                <a:ea typeface="STKaiti" charset="-122"/>
+                <a:cs typeface="STKaiti" charset="-122"/>
+              </a:rPr>
+              <a:t>，自己</a:t>
+            </a:r>
+            <a:r>
+              <a:rPr kumimoji="1" lang="zh-CN" altLang="en-US" dirty="0">
+                <a:latin typeface="STKaiti" charset="-122"/>
+                <a:ea typeface="STKaiti" charset="-122"/>
+                <a:cs typeface="STKaiti" charset="-122"/>
+              </a:rPr>
+              <a:t>也开始反应迟钝、敏锐度下降了。</a:t>
+            </a:r>
+          </a:p>
+        </p:txBody>
+      </p:sp>
+    </p:spTree>
+    <p:extLst>
+      <p:ext uri="{BB962C8B-B14F-4D97-AF65-F5344CB8AC3E}">
+        <p14:creationId xmlns:p14="http://schemas.microsoft.com/office/powerpoint/2010/main" val="1629851682"/>
+      </p:ext>
+    </p:extLst>
+  </p:cSld>
+  <p:clrMapOvr>
+    <a:masterClrMapping/>
+  </p:clrMapOvr>
+  <p:timing>
+    <p:tnLst>
+      <p:par>
+        <p:cTn id="1" dur="indefinite" restart="never" nodeType="tmRoot"/>
+      </p:par>
+    </p:tnLst>
+  </p:timing>
+</p:sld>
+</file>
+
+<file path=ppt/slides/slide21.xml><?xml version="1.0" encoding="utf-8"?>
+<p:sld xmlns:a="http://schemas.openxmlformats.org/drawingml/2006/main" xmlns:r="http://schemas.openxmlformats.org/officeDocument/2006/relationships" xmlns:p="http://schemas.openxmlformats.org/presentationml/2006/main">
+  <p:cSld>
+    <p:spTree>
+      <p:nvGrpSpPr>
+        <p:cNvPr id="1" name=""/>
+        <p:cNvGrpSpPr/>
+        <p:nvPr/>
+      </p:nvGrpSpPr>
+      <p:grpSpPr>
+        <a:xfrm>
+          <a:off x="0" y="0"/>
+          <a:ext cx="0" cy="0"/>
+          <a:chOff x="0" y="0"/>
+          <a:chExt cx="0" cy="0"/>
+        </a:xfrm>
+      </p:grpSpPr>
+      <p:sp>
+        <p:nvSpPr>
+          <p:cNvPr id="2" name="标题 1"/>
+          <p:cNvSpPr>
+            <a:spLocks noGrp="1"/>
+          </p:cNvSpPr>
+          <p:nvPr>
+            <p:ph type="title"/>
+          </p:nvPr>
+        </p:nvSpPr>
+        <p:spPr/>
+        <p:txBody>
+          <a:bodyPr/>
+          <a:lstStyle/>
+          <a:p>
+            <a:r>
+              <a:rPr kumimoji="1" lang="zh-CN" altLang="en-US" dirty="0">
+                <a:latin typeface="STKaiti" charset="-122"/>
+                <a:ea typeface="STKaiti" charset="-122"/>
+                <a:cs typeface="STKaiti" charset="-122"/>
+              </a:rPr>
+              <a:t>没有资深的人辅导</a:t>
+            </a:r>
+          </a:p>
+        </p:txBody>
+      </p:sp>
+      <p:sp>
+        <p:nvSpPr>
+          <p:cNvPr id="3" name="内容占位符 2"/>
+          <p:cNvSpPr>
+            <a:spLocks noGrp="1"/>
+          </p:cNvSpPr>
+          <p:nvPr>
+            <p:ph idx="1"/>
+          </p:nvPr>
+        </p:nvSpPr>
+        <p:spPr/>
+        <p:txBody>
+          <a:bodyPr>
+            <a:normAutofit fontScale="70000" lnSpcReduction="20000"/>
+          </a:bodyPr>
+          <a:lstStyle/>
+          <a:p>
+            <a:pPr>
+              <a:lnSpc>
+                <a:spcPct val="170000"/>
+              </a:lnSpc>
+            </a:pPr>
+            <a:r>
+              <a:rPr kumimoji="1" lang="zh-CN" altLang="en-US" dirty="0">
+                <a:latin typeface="STKaiti" charset="-122"/>
+                <a:ea typeface="STKaiti" charset="-122"/>
+                <a:cs typeface="STKaiti" charset="-122"/>
+              </a:rPr>
+              <a:t>从开头的案例可以看出，</a:t>
+            </a:r>
+            <a:r>
+              <a:rPr kumimoji="1" lang="en-US" altLang="zh-CN" dirty="0">
+                <a:latin typeface="STKaiti" charset="-122"/>
+                <a:ea typeface="STKaiti" charset="-122"/>
+                <a:cs typeface="STKaiti" charset="-122"/>
+              </a:rPr>
+              <a:t>Google</a:t>
+            </a:r>
+            <a:r>
+              <a:rPr kumimoji="1" lang="zh-CN" altLang="en-US" dirty="0">
+                <a:latin typeface="STKaiti" charset="-122"/>
+                <a:ea typeface="STKaiti" charset="-122"/>
+                <a:cs typeface="STKaiti" charset="-122"/>
+              </a:rPr>
+              <a:t>工程师那么优秀的一群人，在从校园进入公司之后，也需要有经验的人辅导</a:t>
+            </a:r>
+            <a:r>
+              <a:rPr kumimoji="1" lang="zh-CN" altLang="en-US" dirty="0" smtClean="0">
+                <a:latin typeface="STKaiti" charset="-122"/>
+                <a:ea typeface="STKaiti" charset="-122"/>
+                <a:cs typeface="STKaiti" charset="-122"/>
+              </a:rPr>
+              <a:t>。</a:t>
+            </a:r>
+            <a:endParaRPr kumimoji="1" lang="en-US" altLang="zh-CN" dirty="0" smtClean="0">
+              <a:latin typeface="STKaiti" charset="-122"/>
+              <a:ea typeface="STKaiti" charset="-122"/>
+              <a:cs typeface="STKaiti" charset="-122"/>
+            </a:endParaRPr>
+          </a:p>
+          <a:p>
+            <a:pPr>
+              <a:lnSpc>
+                <a:spcPct val="170000"/>
+              </a:lnSpc>
+            </a:pPr>
+            <a:r>
+              <a:rPr kumimoji="1" lang="zh-CN" altLang="en-US" dirty="0" smtClean="0">
+                <a:latin typeface="STKaiti" charset="-122"/>
+                <a:ea typeface="STKaiti" charset="-122"/>
+                <a:cs typeface="STKaiti" charset="-122"/>
+              </a:rPr>
+              <a:t>很多</a:t>
+            </a:r>
+            <a:r>
+              <a:rPr kumimoji="1" lang="zh-CN" altLang="en-US" dirty="0">
+                <a:latin typeface="STKaiti" charset="-122"/>
+                <a:ea typeface="STKaiti" charset="-122"/>
+                <a:cs typeface="STKaiti" charset="-122"/>
+              </a:rPr>
+              <a:t>公司并不像</a:t>
+            </a:r>
+            <a:r>
+              <a:rPr kumimoji="1" lang="en-US" altLang="zh-CN" dirty="0">
+                <a:latin typeface="STKaiti" charset="-122"/>
+                <a:ea typeface="STKaiti" charset="-122"/>
+                <a:cs typeface="STKaiti" charset="-122"/>
+              </a:rPr>
+              <a:t>Google</a:t>
+            </a:r>
+            <a:r>
+              <a:rPr kumimoji="1" lang="zh-CN" altLang="en-US" dirty="0">
+                <a:latin typeface="STKaiti" charset="-122"/>
+                <a:ea typeface="STKaiti" charset="-122"/>
+                <a:cs typeface="STKaiti" charset="-122"/>
+              </a:rPr>
+              <a:t>那样，重视对新人工作方式的培养，将</a:t>
+            </a:r>
+            <a:r>
+              <a:rPr kumimoji="1" lang="en-US" altLang="zh-CN" dirty="0">
+                <a:latin typeface="STKaiti" charset="-122"/>
+                <a:ea typeface="STKaiti" charset="-122"/>
+                <a:cs typeface="STKaiti" charset="-122"/>
+              </a:rPr>
+              <a:t>Work Smart</a:t>
+            </a:r>
+            <a:r>
+              <a:rPr kumimoji="1" lang="zh-CN" altLang="en-US" dirty="0">
+                <a:latin typeface="STKaiti" charset="-122"/>
+                <a:ea typeface="STKaiti" charset="-122"/>
+                <a:cs typeface="STKaiti" charset="-122"/>
+              </a:rPr>
+              <a:t>提到非常高的位置</a:t>
+            </a:r>
+            <a:r>
+              <a:rPr kumimoji="1" lang="zh-CN" altLang="en-US" dirty="0" smtClean="0">
+                <a:latin typeface="STKaiti" charset="-122"/>
+                <a:ea typeface="STKaiti" charset="-122"/>
+                <a:cs typeface="STKaiti" charset="-122"/>
+              </a:rPr>
+              <a:t>。</a:t>
+            </a:r>
+            <a:endParaRPr kumimoji="1" lang="en-US" altLang="zh-CN" dirty="0" smtClean="0">
+              <a:latin typeface="STKaiti" charset="-122"/>
+              <a:ea typeface="STKaiti" charset="-122"/>
+              <a:cs typeface="STKaiti" charset="-122"/>
+            </a:endParaRPr>
+          </a:p>
+          <a:p>
+            <a:pPr>
+              <a:lnSpc>
+                <a:spcPct val="170000"/>
+              </a:lnSpc>
+            </a:pPr>
+            <a:r>
+              <a:rPr kumimoji="1" lang="zh-CN" altLang="en-US" dirty="0" smtClean="0">
+                <a:latin typeface="STKaiti" charset="-122"/>
+                <a:ea typeface="STKaiti" charset="-122"/>
+                <a:cs typeface="STKaiti" charset="-122"/>
+              </a:rPr>
+              <a:t>他们</a:t>
+            </a:r>
+            <a:r>
+              <a:rPr kumimoji="1" lang="zh-CN" altLang="en-US" dirty="0">
+                <a:latin typeface="STKaiti" charset="-122"/>
+                <a:ea typeface="STKaiti" charset="-122"/>
+                <a:cs typeface="STKaiti" charset="-122"/>
+              </a:rPr>
+              <a:t>往往只重视教员工</a:t>
+            </a:r>
+            <a:r>
+              <a:rPr kumimoji="1" lang="en-US" altLang="zh-CN" dirty="0">
+                <a:latin typeface="STKaiti" charset="-122"/>
+                <a:ea typeface="STKaiti" charset="-122"/>
+                <a:cs typeface="STKaiti" charset="-122"/>
+              </a:rPr>
+              <a:t>What</a:t>
+            </a:r>
+            <a:r>
+              <a:rPr kumimoji="1" lang="zh-CN" altLang="en-US" dirty="0">
+                <a:latin typeface="STKaiti" charset="-122"/>
+                <a:ea typeface="STKaiti" charset="-122"/>
+                <a:cs typeface="STKaiti" charset="-122"/>
+              </a:rPr>
+              <a:t>（需要做哪些事情、用什么工具等等），却没有</a:t>
+            </a:r>
+            <a:r>
+              <a:rPr kumimoji="1" lang="en-US" altLang="zh-CN" dirty="0">
+                <a:solidFill>
+                  <a:srgbClr val="FFFF00"/>
+                </a:solidFill>
+                <a:latin typeface="STKaiti" charset="-122"/>
+                <a:ea typeface="STKaiti" charset="-122"/>
+                <a:cs typeface="STKaiti" charset="-122"/>
+              </a:rPr>
+              <a:t>How</a:t>
+            </a:r>
+            <a:r>
+              <a:rPr kumimoji="1" lang="zh-CN" altLang="en-US" dirty="0">
+                <a:solidFill>
+                  <a:srgbClr val="FFFF00"/>
+                </a:solidFill>
+                <a:latin typeface="STKaiti" charset="-122"/>
+                <a:ea typeface="STKaiti" charset="-122"/>
+                <a:cs typeface="STKaiti" charset="-122"/>
+              </a:rPr>
+              <a:t>（如何聪明地做这些事情）和</a:t>
+            </a:r>
+            <a:r>
+              <a:rPr kumimoji="1" lang="en-US" altLang="zh-CN" dirty="0">
+                <a:solidFill>
+                  <a:srgbClr val="FFFF00"/>
+                </a:solidFill>
+                <a:latin typeface="STKaiti" charset="-122"/>
+                <a:ea typeface="STKaiti" charset="-122"/>
+                <a:cs typeface="STKaiti" charset="-122"/>
+              </a:rPr>
+              <a:t>Why</a:t>
+            </a:r>
+            <a:r>
+              <a:rPr kumimoji="1" lang="zh-CN" altLang="en-US" dirty="0">
+                <a:solidFill>
+                  <a:srgbClr val="FFFF00"/>
+                </a:solidFill>
+                <a:latin typeface="STKaiti" charset="-122"/>
+                <a:ea typeface="STKaiti" charset="-122"/>
+                <a:cs typeface="STKaiti" charset="-122"/>
+              </a:rPr>
+              <a:t>（这些事情对公司、对客户有什么帮助、要达到何种目的）</a:t>
+            </a:r>
+            <a:r>
+              <a:rPr kumimoji="1" lang="zh-CN" altLang="en-US" dirty="0">
+                <a:latin typeface="STKaiti" charset="-122"/>
+                <a:ea typeface="STKaiti" charset="-122"/>
+                <a:cs typeface="STKaiti" charset="-122"/>
+              </a:rPr>
+              <a:t>，导致员工的聪明才干发挥不出来，没有成就感。</a:t>
+            </a:r>
+          </a:p>
+        </p:txBody>
+      </p:sp>
+    </p:spTree>
+    <p:extLst>
+      <p:ext uri="{BB962C8B-B14F-4D97-AF65-F5344CB8AC3E}">
+        <p14:creationId xmlns:p14="http://schemas.microsoft.com/office/powerpoint/2010/main" val="842794238"/>
+      </p:ext>
+    </p:extLst>
+  </p:cSld>
+  <p:clrMapOvr>
+    <a:masterClrMapping/>
+  </p:clrMapOvr>
+</p:sld>
+</file>
+
+<file path=ppt/slides/slide22.xml><?xml version="1.0" encoding="utf-8"?>
+<p:sld xmlns:a="http://schemas.openxmlformats.org/drawingml/2006/main" xmlns:r="http://schemas.openxmlformats.org/officeDocument/2006/relationships" xmlns:p="http://schemas.openxmlformats.org/presentationml/2006/main">
+  <p:cSld>
+    <p:spTree>
+      <p:nvGrpSpPr>
+        <p:cNvPr id="1" name=""/>
+        <p:cNvGrpSpPr/>
+        <p:nvPr/>
+      </p:nvGrpSpPr>
+      <p:grpSpPr>
+        <a:xfrm>
+          <a:off x="0" y="0"/>
+          <a:ext cx="0" cy="0"/>
+          <a:chOff x="0" y="0"/>
+          <a:chExt cx="0" cy="0"/>
+        </a:xfrm>
+      </p:grpSpPr>
+      <p:sp>
+        <p:nvSpPr>
+          <p:cNvPr id="2" name="标题 1"/>
+          <p:cNvSpPr>
+            <a:spLocks noGrp="1"/>
+          </p:cNvSpPr>
+          <p:nvPr>
+            <p:ph type="title"/>
+          </p:nvPr>
+        </p:nvSpPr>
+        <p:spPr/>
+        <p:txBody>
+          <a:bodyPr/>
+          <a:lstStyle/>
+          <a:p>
+            <a:r>
+              <a:rPr kumimoji="1" lang="zh-CN" altLang="en-US" dirty="0">
+                <a:latin typeface="STKaiti" charset="-122"/>
+                <a:ea typeface="STKaiti" charset="-122"/>
+                <a:cs typeface="STKaiti" charset="-122"/>
+              </a:rPr>
+              <a:t>思维方式固化</a:t>
+            </a:r>
+          </a:p>
+        </p:txBody>
+      </p:sp>
+      <p:sp>
+        <p:nvSpPr>
+          <p:cNvPr id="3" name="内容占位符 2"/>
+          <p:cNvSpPr>
+            <a:spLocks noGrp="1"/>
+          </p:cNvSpPr>
+          <p:nvPr>
+            <p:ph idx="1"/>
+          </p:nvPr>
+        </p:nvSpPr>
+        <p:spPr/>
+        <p:txBody>
+          <a:bodyPr>
+            <a:normAutofit fontScale="92500"/>
+          </a:bodyPr>
+          <a:lstStyle/>
+          <a:p>
+            <a:pPr>
+              <a:lnSpc>
+                <a:spcPct val="150000"/>
+              </a:lnSpc>
+            </a:pPr>
+            <a:r>
+              <a:rPr kumimoji="1" lang="zh-CN" altLang="en-US" dirty="0">
+                <a:latin typeface="STKaiti" charset="-122"/>
+                <a:ea typeface="STKaiti" charset="-122"/>
+                <a:cs typeface="STKaiti" charset="-122"/>
+              </a:rPr>
+              <a:t>一部分人，会在工作多年之后，发现工作性质和工作环境的负面影响，醒悟过来想要改变</a:t>
+            </a:r>
+            <a:r>
+              <a:rPr kumimoji="1" lang="zh-CN" altLang="en-US" dirty="0" smtClean="0">
+                <a:latin typeface="STKaiti" charset="-122"/>
+                <a:ea typeface="STKaiti" charset="-122"/>
+                <a:cs typeface="STKaiti" charset="-122"/>
+              </a:rPr>
+              <a:t>。</a:t>
+            </a:r>
+            <a:endParaRPr kumimoji="1" lang="en-US" altLang="zh-CN" dirty="0" smtClean="0">
+              <a:latin typeface="STKaiti" charset="-122"/>
+              <a:ea typeface="STKaiti" charset="-122"/>
+              <a:cs typeface="STKaiti" charset="-122"/>
+            </a:endParaRPr>
+          </a:p>
+          <a:p>
+            <a:pPr>
+              <a:lnSpc>
+                <a:spcPct val="150000"/>
+              </a:lnSpc>
+            </a:pPr>
+            <a:r>
+              <a:rPr kumimoji="1" lang="zh-CN" altLang="en-US" dirty="0" smtClean="0">
+                <a:latin typeface="STKaiti" charset="-122"/>
+                <a:ea typeface="STKaiti" charset="-122"/>
+                <a:cs typeface="STKaiti" charset="-122"/>
+              </a:rPr>
+              <a:t>然而</a:t>
+            </a:r>
+            <a:r>
+              <a:rPr kumimoji="1" lang="zh-CN" altLang="en-US" dirty="0">
+                <a:latin typeface="STKaiti" charset="-122"/>
+                <a:ea typeface="STKaiti" charset="-122"/>
+                <a:cs typeface="STKaiti" charset="-122"/>
+              </a:rPr>
+              <a:t>，从学校踏入社会的这几年，是思维和工作方式形成的关键几年，如果任务导向、应激式努力、闷头蛮干的工作方式在大脑中固化了，形成了下意识思维，是很难扭转过来的。</a:t>
+            </a:r>
+          </a:p>
+        </p:txBody>
+      </p:sp>
+    </p:spTree>
+    <p:extLst>
+      <p:ext uri="{BB962C8B-B14F-4D97-AF65-F5344CB8AC3E}">
+        <p14:creationId xmlns:p14="http://schemas.microsoft.com/office/powerpoint/2010/main" val="363962093"/>
+      </p:ext>
+    </p:extLst>
+  </p:cSld>
+  <p:clrMapOvr>
+    <a:masterClrMapping/>
+  </p:clrMapOvr>
+</p:sld>
+</file>
+
+<file path=ppt/slides/slide23.xml><?xml version="1.0" encoding="utf-8"?>
+<p:sld xmlns:a="http://schemas.openxmlformats.org/drawingml/2006/main" xmlns:r="http://schemas.openxmlformats.org/officeDocument/2006/relationships" xmlns:p="http://schemas.openxmlformats.org/presentationml/2006/main">
+  <p:cSld>
+    <p:spTree>
+      <p:nvGrpSpPr>
+        <p:cNvPr id="1" name=""/>
+        <p:cNvGrpSpPr/>
+        <p:nvPr/>
+      </p:nvGrpSpPr>
+      <p:grpSpPr>
+        <a:xfrm>
+          <a:off x="0" y="0"/>
+          <a:ext cx="0" cy="0"/>
+          <a:chOff x="0" y="0"/>
+          <a:chExt cx="0" cy="0"/>
+        </a:xfrm>
+      </p:grpSpPr>
+      <p:sp>
+        <p:nvSpPr>
+          <p:cNvPr id="4" name="标题 3"/>
+          <p:cNvSpPr>
+            <a:spLocks noGrp="1"/>
+          </p:cNvSpPr>
+          <p:nvPr>
+            <p:ph type="title"/>
+          </p:nvPr>
+        </p:nvSpPr>
+        <p:spPr/>
+        <p:txBody>
+          <a:bodyPr/>
+          <a:lstStyle/>
+          <a:p>
+            <a:r>
+              <a:rPr kumimoji="1" lang="zh-CN" altLang="en-US" dirty="0" smtClean="0">
+                <a:latin typeface="STKaiti" charset="-122"/>
+                <a:ea typeface="STKaiti" charset="-122"/>
+                <a:cs typeface="STKaiti" charset="-122"/>
+              </a:rPr>
+              <a:t>如何改变自我工作方式？</a:t>
+            </a:r>
+            <a:endParaRPr kumimoji="1" lang="zh-CN" altLang="en-US" dirty="0">
+              <a:latin typeface="STKaiti" charset="-122"/>
+              <a:ea typeface="STKaiti" charset="-122"/>
+              <a:cs typeface="STKaiti" charset="-122"/>
+            </a:endParaRPr>
+          </a:p>
+        </p:txBody>
+      </p:sp>
+      <p:sp>
+        <p:nvSpPr>
+          <p:cNvPr id="5" name="文本占位符 4"/>
+          <p:cNvSpPr>
+            <a:spLocks noGrp="1"/>
+          </p:cNvSpPr>
+          <p:nvPr>
+            <p:ph type="body" idx="1"/>
+          </p:nvPr>
+        </p:nvSpPr>
+        <p:spPr/>
+        <p:txBody>
+          <a:bodyPr/>
+          <a:lstStyle/>
+          <a:p>
+            <a:endParaRPr kumimoji="1" lang="zh-CN" altLang="en-US"/>
+          </a:p>
+        </p:txBody>
+      </p:sp>
+    </p:spTree>
+    <p:extLst>
+      <p:ext uri="{BB962C8B-B14F-4D97-AF65-F5344CB8AC3E}">
+        <p14:creationId xmlns:p14="http://schemas.microsoft.com/office/powerpoint/2010/main" val="467573811"/>
+      </p:ext>
+    </p:extLst>
+  </p:cSld>
+  <p:clrMapOvr>
+    <a:masterClrMapping/>
+  </p:clrMapOvr>
+</p:sld>
+</file>
+
+<file path=ppt/slides/slide24.xml><?xml version="1.0" encoding="utf-8"?>
 <p:sld xmlns:a="http://schemas.openxmlformats.org/drawingml/2006/main" xmlns:r="http://schemas.openxmlformats.org/officeDocument/2006/relationships" xmlns:p="http://schemas.openxmlformats.org/presentationml/2006/main">
   <p:cSld>
     <p:spTree>
@@ -5262,215 +7985,6 @@
 </p:sld>
 </file>
 
-<file path=ppt/slides/slide2.xml><?xml version="1.0" encoding="utf-8"?>
-<p:sld xmlns:a="http://schemas.openxmlformats.org/drawingml/2006/main" xmlns:r="http://schemas.openxmlformats.org/officeDocument/2006/relationships" xmlns:p="http://schemas.openxmlformats.org/presentationml/2006/main">
-  <p:cSld>
-    <p:spTree>
-      <p:nvGrpSpPr>
-        <p:cNvPr id="1" name=""/>
-        <p:cNvGrpSpPr/>
-        <p:nvPr/>
-      </p:nvGrpSpPr>
-      <p:grpSpPr>
-        <a:xfrm>
-          <a:off x="0" y="0"/>
-          <a:ext cx="0" cy="0"/>
-          <a:chOff x="0" y="0"/>
-          <a:chExt cx="0" cy="0"/>
-        </a:xfrm>
-      </p:grpSpPr>
-      <p:sp>
-        <p:nvSpPr>
-          <p:cNvPr id="2" name="标题 1"/>
-          <p:cNvSpPr>
-            <a:spLocks noGrp="1"/>
-          </p:cNvSpPr>
-          <p:nvPr>
-            <p:ph type="title"/>
-          </p:nvPr>
-        </p:nvSpPr>
-        <p:spPr/>
-        <p:txBody>
-          <a:bodyPr/>
-          <a:lstStyle/>
-          <a:p>
-            <a:r>
-              <a:rPr lang="zh-CN" altLang="en-US" dirty="0" smtClean="0">
-                <a:latin typeface="STKaiti" charset="-122"/>
-                <a:ea typeface="STKaiti" charset="-122"/>
-                <a:cs typeface="STKaiti" charset="-122"/>
-              </a:rPr>
-              <a:t>议题</a:t>
-            </a:r>
-            <a:endParaRPr lang="zh-CN" altLang="en-US" dirty="0">
-              <a:latin typeface="STKaiti" charset="-122"/>
-              <a:ea typeface="STKaiti" charset="-122"/>
-              <a:cs typeface="STKaiti" charset="-122"/>
-            </a:endParaRPr>
-          </a:p>
-        </p:txBody>
-      </p:sp>
-      <p:sp>
-        <p:nvSpPr>
-          <p:cNvPr id="3" name="内容占位符 2"/>
-          <p:cNvSpPr>
-            <a:spLocks noGrp="1"/>
-          </p:cNvSpPr>
-          <p:nvPr>
-            <p:ph idx="1"/>
-          </p:nvPr>
-        </p:nvSpPr>
-        <p:spPr/>
-        <p:txBody>
-          <a:bodyPr/>
-          <a:lstStyle/>
-          <a:p>
-            <a:pPr>
-              <a:lnSpc>
-                <a:spcPct val="150000"/>
-              </a:lnSpc>
-            </a:pPr>
-            <a:r>
-              <a:rPr lang="zh-CN" altLang="en-US" dirty="0">
-                <a:latin typeface="STKaiti" charset="-122"/>
-                <a:ea typeface="STKaiti" charset="-122"/>
-                <a:cs typeface="STKaiti" charset="-122"/>
-              </a:rPr>
-              <a:t>累死你的不是</a:t>
-            </a:r>
-            <a:r>
-              <a:rPr lang="zh-CN" altLang="en-US" dirty="0" smtClean="0">
-                <a:latin typeface="STKaiti" charset="-122"/>
-                <a:ea typeface="STKaiti" charset="-122"/>
-                <a:cs typeface="STKaiti" charset="-122"/>
-              </a:rPr>
-              <a:t>工作而是</a:t>
-            </a:r>
-            <a:r>
-              <a:rPr lang="zh-CN" altLang="en-US" dirty="0">
-                <a:latin typeface="STKaiti" charset="-122"/>
-                <a:ea typeface="STKaiti" charset="-122"/>
-                <a:cs typeface="STKaiti" charset="-122"/>
-              </a:rPr>
-              <a:t>工作</a:t>
-            </a:r>
-            <a:r>
-              <a:rPr lang="zh-CN" altLang="en-US" dirty="0" smtClean="0">
-                <a:latin typeface="STKaiti" charset="-122"/>
-                <a:ea typeface="STKaiti" charset="-122"/>
-                <a:cs typeface="STKaiti" charset="-122"/>
-              </a:rPr>
-              <a:t>方式</a:t>
-            </a:r>
-            <a:r>
-              <a:rPr lang="en-US" altLang="zh-CN" dirty="0">
-                <a:latin typeface="STKaiti" charset="-122"/>
-                <a:ea typeface="STKaiti" charset="-122"/>
-                <a:cs typeface="STKaiti" charset="-122"/>
-              </a:rPr>
-              <a:t/>
-            </a:r>
-            <a:br>
-              <a:rPr lang="en-US" altLang="zh-CN" dirty="0">
-                <a:latin typeface="STKaiti" charset="-122"/>
-                <a:ea typeface="STKaiti" charset="-122"/>
-                <a:cs typeface="STKaiti" charset="-122"/>
-              </a:rPr>
-            </a:br>
-            <a:r>
-              <a:rPr lang="en-US" altLang="zh-CN" dirty="0">
-                <a:latin typeface="STKaiti" charset="-122"/>
-                <a:ea typeface="STKaiti" charset="-122"/>
-                <a:cs typeface="STKaiti" charset="-122"/>
-                <a:hlinkClick r:id="rId3"/>
-              </a:rPr>
-              <a:t>http://</a:t>
-            </a:r>
-            <a:r>
-              <a:rPr lang="en-US" altLang="zh-CN" dirty="0" smtClean="0">
-                <a:latin typeface="STKaiti" charset="-122"/>
-                <a:ea typeface="STKaiti" charset="-122"/>
-                <a:cs typeface="STKaiti" charset="-122"/>
-                <a:hlinkClick r:id="rId3"/>
-              </a:rPr>
-              <a:t>news.mbalib.com/story/234696</a:t>
-            </a:r>
-            <a:r>
-              <a:rPr lang="zh-CN" altLang="en-US" dirty="0" smtClean="0">
-                <a:latin typeface="STKaiti" charset="-122"/>
-                <a:ea typeface="STKaiti" charset="-122"/>
-                <a:cs typeface="STKaiti" charset="-122"/>
-              </a:rPr>
-              <a:t> </a:t>
-            </a:r>
-            <a:endParaRPr lang="en-US" altLang="zh-CN" dirty="0" smtClean="0">
-              <a:latin typeface="STKaiti" charset="-122"/>
-              <a:ea typeface="STKaiti" charset="-122"/>
-              <a:cs typeface="STKaiti" charset="-122"/>
-            </a:endParaRPr>
-          </a:p>
-          <a:p>
-            <a:pPr>
-              <a:lnSpc>
-                <a:spcPct val="150000"/>
-              </a:lnSpc>
-            </a:pPr>
-            <a:r>
-              <a:rPr lang="zh-CN" altLang="en-US" dirty="0" smtClean="0">
-                <a:latin typeface="STKaiti" charset="-122"/>
-                <a:ea typeface="STKaiti" charset="-122"/>
-                <a:cs typeface="STKaiti" charset="-122"/>
-              </a:rPr>
-              <a:t>敏捷游戏</a:t>
-            </a:r>
-            <a:endParaRPr lang="en-US" altLang="zh-CN" dirty="0" smtClean="0">
-              <a:latin typeface="STKaiti" charset="-122"/>
-              <a:ea typeface="STKaiti" charset="-122"/>
-              <a:cs typeface="STKaiti" charset="-122"/>
-            </a:endParaRPr>
-          </a:p>
-          <a:p>
-            <a:pPr>
-              <a:lnSpc>
-                <a:spcPct val="150000"/>
-              </a:lnSpc>
-            </a:pPr>
-            <a:r>
-              <a:rPr lang="zh-CN" altLang="en-US" dirty="0" smtClean="0">
-                <a:latin typeface="STKaiti" charset="-122"/>
-                <a:ea typeface="STKaiti" charset="-122"/>
-                <a:cs typeface="STKaiti" charset="-122"/>
-              </a:rPr>
-              <a:t>讨论</a:t>
-            </a:r>
-            <a:endParaRPr lang="en-US" altLang="zh-CN" dirty="0" smtClean="0">
-              <a:latin typeface="STKaiti" charset="-122"/>
-              <a:ea typeface="STKaiti" charset="-122"/>
-              <a:cs typeface="STKaiti" charset="-122"/>
-            </a:endParaRPr>
-          </a:p>
-        </p:txBody>
-      </p:sp>
-    </p:spTree>
-    <p:extLst>
-      <p:ext uri="{BB962C8B-B14F-4D97-AF65-F5344CB8AC3E}">
-        <p14:creationId xmlns:p14="http://schemas.microsoft.com/office/powerpoint/2010/main" val="3285082161"/>
-      </p:ext>
-    </p:extLst>
-  </p:cSld>
-  <p:clrMapOvr>
-    <a:masterClrMapping/>
-  </p:clrMapOvr>
-  <p:timing>
-    <p:tnLst>
-      <p:par>
-        <p:cTn id="1" dur="indefinite" restart="never" nodeType="tmRoot"/>
-      </p:par>
-    </p:tnLst>
-  </p:timing>
-</p:sld>
-</file>
-
 <file path=ppt/slides/slide3.xml><?xml version="1.0" encoding="utf-8"?>
 <p:sld xmlns:a="http://schemas.openxmlformats.org/drawingml/2006/main" xmlns:r="http://schemas.openxmlformats.org/officeDocument/2006/relationships" xmlns:p="http://schemas.openxmlformats.org/presentationml/2006/main">
   <p:cSld>
@@ -5660,7 +8174,26 @@
                 <a:ea typeface="STKaiti" charset="-122"/>
                 <a:cs typeface="STKaiti" charset="-122"/>
               </a:rPr>
-              <a:t>总部对中国研发团队的评价非常低，因为“出工不出活儿”，北京的三四个工程师都抵不上</a:t>
+              <a:t>总部对中国研发团队的评价非常低，因为“</a:t>
+            </a:r>
+            <a:r>
+              <a:rPr kumimoji="1" lang="zh-CN" altLang="en-US" dirty="0">
+                <a:solidFill>
+                  <a:srgbClr val="FFFF00"/>
+                </a:solidFill>
+                <a:latin typeface="STKaiti" charset="-122"/>
+                <a:ea typeface="STKaiti" charset="-122"/>
+                <a:cs typeface="STKaiti" charset="-122"/>
+              </a:rPr>
+              <a:t>出工不出活儿</a:t>
+            </a:r>
+            <a:r>
+              <a:rPr kumimoji="1" lang="zh-CN" altLang="en-US" dirty="0">
+                <a:latin typeface="STKaiti" charset="-122"/>
+                <a:ea typeface="STKaiti" charset="-122"/>
+                <a:cs typeface="STKaiti" charset="-122"/>
+              </a:rPr>
+              <a:t>”，北京的三四个工程师都抵不上</a:t>
             </a:r>
             <a:r>
               <a:rPr kumimoji="1" lang="en-US" altLang="zh-CN" dirty="0">
@@ -5726,7 +8259,18 @@
                 <a:ea typeface="STKaiti" charset="-122"/>
                 <a:cs typeface="STKaiti" charset="-122"/>
               </a:rPr>
-              <a:t>吴军帮忙分析了原因，他发现，那些工程师都不善于找到最重要的工作并优先完成它们</a:t>
+              <a:t>吴军帮忙分析了原因，他发现，那些工程师都</a:t>
+            </a:r>
+            <a:r>
+              <a:rPr kumimoji="1" lang="zh-CN" altLang="en-US" dirty="0">
+                <a:solidFill>
+                  <a:srgbClr val="FFFF00"/>
+                </a:solidFill>
+                <a:latin typeface="STKaiti" charset="-122"/>
+                <a:ea typeface="STKaiti" charset="-122"/>
+                <a:cs typeface="STKaiti" charset="-122"/>
+              </a:rPr>
+              <a:t>不善于找到最重要的工作并优先完成它们</a:t>
             </a:r>
             <a:r>
               <a:rPr kumimoji="1" lang="zh-CN" altLang="en-US" dirty="0" smtClean="0">
@@ -5889,6 +8433,13 @@
   <p:clrMapOvr>
     <a:masterClrMapping/>
   </p:clrMapOvr>
+  <p:timing>
+    <p:tnLst>
+      <p:par>
+        <p:cTn id="1" dur="indefinite" restart="never" nodeType="tmRoot"/>
+      </p:par>
+    </p:tnLst>
+  </p:timing>
 </p:sld>
 </file>
 
@@ -5922,7 +8473,7 @@
         <p:spPr>
           <a:xfrm>
             <a:off x="457200" y="383620"/>
-            <a:ext cx="8229600" cy="1143000"/>
+            <a:ext cx="8229600" cy="957148"/>
           </a:xfrm>
         </p:spPr>
         <p:txBody>
@@ -5930,12 +8481,19 @@
           <a:lstStyle/>
           <a:p>
             <a:r>
-              <a:rPr lang="zh-CN" altLang="en-US">
+              <a:rPr lang="zh-CN" altLang="en-US" dirty="0">
                 <a:effectLst/>
+                <a:latin typeface="STKaiti" charset="-122"/>
+                <a:ea typeface="STKaiti" charset="-122"/>
+                <a:cs typeface="STKaiti" charset="-122"/>
               </a:rPr>
               <a:t>目标导向</a:t>
             </a:r>
-            <a:endParaRPr kumimoji="1" lang="zh-CN" altLang="en-US" dirty="0"/>
+            <a:endParaRPr kumimoji="1" lang="zh-CN" altLang="en-US" dirty="0">
+              <a:latin typeface="STKaiti" charset="-122"/>
+              <a:ea typeface="STKaiti" charset="-122"/>
+              <a:cs typeface="STKaiti" charset="-122"/>
+            </a:endParaRPr>
           </a:p>
         </p:txBody>
       </p:sp>
@@ -5955,6 +8513,9 @@
           <a:lstStyle/>
           <a:p>
             <a:pPr marL="0" indent="0">
+              <a:lnSpc>
+                <a:spcPct val="150000"/>
+              </a:lnSpc>
               <a:buNone/>
             </a:pPr>
             <a:r>
@@ -6013,6 +8574,9 @@
           </a:p>
           <a:p>
             <a:pPr marL="0" indent="0">
+              <a:lnSpc>
+                <a:spcPct val="150000"/>
+              </a:lnSpc>
               <a:buNone/>
             </a:pPr>
             <a:endParaRPr lang="en-US" altLang="zh-CN" dirty="0">
@@ -6023,6 +8587,9 @@
           </a:p>
           <a:p>
             <a:pPr marL="0" indent="0">
+              <a:lnSpc>
+                <a:spcPct val="150000"/>
+              </a:lnSpc>
               <a:buNone/>
             </a:pPr>
             <a:r>
@@ -6128,10 +8695,17 @@
             <a:r>
               <a:rPr lang="zh-CN" altLang="en-US" dirty="0">
                 <a:effectLst/>
+                <a:latin typeface="STKaiti" charset="-122"/>
+                <a:ea typeface="STKaiti" charset="-122"/>
+                <a:cs typeface="STKaiti" charset="-122"/>
               </a:rPr>
               <a:t>目标导向</a:t>
             </a:r>
-            <a:endParaRPr kumimoji="1" lang="zh-CN" altLang="en-US" dirty="0"/>
+            <a:endParaRPr kumimoji="1" lang="zh-CN" altLang="en-US" dirty="0">
+              <a:latin typeface="STKaiti" charset="-122"/>
+              <a:ea typeface="STKaiti" charset="-122"/>
+              <a:cs typeface="STKaiti" charset="-122"/>
+            </a:endParaRPr>
           </a:p>
         </p:txBody>
       </p:sp>
@@ -6159,11 +8733,22 @@
             </a:pPr>
             <a:r>
               <a:rPr lang="zh-CN" altLang="en-US" dirty="0">
-                <a:latin typeface="STKaiti" charset="-122"/>
-                <a:ea typeface="STKaiti" charset="-122"/>
-                <a:cs typeface="STKaiti" charset="-122"/>
-              </a:rPr>
-              <a:t>疯狂地找数据，最后可能数据有了，然而</a:t>
+                <a:solidFill>
+                  <a:srgbClr val="FFFF00"/>
+                </a:solidFill>
+                <a:latin typeface="STKaiti" charset="-122"/>
+                <a:ea typeface="STKaiti" charset="-122"/>
+                <a:cs typeface="STKaiti" charset="-122"/>
+              </a:rPr>
+              <a:t>疯狂地找数据</a:t>
+            </a:r>
+            <a:r>
+              <a:rPr lang="zh-CN" altLang="en-US" dirty="0">
+                <a:latin typeface="STKaiti" charset="-122"/>
+                <a:ea typeface="STKaiti" charset="-122"/>
+                <a:cs typeface="STKaiti" charset="-122"/>
+              </a:rPr>
+              <a:t>，最后可能数据有了，然而</a:t>
             </a:r>
             <a:r>
               <a:rPr lang="en-US" altLang="zh-CN" dirty="0">
@@ -6203,11 +8788,22 @@
             </a:pPr>
             <a:r>
               <a:rPr lang="zh-CN" altLang="en-US" b="1" dirty="0">
-                <a:latin typeface="STKaiti" charset="-122"/>
-                <a:ea typeface="STKaiti" charset="-122"/>
-                <a:cs typeface="STKaiti" charset="-122"/>
-              </a:rPr>
-              <a:t>找人帮自己一起找数据</a:t>
+                <a:solidFill>
+                  <a:srgbClr val="FFFF00"/>
+                </a:solidFill>
+                <a:latin typeface="STKaiti" charset="-122"/>
+                <a:ea typeface="STKaiti" charset="-122"/>
+                <a:cs typeface="STKaiti" charset="-122"/>
+              </a:rPr>
+              <a:t>找人帮</a:t>
+            </a:r>
+            <a:r>
+              <a:rPr lang="zh-CN" altLang="en-US" b="1" dirty="0">
+                <a:latin typeface="STKaiti" charset="-122"/>
+                <a:ea typeface="STKaiti" charset="-122"/>
+                <a:cs typeface="STKaiti" charset="-122"/>
+              </a:rPr>
+              <a:t>自己一起找数据</a:t>
             </a:r>
             <a:r>
               <a:rPr lang="zh-CN" altLang="en-US" b="1" dirty="0" smtClean="0">
@@ -6243,7 +8839,26 @@
                 <a:ea typeface="STKaiti" charset="-122"/>
                 <a:cs typeface="STKaiti" charset="-122"/>
               </a:rPr>
-              <a:t>老板此次汇报的目的，</a:t>
+              <a:t>老板此次</a:t>
+            </a:r>
+            <a:r>
+              <a:rPr lang="zh-CN" altLang="en-US" dirty="0">
+                <a:solidFill>
+                  <a:srgbClr val="FFFF00"/>
+                </a:solidFill>
+                <a:latin typeface="STKaiti" charset="-122"/>
+                <a:ea typeface="STKaiti" charset="-122"/>
+                <a:cs typeface="STKaiti" charset="-122"/>
+              </a:rPr>
+              <a:t>汇报的目的</a:t>
+            </a:r>
+            <a:r>
+              <a:rPr lang="zh-CN" altLang="en-US" dirty="0">
+                <a:latin typeface="STKaiti" charset="-122"/>
+                <a:ea typeface="STKaiti" charset="-122"/>
+                <a:cs typeface="STKaiti" charset="-122"/>
+              </a:rPr>
+              <a:t>，</a:t>
             </a:r>
             <a:r>
               <a:rPr lang="zh-CN" altLang="en-US" b="1" dirty="0">
@@ -6282,7 +8897,152 @@
   <p:timing>
     <p:tnLst>
       <p:par>
-        <p:cTn id="1" dur="indefinite" restart="never" nodeType="tmRoot"/>
+        <p:cTn id="1" dur="indefinite" restart="never" nodeType="tmRoot">
+          <p:childTnLst>
+            <p:seq concurrent="1" nextAc="seek">
+              <p:cTn id="2" dur="indefinite" nodeType="mainSeq">
+                <p:childTnLst>
+                  <p:par>
+                    <p:cTn id="3" fill="hold">
+                      <p:stCondLst>
+                        <p:cond delay="indefinite"/>
+                      </p:stCondLst>
+                      <p:childTnLst>
+                        <p:par>
+                          <p:cTn id="4" fill="hold">
+                            <p:stCondLst>
+                              <p:cond delay="0"/>
+                            </p:stCondLst>
+                            <p:childTnLst>
+                              <p:par>
+                                <p:cTn id="5" presetID="3" presetClass="entr" presetSubtype="10" fill="hold" nodeType="clickEffect">
+                                  <p:stCondLst>
+                                    <p:cond delay="0"/>
+                                  </p:stCondLst>
+                                  <p:childTnLst>
+                                    <p:set>
+                                      <p:cBhvr>
+                                        <p:cTn id="6" dur="1" fill="hold">
+                                          <p:stCondLst>
+                                            <p:cond delay="0"/>
+                                          </p:stCondLst>
+                                        </p:cTn>
+                                        <p:tgtEl>
+                                          <p:spTgt spid="3">
+                                            <p:txEl>
+                                              <p:pRg st="1" end="1"/>
+                                            </p:txEl>
+                                          </p:spTgt>
+                                        </p:tgtEl>
+                                        <p:attrNameLst>
+                                          <p:attrName>style.visibility</p:attrName>
+                                        </p:attrNameLst>
+                                      </p:cBhvr>
+                                      <p:to>
+                                        <p:strVal val="visible"/>
+                                      </p:to>
+                                    </p:set>
+                                    <p:animEffect transition="in" filter="blinds(horizontal)">
+                                      <p:cBhvr>
+                                        <p:cTn id="7" dur="500"/>
+                                        <p:tgtEl>
+                                          <p:spTgt spid="3">
+                                            <p:txEl>
+                                              <p:pRg st="1" end="1"/>
+                                            </p:txEl>
+                                          </p:spTgt>
+                                        </p:tgtEl>
+                                      </p:cBhvr>
+                                    </p:animEffect>
+                                  </p:childTnLst>
+                                </p:cTn>
+                              </p:par>
+                            </p:childTnLst>
+                          </p:cTn>
+                        </p:par>
+                      </p:childTnLst>
+                    </p:cTn>
+                  </p:par>
+                  <p:par>
+                    <p:cTn id="8" fill="hold">
+                      <p:stCondLst>
+                        <p:cond delay="indefinite"/>
+                      </p:stCondLst>
+                      <p:childTnLst>
+                        <p:par>
+                          <p:cTn id="9" fill="hold">
+                            <p:stCondLst>
+                              <p:cond delay="0"/>
+                            </p:stCondLst>
+                            <p:childTnLst>
+                              <p:par>
+                                <p:cTn id="10" presetID="3" presetClass="entr" presetSubtype="10" fill="hold" nodeType="clickEffect">
+                                  <p:stCondLst>
+                                    <p:cond delay="0"/>
+                                  </p:stCondLst>
+                                  <p:childTnLst>
+                                    <p:set>
+                                      <p:cBhvr>
+                                        <p:cTn id="11" dur="1" fill="hold">
+                                          <p:stCondLst>
+                                            <p:cond delay="0"/>
+                                          </p:stCondLst>
+                                        </p:cTn>
+                                        <p:tgtEl>
+                                          <p:spTgt spid="3">
+                                            <p:txEl>
+                                              <p:pRg st="2" end="2"/>
+                                            </p:txEl>
+                                          </p:spTgt>
+                                        </p:tgtEl>
+                                        <p:attrNameLst>
+                                          <p:attrName>style.visibility</p:attrName>
+                                        </p:attrNameLst>
+                                      </p:cBhvr>
+                                      <p:to>
+                                        <p:strVal val="visible"/>
+                                      </p:to>
+                                    </p:set>
+                                    <p:animEffect transition="in" filter="blinds(horizontal)">
+                                      <p:cBhvr>
+                                        <p:cTn id="12" dur="500"/>
+                                        <p:tgtEl>
+                                          <p:spTgt spid="3">
+                                            <p:txEl>
+                                              <p:pRg st="2" end="2"/>
+                                            </p:txEl>
+                                          </p:spTgt>
+                                        </p:tgtEl>
+                                      </p:cBhvr>
+                                    </p:animEffect>
+                                  </p:childTnLst>
+                                </p:cTn>
+                              </p:par>
+                            </p:childTnLst>
+                          </p:cTn>
+                        </p:par>
+                      </p:childTnLst>
+                    </p:cTn>
+                  </p:par>
+                </p:childTnLst>
+              </p:cTn>
+              <p:prevCondLst>
+                <p:cond evt="onPrev" delay="0">
+                  <p:tgtEl>
+                    <p:sldTgt/>
+                  </p:tgtEl>
+                </p:cond>
+              </p:prevCondLst>
+              <p:nextCondLst>
+                <p:cond evt="onNext" delay="0">
+                  <p:tgtEl>
+                    <p:sldTgt/>
+                  </p:tgtEl>
+                </p:cond>
+              </p:nextCondLst>
+            </p:seq>
+          </p:childTnLst>
+        </p:cTn>
       </p:par>
     </p:tnLst>
   </p:timing>
@@ -6316,7 +9076,12 @@
             <p:ph type="title"/>
           </p:nvPr>
         </p:nvSpPr>
-        <p:spPr/>
+        <p:spPr>
+          <a:xfrm>
+            <a:off x="722376" y="498230"/>
+            <a:ext cx="7772400" cy="1562618"/>
+          </a:xfrm>
+        </p:spPr>
         <p:txBody>
           <a:bodyPr/>
           <a:lstStyle/>
@@ -6324,10 +9089,17 @@
             <a:r>
               <a:rPr lang="zh-CN" altLang="en-US" b="0" dirty="0">
                 <a:effectLst/>
+                <a:latin typeface="STKaiti" charset="-122"/>
+                <a:ea typeface="STKaiti" charset="-122"/>
+                <a:cs typeface="STKaiti" charset="-122"/>
               </a:rPr>
               <a:t>任务导向与目标导向</a:t>
             </a:r>
-            <a:endParaRPr kumimoji="1" lang="zh-CN" altLang="en-US" dirty="0"/>
+            <a:endParaRPr kumimoji="1" lang="zh-CN" altLang="en-US" dirty="0">
+              <a:latin typeface="STKaiti" charset="-122"/>
+              <a:ea typeface="STKaiti" charset="-122"/>
+              <a:cs typeface="STKaiti" charset="-122"/>
+            </a:endParaRPr>
           </a:p>
         </p:txBody>
       </p:sp>
@@ -6341,18 +9113,49 @@
             <p:ph type="body" idx="1"/>
           </p:nvPr>
         </p:nvSpPr>
-        <p:spPr/>
-        <p:txBody>
-          <a:bodyPr/>
+        <p:spPr>
+          <a:xfrm>
+            <a:off x="722376" y="2420888"/>
+            <a:ext cx="7772400" cy="3672408"/>
+          </a:xfrm>
+        </p:spPr>
+        <p:txBody>
+          <a:bodyPr>
+            <a:normAutofit/>
+          </a:bodyPr>
           <a:lstStyle/>
           <a:p>
-            <a:r>
-              <a:rPr kumimoji="1" lang="zh-CN" altLang="en-US" dirty="0">
-                <a:latin typeface="STKaiti" charset="-122"/>
-                <a:ea typeface="STKaiti" charset="-122"/>
-                <a:cs typeface="STKaiti" charset="-122"/>
-              </a:rPr>
-              <a:t>高产出的人，未必动作更快，而是更善于判断，什么事情对结果是最有效的，然后，用尽一切办法保证结果达成，而不是死守着原有的工作任务。</a:t>
+            <a:pPr>
+              <a:lnSpc>
+                <a:spcPct val="150000"/>
+              </a:lnSpc>
+            </a:pPr>
+            <a:r>
+              <a:rPr kumimoji="1" lang="zh-CN" altLang="en-US" sz="3200" dirty="0">
+                <a:latin typeface="STKaiti" charset="-122"/>
+                <a:ea typeface="STKaiti" charset="-122"/>
+                <a:cs typeface="STKaiti" charset="-122"/>
+              </a:rPr>
+              <a:t>高产出的人，未必动作更快，而是更</a:t>
+            </a:r>
+            <a:r>
+              <a:rPr kumimoji="1" lang="zh-CN" altLang="en-US" sz="3200" dirty="0">
+                <a:solidFill>
+                  <a:srgbClr val="FFFF00"/>
+                </a:solidFill>
+                <a:latin typeface="STKaiti" charset="-122"/>
+                <a:ea typeface="STKaiti" charset="-122"/>
+                <a:cs typeface="STKaiti" charset="-122"/>
+              </a:rPr>
+              <a:t>善于判断</a:t>
+            </a:r>
+            <a:r>
+              <a:rPr kumimoji="1" lang="zh-CN" altLang="en-US" sz="3200" dirty="0">
+                <a:latin typeface="STKaiti" charset="-122"/>
+                <a:ea typeface="STKaiti" charset="-122"/>
+                <a:cs typeface="STKaiti" charset="-122"/>
+              </a:rPr>
+              <a:t>，什么事情对结果是最有效的，然后，用尽一切办法保证结果达成，而不是死守着原有的工作任务。</a:t>
             </a:r>
           </a:p>
         </p:txBody>
@@ -6483,7 +9286,7 @@
                 <a:ea typeface="STKaiti" charset="-122"/>
                 <a:cs typeface="STKaiti" charset="-122"/>
               </a:rPr>
-              <a:t>想让客户更加信任你</a:t>
+              <a:t>想让客户更加信任</a:t>
             </a:r>
             <a:r>
               <a:rPr lang="zh-CN" altLang="en-US" dirty="0" smtClean="0">
@@ -6491,7 +9294,7 @@
                 <a:ea typeface="STKaiti" charset="-122"/>
                 <a:cs typeface="STKaiti" charset="-122"/>
               </a:rPr>
-              <a:t>、</a:t>
+              <a:t>你？</a:t>
             </a:r>
             <a:endParaRPr lang="en-US" altLang="zh-CN" dirty="0" smtClean="0">
               <a:latin typeface="STKaiti" charset="-122"/>
@@ -6532,7 +9335,64 @@
                 <a:ea typeface="STKaiti" charset="-122"/>
                 <a:cs typeface="STKaiti" charset="-122"/>
               </a:rPr>
-              <a:t>假设你是希望客户信任你，觉得你懂他，那你要做的，就是看这个行业里的客户有什么痛点，然后针对这几个痛点，下功夫研究和分析，有更多洞见，然后借机沟通出去</a:t>
+              <a:t>假设你是希望客户信任你，觉得你懂他，那你要做的，就是看这个行业里的客户有什么</a:t>
+            </a:r>
+            <a:r>
+              <a:rPr lang="zh-CN" altLang="en-US" dirty="0">
+                <a:solidFill>
+                  <a:srgbClr val="FFFF00"/>
+                </a:solidFill>
+                <a:latin typeface="STKaiti" charset="-122"/>
+                <a:ea typeface="STKaiti" charset="-122"/>
+                <a:cs typeface="STKaiti" charset="-122"/>
+              </a:rPr>
+              <a:t>痛点</a:t>
+            </a:r>
+            <a:r>
+              <a:rPr lang="zh-CN" altLang="en-US" dirty="0">
+                <a:latin typeface="STKaiti" charset="-122"/>
+                <a:ea typeface="STKaiti" charset="-122"/>
+                <a:cs typeface="STKaiti" charset="-122"/>
+              </a:rPr>
+              <a:t>，然后针对这几个痛点，下功夫研究和分析，有更多</a:t>
+            </a:r>
+            <a:r>
+              <a:rPr lang="zh-CN" altLang="en-US" dirty="0">
+                <a:solidFill>
+                  <a:srgbClr val="FFFF00"/>
+                </a:solidFill>
+                <a:latin typeface="STKaiti" charset="-122"/>
+                <a:ea typeface="STKaiti" charset="-122"/>
+                <a:cs typeface="STKaiti" charset="-122"/>
+              </a:rPr>
+              <a:t>洞见</a:t>
+            </a:r>
+            <a:r>
+              <a:rPr lang="zh-CN" altLang="en-US" dirty="0">
+                <a:latin typeface="STKaiti" charset="-122"/>
+                <a:ea typeface="STKaiti" charset="-122"/>
+                <a:cs typeface="STKaiti" charset="-122"/>
+              </a:rPr>
+              <a:t>，然后借机</a:t>
+            </a:r>
+            <a:r>
+              <a:rPr lang="zh-CN" altLang="en-US" dirty="0">
+                <a:solidFill>
+                  <a:srgbClr val="FFFF00"/>
+                </a:solidFill>
+                <a:latin typeface="STKaiti" charset="-122"/>
+                <a:ea typeface="STKaiti" charset="-122"/>
+                <a:cs typeface="STKaiti" charset="-122"/>
+              </a:rPr>
+              <a:t>沟通</a:t>
+            </a:r>
+            <a:r>
+              <a:rPr lang="zh-CN" altLang="en-US" dirty="0">
+                <a:latin typeface="STKaiti" charset="-122"/>
+                <a:ea typeface="STKaiti" charset="-122"/>
+                <a:cs typeface="STKaiti" charset="-122"/>
+              </a:rPr>
+              <a:t>出去</a:t>
             </a:r>
             <a:r>
               <a:rPr lang="zh-CN" altLang="en-US" dirty="0" smtClean="0">
@@ -6933,13 +9793,12 @@
           <a:lstStyle/>
           <a:p>
             <a:r>
-              <a:rPr lang="zh-CN" altLang="en-US" b="1" dirty="0">
-                <a:effectLst/>
-                <a:latin typeface="STKaiti" charset="-122"/>
-                <a:ea typeface="STKaiti" charset="-122"/>
-                <a:cs typeface="STKaiti" charset="-122"/>
-              </a:rPr>
-              <a:t>统筹式工作</a:t>
+              <a:rPr kumimoji="1" lang="zh-CN" altLang="en-US" dirty="0" smtClean="0">
+                <a:latin typeface="STKaiti" charset="-122"/>
+                <a:ea typeface="STKaiti" charset="-122"/>
+                <a:cs typeface="STKaiti" charset="-122"/>
+              </a:rPr>
+              <a:t>小结：目标导向</a:t>
             </a:r>
             <a:endParaRPr kumimoji="1" lang="zh-CN" altLang="en-US" dirty="0">
               <a:latin typeface="STKaiti" charset="-122"/>
@@ -6951,12 +9810,12 @@
       </p:sp>
       <p:sp>
         <p:nvSpPr>
-          <p:cNvPr id="3" name="内容占位符 2"/>
-          <p:cNvSpPr>
-            <a:spLocks noGrp="1"/>
-          </p:cNvSpPr>
-          <p:nvPr>
-            <p:ph idx="1"/>
+          <p:cNvPr id="4" name="文本占位符 3"/>
+          <p:cNvSpPr>
+            <a:spLocks noGrp="1"/>
+          </p:cNvSpPr>
+          <p:nvPr>
+            <p:ph type="body" idx="1"/>
           </p:nvPr>
         </p:nvSpPr>
         <p:spPr/>
@@ -6964,62 +9823,26 @@
           <a:bodyPr/>
           <a:lstStyle/>
           <a:p>
-            <a:pPr>
-              <a:lnSpc>
-                <a:spcPct val="150000"/>
-              </a:lnSpc>
-            </a:pPr>
-            <a:r>
-              <a:rPr kumimoji="1" lang="zh-CN" altLang="en-US" dirty="0">
-                <a:latin typeface="STKaiti" charset="-122"/>
-                <a:ea typeface="STKaiti" charset="-122"/>
-                <a:cs typeface="STKaiti" charset="-122"/>
-              </a:rPr>
-              <a:t>如果你观察周围的同事，会发现，整天风风火火、急得上蹿下跳、各种任务来回切换的人，有时候产出并不高</a:t>
-            </a:r>
             <a:r>
               <a:rPr kumimoji="1" lang="zh-CN" altLang="en-US" dirty="0" smtClean="0">
                 <a:latin typeface="STKaiti" charset="-122"/>
                 <a:ea typeface="STKaiti" charset="-122"/>
                 <a:cs typeface="STKaiti" charset="-122"/>
               </a:rPr>
-              <a:t>。</a:t>
-            </a:r>
-            <a:endParaRPr kumimoji="1" lang="en-US" altLang="zh-CN" dirty="0" smtClean="0">
+              <a:t>判断，目标</a:t>
+            </a:r>
+            <a:endParaRPr kumimoji="1" lang="zh-CN" altLang="en-US" dirty="0">
               <a:latin typeface="STKaiti" charset="-122"/>
               <a:ea typeface="STKaiti" charset="-122"/>
               <a:cs typeface="STKaiti" charset="-122"/>
             </a:endParaRPr>
           </a:p>
-          <a:p>
-            <a:pPr>
-              <a:lnSpc>
-                <a:spcPct val="150000"/>
-              </a:lnSpc>
-            </a:pPr>
-            <a:r>
-              <a:rPr kumimoji="1" lang="zh-CN" altLang="en-US" dirty="0" smtClean="0">
-                <a:latin typeface="STKaiti" charset="-122"/>
-                <a:ea typeface="STKaiti" charset="-122"/>
-                <a:cs typeface="STKaiti" charset="-122"/>
-              </a:rPr>
-              <a:t>看</a:t>
-            </a:r>
-            <a:r>
-              <a:rPr kumimoji="1" lang="zh-CN" altLang="en-US" dirty="0">
-                <a:latin typeface="STKaiti" charset="-122"/>
-                <a:ea typeface="STKaiti" charset="-122"/>
-                <a:cs typeface="STKaiti" charset="-122"/>
-              </a:rPr>
-              <a:t>他们工作，就好像打地鼠一样，打完一个，另一个又冒上来，连看的人都跟着焦虑起来。</a:t>
-            </a:r>
-          </a:p>
         </p:txBody>
       </p:sp>
     </p:spTree>
     <p:extLst>
       <p:ext uri="{BB962C8B-B14F-4D97-AF65-F5344CB8AC3E}">
-        <p14:creationId xmlns:p14="http://schemas.microsoft.com/office/powerpoint/2010/main" val="1013055139"/>
+        <p14:creationId xmlns:p14="http://schemas.microsoft.com/office/powerpoint/2010/main" val="185278938"/>
       </p:ext>
     </p:extLst>
   </p:cSld>
@@ -7055,37 +9878,6 @@
       </p:grpSpPr>
       <p:sp>
         <p:nvSpPr>
-          <p:cNvPr id="2" name="标题 1"/>
-          <p:cNvSpPr>
-            <a:spLocks noGrp="1"/>
-          </p:cNvSpPr>
-          <p:nvPr>
-            <p:ph type="title"/>
-          </p:nvPr>
-        </p:nvSpPr>
-        <p:spPr/>
-        <p:txBody>
-          <a:bodyPr/>
-          <a:lstStyle/>
-          <a:p>
-            <a:r>
-              <a:rPr lang="zh-CN" altLang="en-US" dirty="0">
-                <a:latin typeface="STKaiti" charset="-122"/>
-                <a:ea typeface="STKaiti" charset="-122"/>
-                <a:cs typeface="STKaiti" charset="-122"/>
-              </a:rPr>
-              <a:t>应激式工作</a:t>
-            </a:r>
-            <a:endParaRPr kumimoji="1" lang="zh-CN" altLang="en-US" dirty="0">
-              <a:latin typeface="STKaiti" charset="-122"/>
-              <a:ea typeface="STKaiti" charset="-122"/>
-              <a:cs typeface="STKaiti" charset="-122"/>
-            </a:endParaRPr>
-          </a:p>
-        </p:txBody>
-      </p:sp>
-      <p:sp>
-        <p:nvSpPr>
           <p:cNvPr id="3" name="内容占位符 2"/>
           <p:cNvSpPr>
             <a:spLocks noGrp="1"/>
@@ -7094,7 +9886,12 @@
             <p:ph idx="1"/>
           </p:nvPr>
         </p:nvSpPr>
-        <p:spPr/>
+        <p:spPr>
+          <a:xfrm>
+            <a:off x="323528" y="1412777"/>
+            <a:ext cx="8229600" cy="4536504"/>
+          </a:xfrm>
+        </p:spPr>
         <p:txBody>
           <a:bodyPr/>
           <a:lstStyle/>
@@ -7105,133 +9902,56 @@
               </a:lnSpc>
             </a:pPr>
             <a:r>
-              <a:rPr lang="zh-CN" altLang="en-US" dirty="0">
-                <a:latin typeface="STKaiti" charset="-122"/>
-                <a:ea typeface="STKaiti" charset="-122"/>
-                <a:cs typeface="STKaiti" charset="-122"/>
-              </a:rPr>
-              <a:t>应激式</a:t>
-            </a:r>
-            <a:r>
-              <a:rPr lang="zh-CN" altLang="en-US" dirty="0" smtClean="0">
-                <a:latin typeface="STKaiti" charset="-122"/>
-                <a:ea typeface="STKaiti" charset="-122"/>
-                <a:cs typeface="STKaiti" charset="-122"/>
-              </a:rPr>
-              <a:t>工作：</a:t>
-            </a:r>
-            <a:endParaRPr lang="en-US" altLang="zh-CN" dirty="0" smtClean="0">
+              <a:rPr kumimoji="1" lang="zh-CN" altLang="en-US" dirty="0">
+                <a:latin typeface="STKaiti" charset="-122"/>
+                <a:ea typeface="STKaiti" charset="-122"/>
+                <a:cs typeface="STKaiti" charset="-122"/>
+              </a:rPr>
+              <a:t>如果你观察周围的同事，会发现，整天风风火火、急得上蹿下跳、各种任务来回切换的人，有时候产出并不高</a:t>
+            </a:r>
+            <a:r>
+              <a:rPr kumimoji="1" lang="zh-CN" altLang="en-US" dirty="0" smtClean="0">
+                <a:latin typeface="STKaiti" charset="-122"/>
+                <a:ea typeface="STKaiti" charset="-122"/>
+                <a:cs typeface="STKaiti" charset="-122"/>
+              </a:rPr>
+              <a:t>。</a:t>
+            </a:r>
+            <a:endParaRPr kumimoji="1" lang="en-US" altLang="zh-CN" dirty="0" smtClean="0">
               <a:latin typeface="STKaiti" charset="-122"/>
               <a:ea typeface="STKaiti" charset="-122"/>
               <a:cs typeface="STKaiti" charset="-122"/>
             </a:endParaRPr>
           </a:p>
           <a:p>
-            <a:pPr lvl="1">
+            <a:pPr>
               <a:lnSpc>
                 <a:spcPct val="150000"/>
               </a:lnSpc>
             </a:pPr>
             <a:r>
-              <a:rPr lang="zh-CN" altLang="en-US" dirty="0" smtClean="0">
-                <a:latin typeface="STKaiti" charset="-122"/>
-                <a:ea typeface="STKaiti" charset="-122"/>
-                <a:cs typeface="STKaiti" charset="-122"/>
-              </a:rPr>
-              <a:t>他们</a:t>
-            </a:r>
-            <a:r>
-              <a:rPr lang="zh-CN" altLang="en-US" dirty="0">
-                <a:latin typeface="STKaiti" charset="-122"/>
-                <a:ea typeface="STKaiti" charset="-122"/>
-                <a:cs typeface="STKaiti" charset="-122"/>
-              </a:rPr>
-              <a:t>每天起来的第一件事，不是规划当天的工作</a:t>
-            </a:r>
-            <a:r>
-              <a:rPr lang="zh-CN" altLang="en-US" dirty="0" smtClean="0">
-                <a:latin typeface="STKaiti" charset="-122"/>
-                <a:ea typeface="STKaiti" charset="-122"/>
-                <a:cs typeface="STKaiti" charset="-122"/>
-              </a:rPr>
-              <a:t>，</a:t>
-            </a:r>
-            <a:endParaRPr lang="en-US" altLang="zh-CN" dirty="0" smtClean="0">
-              <a:latin typeface="STKaiti" charset="-122"/>
-              <a:ea typeface="STKaiti" charset="-122"/>
-              <a:cs typeface="STKaiti" charset="-122"/>
-            </a:endParaRPr>
-          </a:p>
-          <a:p>
-            <a:pPr lvl="1">
-              <a:lnSpc>
-                <a:spcPct val="150000"/>
-              </a:lnSpc>
-            </a:pPr>
-            <a:r>
-              <a:rPr lang="zh-CN" altLang="en-US" dirty="0" smtClean="0">
-                <a:latin typeface="STKaiti" charset="-122"/>
-                <a:ea typeface="STKaiti" charset="-122"/>
-                <a:cs typeface="STKaiti" charset="-122"/>
-              </a:rPr>
-              <a:t>而</a:t>
-            </a:r>
-            <a:r>
-              <a:rPr lang="zh-CN" altLang="en-US" dirty="0">
-                <a:latin typeface="STKaiti" charset="-122"/>
-                <a:ea typeface="STKaiti" charset="-122"/>
-                <a:cs typeface="STKaiti" charset="-122"/>
-              </a:rPr>
-              <a:t>是马上投入工作</a:t>
-            </a:r>
-            <a:r>
-              <a:rPr lang="zh-CN" altLang="en-US" dirty="0" smtClean="0">
-                <a:latin typeface="STKaiti" charset="-122"/>
-                <a:ea typeface="STKaiti" charset="-122"/>
-                <a:cs typeface="STKaiti" charset="-122"/>
-              </a:rPr>
-              <a:t>，</a:t>
-            </a:r>
-            <a:endParaRPr lang="en-US" altLang="zh-CN" dirty="0" smtClean="0">
-              <a:latin typeface="STKaiti" charset="-122"/>
-              <a:ea typeface="STKaiti" charset="-122"/>
-              <a:cs typeface="STKaiti" charset="-122"/>
-            </a:endParaRPr>
-          </a:p>
-          <a:p>
-            <a:pPr lvl="1">
-              <a:lnSpc>
-                <a:spcPct val="150000"/>
-              </a:lnSpc>
-            </a:pPr>
-            <a:r>
-              <a:rPr lang="zh-CN" altLang="en-US" dirty="0" smtClean="0">
-                <a:latin typeface="STKaiti" charset="-122"/>
-                <a:ea typeface="STKaiti" charset="-122"/>
-                <a:cs typeface="STKaiti" charset="-122"/>
-              </a:rPr>
-              <a:t>以至于</a:t>
-            </a:r>
-            <a:r>
-              <a:rPr lang="zh-CN" altLang="en-US" dirty="0">
-                <a:latin typeface="STKaiti" charset="-122"/>
-                <a:ea typeface="STKaiti" charset="-122"/>
-                <a:cs typeface="STKaiti" charset="-122"/>
-              </a:rPr>
-              <a:t>到了下班之后，发现还有很多事情没做完，而没做完的，可能又是最重要的。</a:t>
-            </a:r>
-            <a:endParaRPr kumimoji="1" lang="zh-CN" altLang="en-US" dirty="0">
-              <a:latin typeface="STKaiti" charset="-122"/>
-              <a:ea typeface="STKaiti" charset="-122"/>
-              <a:cs typeface="STKaiti" charset="-122"/>
-            </a:endParaRPr>
+              <a:rPr kumimoji="1" lang="zh-CN" altLang="en-US" dirty="0" smtClean="0">
+                <a:latin typeface="STKaiti" charset="-122"/>
+                <a:ea typeface="STKaiti" charset="-122"/>
+                <a:cs typeface="STKaiti" charset="-122"/>
+              </a:rPr>
+              <a:t>看</a:t>
+            </a:r>
+            <a:r>
+              <a:rPr kumimoji="1" lang="zh-CN" altLang="en-US" dirty="0">
+                <a:latin typeface="STKaiti" charset="-122"/>
+                <a:ea typeface="STKaiti" charset="-122"/>
+                <a:cs typeface="STKaiti" charset="-122"/>
+              </a:rPr>
+              <a:t>他们工作，就好像打地鼠一样，打完一个，另一个又冒上来，连看的人都跟着焦虑起来。</a:t>
+            </a:r>
           </a:p>
         </p:txBody>
       </p:sp>
     </p:spTree>
     <p:extLst>
       <p:ext uri="{BB962C8B-B14F-4D97-AF65-F5344CB8AC3E}">
-        <p14:creationId xmlns:p14="http://schemas.microsoft.com/office/powerpoint/2010/main" val="468941486"/>
+        <p14:creationId xmlns:p14="http://schemas.microsoft.com/office/powerpoint/2010/main" val="1013055139"/>
       </p:ext>
     </p:extLst>
   </p:cSld>

--- a/工作方式/累死你的不是工作，而是工作方式.pptx
+++ b/工作方式/累死你的不是工作，而是工作方式.pptx
@@ -5,7 +5,7 @@
     <p:sldMasterId id="2147483660" r:id="rId1"/>
   </p:sldMasterIdLst>
   <p:notesMasterIdLst>
-    <p:notesMasterId r:id="rId26"/>
+    <p:notesMasterId r:id="rId27"/>
   </p:notesMasterIdLst>
   <p:sldIdLst>
     <p:sldId id="256" r:id="rId2"/>
@@ -31,7 +31,8 @@
     <p:sldId id="347" r:id="rId22"/>
     <p:sldId id="348" r:id="rId23"/>
     <p:sldId id="349" r:id="rId24"/>
-    <p:sldId id="325" r:id="rId25"/>
+    <p:sldId id="350" r:id="rId25"/>
+    <p:sldId id="325" r:id="rId26"/>
   </p:sldIdLst>
   <p:sldSz cx="9144000" cy="6858000" type="screen4x3"/>
   <p:notesSz cx="6858000" cy="9144000"/>
@@ -231,7 +232,7 @@
           <a:p>
             <a:fld id="{DA96316B-B2B6-45B9-9520-72FBFFB20CBA}" type="datetimeFigureOut">
               <a:rPr lang="zh-CN" altLang="en-US" smtClean="0"/>
-              <a:t>2016/12/28</a:t>
+              <a:t>2016/12/29</a:t>
             </a:fld>
             <a:endParaRPr lang="zh-CN" altLang="en-US"/>
           </a:p>
@@ -1370,7 +1371,7 @@
           <a:p>
             <a:fld id="{3CC2566A-E84E-420E-B996-FBD9ED0A4505}" type="slidenum">
               <a:rPr lang="zh-CN" altLang="en-US" smtClean="0"/>
-              <a:t>24</a:t>
+              <a:t>25</a:t>
             </a:fld>
             <a:endParaRPr lang="zh-CN" altLang="en-US"/>
           </a:p>
@@ -1596,7 +1597,7 @@
           <a:p>
             <a:fld id="{78EAE8B2-A1E4-4545-9667-1017E13BC612}" type="datetimeFigureOut">
               <a:rPr lang="zh-CN" altLang="en-US" smtClean="0"/>
-              <a:t>2016/12/28</a:t>
+              <a:t>2016/12/29</a:t>
             </a:fld>
             <a:endParaRPr lang="zh-CN" altLang="en-US"/>
           </a:p>
@@ -1790,7 +1791,7 @@
           <a:p>
             <a:fld id="{78EAE8B2-A1E4-4545-9667-1017E13BC612}" type="datetimeFigureOut">
               <a:rPr lang="zh-CN" altLang="en-US" smtClean="0"/>
-              <a:t>2016/12/28</a:t>
+              <a:t>2016/12/29</a:t>
             </a:fld>
             <a:endParaRPr lang="zh-CN" altLang="en-US"/>
           </a:p>
@@ -1978,7 +1979,7 @@
           <a:p>
             <a:fld id="{78EAE8B2-A1E4-4545-9667-1017E13BC612}" type="datetimeFigureOut">
               <a:rPr lang="zh-CN" altLang="en-US" smtClean="0"/>
-              <a:t>2016/12/28</a:t>
+              <a:t>2016/12/29</a:t>
             </a:fld>
             <a:endParaRPr lang="zh-CN" altLang="en-US"/>
           </a:p>
@@ -2207,7 +2208,7 @@
           <a:p>
             <a:fld id="{78EAE8B2-A1E4-4545-9667-1017E13BC612}" type="datetimeFigureOut">
               <a:rPr lang="zh-CN" altLang="en-US" smtClean="0"/>
-              <a:t>2016/12/28</a:t>
+              <a:t>2016/12/29</a:t>
             </a:fld>
             <a:endParaRPr lang="zh-CN" altLang="en-US"/>
           </a:p>
@@ -2488,7 +2489,7 @@
           <a:p>
             <a:fld id="{78EAE8B2-A1E4-4545-9667-1017E13BC612}" type="datetimeFigureOut">
               <a:rPr lang="zh-CN" altLang="en-US" smtClean="0"/>
-              <a:t>2016/12/28</a:t>
+              <a:t>2016/12/29</a:t>
             </a:fld>
             <a:endParaRPr lang="zh-CN" altLang="en-US"/>
           </a:p>
@@ -2776,7 +2777,7 @@
           <a:p>
             <a:fld id="{78EAE8B2-A1E4-4545-9667-1017E13BC612}" type="datetimeFigureOut">
               <a:rPr lang="zh-CN" altLang="en-US" smtClean="0"/>
-              <a:t>2016/12/28</a:t>
+              <a:t>2016/12/29</a:t>
             </a:fld>
             <a:endParaRPr lang="zh-CN" altLang="en-US"/>
           </a:p>
@@ -3330,7 +3331,7 @@
           <a:p>
             <a:fld id="{78EAE8B2-A1E4-4545-9667-1017E13BC612}" type="datetimeFigureOut">
               <a:rPr lang="zh-CN" altLang="en-US" smtClean="0"/>
-              <a:t>2016/12/28</a:t>
+              <a:t>2016/12/29</a:t>
             </a:fld>
             <a:endParaRPr lang="zh-CN" altLang="en-US"/>
           </a:p>
@@ -3461,7 +3462,7 @@
           <a:p>
             <a:fld id="{78EAE8B2-A1E4-4545-9667-1017E13BC612}" type="datetimeFigureOut">
               <a:rPr lang="zh-CN" altLang="en-US" smtClean="0"/>
-              <a:t>2016/12/28</a:t>
+              <a:t>2016/12/29</a:t>
             </a:fld>
             <a:endParaRPr lang="zh-CN" altLang="en-US"/>
           </a:p>
@@ -3611,7 +3612,7 @@
           <a:p>
             <a:fld id="{78EAE8B2-A1E4-4545-9667-1017E13BC612}" type="datetimeFigureOut">
               <a:rPr lang="zh-CN" altLang="en-US" smtClean="0"/>
-              <a:t>2016/12/28</a:t>
+              <a:t>2016/12/29</a:t>
             </a:fld>
             <a:endParaRPr lang="zh-CN" altLang="en-US"/>
           </a:p>
@@ -3932,7 +3933,7 @@
           <a:p>
             <a:fld id="{78EAE8B2-A1E4-4545-9667-1017E13BC612}" type="datetimeFigureOut">
               <a:rPr lang="zh-CN" altLang="en-US" smtClean="0"/>
-              <a:t>2016/12/28</a:t>
+              <a:t>2016/12/29</a:t>
             </a:fld>
             <a:endParaRPr lang="zh-CN" altLang="en-US"/>
           </a:p>
@@ -4229,7 +4230,7 @@
           <a:p>
             <a:fld id="{78EAE8B2-A1E4-4545-9667-1017E13BC612}" type="datetimeFigureOut">
               <a:rPr lang="zh-CN" altLang="en-US" smtClean="0"/>
-              <a:t>2016/12/28</a:t>
+              <a:t>2016/12/29</a:t>
             </a:fld>
             <a:endParaRPr lang="zh-CN" altLang="en-US"/>
           </a:p>
@@ -4474,7 +4475,7 @@
           <a:p>
             <a:fld id="{78EAE8B2-A1E4-4545-9667-1017E13BC612}" type="datetimeFigureOut">
               <a:rPr lang="zh-CN" altLang="en-US" smtClean="0"/>
-              <a:t>2016/12/28</a:t>
+              <a:t>2016/12/29</a:t>
             </a:fld>
             <a:endParaRPr lang="zh-CN" altLang="en-US"/>
           </a:p>
@@ -7895,6 +7896,151 @@
 </file>
 
 <file path=ppt/slides/slide24.xml><?xml version="1.0" encoding="utf-8"?>
+<p:sld xmlns:a="http://schemas.openxmlformats.org/drawingml/2006/main" xmlns:r="http://schemas.openxmlformats.org/officeDocument/2006/relationships" xmlns:p="http://schemas.openxmlformats.org/presentationml/2006/main">
+  <p:cSld>
+    <p:spTree>
+      <p:nvGrpSpPr>
+        <p:cNvPr id="1" name=""/>
+        <p:cNvGrpSpPr/>
+        <p:nvPr/>
+      </p:nvGrpSpPr>
+      <p:grpSpPr>
+        <a:xfrm>
+          <a:off x="0" y="0"/>
+          <a:ext cx="0" cy="0"/>
+          <a:chOff x="0" y="0"/>
+          <a:chExt cx="0" cy="0"/>
+        </a:xfrm>
+      </p:grpSpPr>
+      <p:sp>
+        <p:nvSpPr>
+          <p:cNvPr id="4" name="标题 3"/>
+          <p:cNvSpPr>
+            <a:spLocks noGrp="1"/>
+          </p:cNvSpPr>
+          <p:nvPr>
+            <p:ph type="title"/>
+          </p:nvPr>
+        </p:nvSpPr>
+        <p:spPr/>
+        <p:txBody>
+          <a:bodyPr/>
+          <a:lstStyle/>
+          <a:p>
+            <a:endParaRPr kumimoji="1" lang="zh-CN" altLang="en-US"/>
+          </a:p>
+        </p:txBody>
+      </p:sp>
+      <p:sp>
+        <p:nvSpPr>
+          <p:cNvPr id="5" name="内容占位符 4"/>
+          <p:cNvSpPr>
+            <a:spLocks noGrp="1"/>
+          </p:cNvSpPr>
+          <p:nvPr>
+            <p:ph idx="1"/>
+          </p:nvPr>
+        </p:nvSpPr>
+        <p:spPr/>
+        <p:txBody>
+          <a:bodyPr/>
+          <a:lstStyle/>
+          <a:p>
+            <a:pPr>
+              <a:lnSpc>
+                <a:spcPct val="150000"/>
+              </a:lnSpc>
+            </a:pPr>
+            <a:r>
+              <a:rPr kumimoji="1" lang="zh-CN" altLang="en-US" dirty="0" smtClean="0">
+                <a:latin typeface="STKaiti" charset="-122"/>
+                <a:ea typeface="STKaiti" charset="-122"/>
+                <a:cs typeface="STKaiti" charset="-122"/>
+              </a:rPr>
+              <a:t>主动；</a:t>
+            </a:r>
+            <a:endParaRPr kumimoji="1" lang="en-US" altLang="zh-CN" dirty="0" smtClean="0">
+              <a:latin typeface="STKaiti" charset="-122"/>
+              <a:ea typeface="STKaiti" charset="-122"/>
+              <a:cs typeface="STKaiti" charset="-122"/>
+            </a:endParaRPr>
+          </a:p>
+          <a:p>
+            <a:pPr>
+              <a:lnSpc>
+                <a:spcPct val="150000"/>
+              </a:lnSpc>
+            </a:pPr>
+            <a:r>
+              <a:rPr kumimoji="1" lang="zh-CN" altLang="en-US" dirty="0" smtClean="0">
+                <a:latin typeface="STKaiti" charset="-122"/>
+                <a:ea typeface="STKaiti" charset="-122"/>
+                <a:cs typeface="STKaiti" charset="-122"/>
+              </a:rPr>
+              <a:t>现在就开始，说比做容易；</a:t>
+            </a:r>
+            <a:endParaRPr kumimoji="1" lang="en-US" altLang="zh-CN" dirty="0" smtClean="0">
+              <a:latin typeface="STKaiti" charset="-122"/>
+              <a:ea typeface="STKaiti" charset="-122"/>
+              <a:cs typeface="STKaiti" charset="-122"/>
+            </a:endParaRPr>
+          </a:p>
+          <a:p>
+            <a:pPr>
+              <a:lnSpc>
+                <a:spcPct val="150000"/>
+              </a:lnSpc>
+            </a:pPr>
+            <a:r>
+              <a:rPr kumimoji="1" lang="zh-CN" altLang="en-US" dirty="0" smtClean="0">
+                <a:latin typeface="STKaiti" charset="-122"/>
+                <a:ea typeface="STKaiti" charset="-122"/>
+                <a:cs typeface="STKaiti" charset="-122"/>
+              </a:rPr>
+              <a:t>定期总结、迭代式改进；</a:t>
+            </a:r>
+            <a:endParaRPr kumimoji="1" lang="en-US" altLang="zh-CN" dirty="0" smtClean="0">
+              <a:latin typeface="STKaiti" charset="-122"/>
+              <a:ea typeface="STKaiti" charset="-122"/>
+              <a:cs typeface="STKaiti" charset="-122"/>
+            </a:endParaRPr>
+          </a:p>
+          <a:p>
+            <a:pPr>
+              <a:lnSpc>
+                <a:spcPct val="150000"/>
+              </a:lnSpc>
+            </a:pPr>
+            <a:r>
+              <a:rPr kumimoji="1" lang="zh-CN" altLang="en-US" smtClean="0">
+                <a:latin typeface="STKaiti" charset="-122"/>
+                <a:ea typeface="STKaiti" charset="-122"/>
+                <a:cs typeface="STKaiti" charset="-122"/>
+              </a:rPr>
+              <a:t>共赢、沟通、主动；</a:t>
+            </a:r>
+            <a:endParaRPr kumimoji="1" lang="zh-CN" altLang="en-US" dirty="0">
+              <a:latin typeface="STKaiti" charset="-122"/>
+              <a:ea typeface="STKaiti" charset="-122"/>
+              <a:cs typeface="STKaiti" charset="-122"/>
+            </a:endParaRPr>
+          </a:p>
+        </p:txBody>
+      </p:sp>
+    </p:spTree>
+    <p:extLst>
+      <p:ext uri="{BB962C8B-B14F-4D97-AF65-F5344CB8AC3E}">
+        <p14:creationId xmlns:p14="http://schemas.microsoft.com/office/powerpoint/2010/main" val="1729245072"/>
+      </p:ext>
+    </p:extLst>
+  </p:cSld>
+  <p:clrMapOvr>
+    <a:masterClrMapping/>
+  </p:clrMapOvr>
+</p:sld>
+</file>
+
+<file path=ppt/slides/slide25.xml><?xml version="1.0" encoding="utf-8"?>
 <p:sld xmlns:a="http://schemas.openxmlformats.org/drawingml/2006/main" xmlns:r="http://schemas.openxmlformats.org/officeDocument/2006/relationships" xmlns:p="http://schemas.openxmlformats.org/presentationml/2006/main">
   <p:cSld>
     <p:spTree>
